--- a/Networking_Forensics/30_SMTP_Email_Forensics.pptx
+++ b/Networking_Forensics/30_SMTP_Email_Forensics.pptx
@@ -5,48 +5,40 @@
     <p:sldMasterId id="2147483648" r:id="rId1"/>
   </p:sldMasterIdLst>
   <p:notesMasterIdLst>
-    <p:notesMasterId r:id="rId41"/>
+    <p:notesMasterId r:id="rId33"/>
   </p:notesMasterIdLst>
   <p:sldIdLst>
     <p:sldId id="256" r:id="rId2"/>
     <p:sldId id="500" r:id="rId3"/>
-    <p:sldId id="509" r:id="rId4"/>
-    <p:sldId id="505" r:id="rId5"/>
-    <p:sldId id="506" r:id="rId6"/>
-    <p:sldId id="507" r:id="rId7"/>
-    <p:sldId id="478" r:id="rId8"/>
-    <p:sldId id="472" r:id="rId9"/>
-    <p:sldId id="508" r:id="rId10"/>
-    <p:sldId id="511" r:id="rId11"/>
-    <p:sldId id="512" r:id="rId12"/>
-    <p:sldId id="502" r:id="rId13"/>
-    <p:sldId id="510" r:id="rId14"/>
-    <p:sldId id="487" r:id="rId15"/>
-    <p:sldId id="488" r:id="rId16"/>
-    <p:sldId id="490" r:id="rId17"/>
-    <p:sldId id="491" r:id="rId18"/>
-    <p:sldId id="489" r:id="rId19"/>
-    <p:sldId id="493" r:id="rId20"/>
-    <p:sldId id="492" r:id="rId21"/>
-    <p:sldId id="503" r:id="rId22"/>
-    <p:sldId id="477" r:id="rId23"/>
-    <p:sldId id="495" r:id="rId24"/>
-    <p:sldId id="496" r:id="rId25"/>
-    <p:sldId id="498" r:id="rId26"/>
-    <p:sldId id="499" r:id="rId27"/>
-    <p:sldId id="497" r:id="rId28"/>
-    <p:sldId id="473" r:id="rId29"/>
-    <p:sldId id="474" r:id="rId30"/>
-    <p:sldId id="480" r:id="rId31"/>
-    <p:sldId id="481" r:id="rId32"/>
-    <p:sldId id="479" r:id="rId33"/>
-    <p:sldId id="515" r:id="rId34"/>
-    <p:sldId id="516" r:id="rId35"/>
-    <p:sldId id="517" r:id="rId36"/>
-    <p:sldId id="482" r:id="rId37"/>
-    <p:sldId id="486" r:id="rId38"/>
-    <p:sldId id="501" r:id="rId39"/>
-    <p:sldId id="513" r:id="rId40"/>
+    <p:sldId id="510" r:id="rId4"/>
+    <p:sldId id="487" r:id="rId5"/>
+    <p:sldId id="488" r:id="rId6"/>
+    <p:sldId id="490" r:id="rId7"/>
+    <p:sldId id="491" r:id="rId8"/>
+    <p:sldId id="489" r:id="rId9"/>
+    <p:sldId id="493" r:id="rId10"/>
+    <p:sldId id="492" r:id="rId11"/>
+    <p:sldId id="478" r:id="rId12"/>
+    <p:sldId id="472" r:id="rId13"/>
+    <p:sldId id="503" r:id="rId14"/>
+    <p:sldId id="477" r:id="rId15"/>
+    <p:sldId id="495" r:id="rId16"/>
+    <p:sldId id="496" r:id="rId17"/>
+    <p:sldId id="498" r:id="rId18"/>
+    <p:sldId id="499" r:id="rId19"/>
+    <p:sldId id="497" r:id="rId20"/>
+    <p:sldId id="473" r:id="rId21"/>
+    <p:sldId id="474" r:id="rId22"/>
+    <p:sldId id="480" r:id="rId23"/>
+    <p:sldId id="481" r:id="rId24"/>
+    <p:sldId id="479" r:id="rId25"/>
+    <p:sldId id="515" r:id="rId26"/>
+    <p:sldId id="516" r:id="rId27"/>
+    <p:sldId id="517" r:id="rId28"/>
+    <p:sldId id="482" r:id="rId29"/>
+    <p:sldId id="486" r:id="rId30"/>
+    <p:sldId id="501" r:id="rId31"/>
+    <p:sldId id="513" r:id="rId32"/>
   </p:sldIdLst>
   <p:sldSz cx="12192000" cy="6858000"/>
   <p:notesSz cx="6858000" cy="9144000"/>
@@ -1298,12 +1290,12 @@
   <pc:docChgLst>
     <pc:chgData name="Weifeng Xu" userId="e7aed605-a3dd-4d5a-a692-a87037af107b" providerId="ADAL" clId="{6D29361D-2D70-4D42-95BA-2E08DED4CE52}"/>
     <pc:docChg chg="undo custSel addSld delSld modSld sldOrd">
-      <pc:chgData name="Weifeng Xu" userId="e7aed605-a3dd-4d5a-a692-a87037af107b" providerId="ADAL" clId="{6D29361D-2D70-4D42-95BA-2E08DED4CE52}" dt="2023-03-11T21:09:04.347" v="2264" actId="20577"/>
+      <pc:chgData name="Weifeng Xu" userId="e7aed605-a3dd-4d5a-a692-a87037af107b" providerId="ADAL" clId="{6D29361D-2D70-4D42-95BA-2E08DED4CE52}" dt="2023-03-16T19:16:10.372" v="2415" actId="20577"/>
       <pc:docMkLst>
         <pc:docMk/>
       </pc:docMkLst>
       <pc:sldChg chg="modSp mod">
-        <pc:chgData name="Weifeng Xu" userId="e7aed605-a3dd-4d5a-a692-a87037af107b" providerId="ADAL" clId="{6D29361D-2D70-4D42-95BA-2E08DED4CE52}" dt="2023-03-11T14:11:17.372" v="1136" actId="20577"/>
+        <pc:chgData name="Weifeng Xu" userId="e7aed605-a3dd-4d5a-a692-a87037af107b" providerId="ADAL" clId="{6D29361D-2D70-4D42-95BA-2E08DED4CE52}" dt="2023-03-16T19:04:02.138" v="2270" actId="6549"/>
         <pc:sldMkLst>
           <pc:docMk/>
           <pc:sldMk cId="162022530" sldId="256"/>
@@ -1317,7 +1309,7 @@
           </ac:spMkLst>
         </pc:spChg>
         <pc:spChg chg="mod">
-          <ac:chgData name="Weifeng Xu" userId="e7aed605-a3dd-4d5a-a692-a87037af107b" providerId="ADAL" clId="{6D29361D-2D70-4D42-95BA-2E08DED4CE52}" dt="2023-03-11T14:11:17.372" v="1136" actId="20577"/>
+          <ac:chgData name="Weifeng Xu" userId="e7aed605-a3dd-4d5a-a692-a87037af107b" providerId="ADAL" clId="{6D29361D-2D70-4D42-95BA-2E08DED4CE52}" dt="2023-03-16T19:04:02.138" v="2270" actId="6549"/>
           <ac:spMkLst>
             <pc:docMk/>
             <pc:sldMk cId="162022530" sldId="256"/>
@@ -1410,7 +1402,7 @@
         </pc:sldMkLst>
       </pc:sldChg>
       <pc:sldChg chg="addSp delSp modSp new mod ord modClrScheme chgLayout modNotesTx">
-        <pc:chgData name="Weifeng Xu" userId="e7aed605-a3dd-4d5a-a692-a87037af107b" providerId="ADAL" clId="{6D29361D-2D70-4D42-95BA-2E08DED4CE52}" dt="2023-03-11T14:52:27.291" v="1514"/>
+        <pc:chgData name="Weifeng Xu" userId="e7aed605-a3dd-4d5a-a692-a87037af107b" providerId="ADAL" clId="{6D29361D-2D70-4D42-95BA-2E08DED4CE52}" dt="2023-03-16T19:16:10.372" v="2415" actId="20577"/>
         <pc:sldMkLst>
           <pc:docMk/>
           <pc:sldMk cId="2401898171" sldId="472"/>
@@ -1564,7 +1556,7 @@
         </pc:cxnChg>
       </pc:sldChg>
       <pc:sldChg chg="addSp modSp new mod ord modClrScheme chgLayout">
-        <pc:chgData name="Weifeng Xu" userId="e7aed605-a3dd-4d5a-a692-a87037af107b" providerId="ADAL" clId="{6D29361D-2D70-4D42-95BA-2E08DED4CE52}" dt="2023-03-11T15:17:00.485" v="1843" actId="1076"/>
+        <pc:chgData name="Weifeng Xu" userId="e7aed605-a3dd-4d5a-a692-a87037af107b" providerId="ADAL" clId="{6D29361D-2D70-4D42-95BA-2E08DED4CE52}" dt="2023-03-16T19:07:03.114" v="2276"/>
         <pc:sldMkLst>
           <pc:docMk/>
           <pc:sldMk cId="1753387112" sldId="478"/>
@@ -2030,7 +2022,7 @@
         </pc:picChg>
       </pc:sldChg>
       <pc:sldChg chg="addSp modSp new mod ord modClrScheme modAnim chgLayout">
-        <pc:chgData name="Weifeng Xu" userId="e7aed605-a3dd-4d5a-a692-a87037af107b" providerId="ADAL" clId="{6D29361D-2D70-4D42-95BA-2E08DED4CE52}" dt="2023-03-11T15:15:41.536" v="1828"/>
+        <pc:chgData name="Weifeng Xu" userId="e7aed605-a3dd-4d5a-a692-a87037af107b" providerId="ADAL" clId="{6D29361D-2D70-4D42-95BA-2E08DED4CE52}" dt="2023-03-16T19:08:07.348" v="2278"/>
         <pc:sldMkLst>
           <pc:docMk/>
           <pc:sldMk cId="3094179957" sldId="492"/>
@@ -2342,7 +2334,7 @@
         </pc:picChg>
       </pc:sldChg>
       <pc:sldChg chg="modSp new mod">
-        <pc:chgData name="Weifeng Xu" userId="e7aed605-a3dd-4d5a-a692-a87037af107b" providerId="ADAL" clId="{6D29361D-2D70-4D42-95BA-2E08DED4CE52}" dt="2023-03-11T20:50:17.873" v="2111" actId="20577"/>
+        <pc:chgData name="Weifeng Xu" userId="e7aed605-a3dd-4d5a-a692-a87037af107b" providerId="ADAL" clId="{6D29361D-2D70-4D42-95BA-2E08DED4CE52}" dt="2023-03-16T19:11:56.900" v="2358" actId="2711"/>
         <pc:sldMkLst>
           <pc:docMk/>
           <pc:sldMk cId="873956335" sldId="500"/>
@@ -2356,7 +2348,7 @@
           </ac:spMkLst>
         </pc:spChg>
         <pc:spChg chg="mod">
-          <ac:chgData name="Weifeng Xu" userId="e7aed605-a3dd-4d5a-a692-a87037af107b" providerId="ADAL" clId="{6D29361D-2D70-4D42-95BA-2E08DED4CE52}" dt="2023-03-11T20:50:17.873" v="2111" actId="20577"/>
+          <ac:chgData name="Weifeng Xu" userId="e7aed605-a3dd-4d5a-a692-a87037af107b" providerId="ADAL" clId="{6D29361D-2D70-4D42-95BA-2E08DED4CE52}" dt="2023-03-16T19:11:56.900" v="2358" actId="2711"/>
           <ac:spMkLst>
             <pc:docMk/>
             <pc:sldMk cId="873956335" sldId="500"/>
@@ -2387,8 +2379,8 @@
           </ac:spMkLst>
         </pc:spChg>
       </pc:sldChg>
-      <pc:sldChg chg="addSp modSp new mod ord modClrScheme chgLayout">
-        <pc:chgData name="Weifeng Xu" userId="e7aed605-a3dd-4d5a-a692-a87037af107b" providerId="ADAL" clId="{6D29361D-2D70-4D42-95BA-2E08DED4CE52}" dt="2023-03-11T15:16:27.259" v="1832"/>
+      <pc:sldChg chg="addSp modSp new del mod ord modClrScheme chgLayout">
+        <pc:chgData name="Weifeng Xu" userId="e7aed605-a3dd-4d5a-a692-a87037af107b" providerId="ADAL" clId="{6D29361D-2D70-4D42-95BA-2E08DED4CE52}" dt="2023-03-16T19:06:50.964" v="2274" actId="47"/>
         <pc:sldMkLst>
           <pc:docMk/>
           <pc:sldMk cId="3132971112" sldId="502"/>
@@ -2448,8 +2440,8 @@
           <pc:sldMk cId="3421466816" sldId="504"/>
         </pc:sldMkLst>
       </pc:sldChg>
-      <pc:sldChg chg="modSp new mod">
-        <pc:chgData name="Weifeng Xu" userId="e7aed605-a3dd-4d5a-a692-a87037af107b" providerId="ADAL" clId="{6D29361D-2D70-4D42-95BA-2E08DED4CE52}" dt="2023-03-11T14:17:08.941" v="1272" actId="15"/>
+      <pc:sldChg chg="modSp new del mod">
+        <pc:chgData name="Weifeng Xu" userId="e7aed605-a3dd-4d5a-a692-a87037af107b" providerId="ADAL" clId="{6D29361D-2D70-4D42-95BA-2E08DED4CE52}" dt="2023-03-16T18:59:06.796" v="2267" actId="47"/>
         <pc:sldMkLst>
           <pc:docMk/>
           <pc:sldMk cId="664956363" sldId="505"/>
@@ -2471,8 +2463,8 @@
           </ac:spMkLst>
         </pc:spChg>
       </pc:sldChg>
-      <pc:sldChg chg="modSp new mod">
-        <pc:chgData name="Weifeng Xu" userId="e7aed605-a3dd-4d5a-a692-a87037af107b" providerId="ADAL" clId="{6D29361D-2D70-4D42-95BA-2E08DED4CE52}" dt="2023-03-11T14:18:20.040" v="1294" actId="27636"/>
+      <pc:sldChg chg="modSp new del mod">
+        <pc:chgData name="Weifeng Xu" userId="e7aed605-a3dd-4d5a-a692-a87037af107b" providerId="ADAL" clId="{6D29361D-2D70-4D42-95BA-2E08DED4CE52}" dt="2023-03-16T18:58:02.910" v="2265" actId="47"/>
         <pc:sldMkLst>
           <pc:docMk/>
           <pc:sldMk cId="2809048179" sldId="506"/>
@@ -2494,8 +2486,8 @@
           </ac:spMkLst>
         </pc:spChg>
       </pc:sldChg>
-      <pc:sldChg chg="addSp delSp modSp new mod modClrScheme chgLayout">
-        <pc:chgData name="Weifeng Xu" userId="e7aed605-a3dd-4d5a-a692-a87037af107b" providerId="ADAL" clId="{6D29361D-2D70-4D42-95BA-2E08DED4CE52}" dt="2023-03-11T14:24:35.216" v="1331" actId="14100"/>
+      <pc:sldChg chg="addSp delSp modSp new del mod modClrScheme chgLayout">
+        <pc:chgData name="Weifeng Xu" userId="e7aed605-a3dd-4d5a-a692-a87037af107b" providerId="ADAL" clId="{6D29361D-2D70-4D42-95BA-2E08DED4CE52}" dt="2023-03-16T18:59:04.229" v="2266" actId="47"/>
         <pc:sldMkLst>
           <pc:docMk/>
           <pc:sldMk cId="2939029914" sldId="507"/>
@@ -2549,8 +2541,8 @@
           </ac:picMkLst>
         </pc:picChg>
       </pc:sldChg>
-      <pc:sldChg chg="addSp delSp modSp new mod">
-        <pc:chgData name="Weifeng Xu" userId="e7aed605-a3dd-4d5a-a692-a87037af107b" providerId="ADAL" clId="{6D29361D-2D70-4D42-95BA-2E08DED4CE52}" dt="2023-03-11T14:49:59.111" v="1512"/>
+      <pc:sldChg chg="addSp delSp modSp new del mod">
+        <pc:chgData name="Weifeng Xu" userId="e7aed605-a3dd-4d5a-a692-a87037af107b" providerId="ADAL" clId="{6D29361D-2D70-4D42-95BA-2E08DED4CE52}" dt="2023-03-16T19:06:47.385" v="2271" actId="47"/>
         <pc:sldMkLst>
           <pc:docMk/>
           <pc:sldMk cId="819357341" sldId="508"/>
@@ -2740,8 +2732,8 @@
           </ac:cxnSpMkLst>
         </pc:cxnChg>
       </pc:sldChg>
-      <pc:sldChg chg="addSp delSp modSp new mod modClrScheme chgLayout">
-        <pc:chgData name="Weifeng Xu" userId="e7aed605-a3dd-4d5a-a692-a87037af107b" providerId="ADAL" clId="{6D29361D-2D70-4D42-95BA-2E08DED4CE52}" dt="2023-03-11T15:13:43.516" v="1810" actId="20577"/>
+      <pc:sldChg chg="addSp delSp modSp new del mod modClrScheme chgLayout">
+        <pc:chgData name="Weifeng Xu" userId="e7aed605-a3dd-4d5a-a692-a87037af107b" providerId="ADAL" clId="{6D29361D-2D70-4D42-95BA-2E08DED4CE52}" dt="2023-03-16T18:59:07.684" v="2268" actId="47"/>
         <pc:sldMkLst>
           <pc:docMk/>
           <pc:sldMk cId="2742041552" sldId="509"/>
@@ -2810,8 +2802,8 @@
           </ac:spMkLst>
         </pc:spChg>
       </pc:sldChg>
-      <pc:sldChg chg="addSp modSp new mod">
-        <pc:chgData name="Weifeng Xu" userId="e7aed605-a3dd-4d5a-a692-a87037af107b" providerId="ADAL" clId="{6D29361D-2D70-4D42-95BA-2E08DED4CE52}" dt="2023-03-11T14:56:50.489" v="1535" actId="1076"/>
+      <pc:sldChg chg="addSp modSp new del mod">
+        <pc:chgData name="Weifeng Xu" userId="e7aed605-a3dd-4d5a-a692-a87037af107b" providerId="ADAL" clId="{6D29361D-2D70-4D42-95BA-2E08DED4CE52}" dt="2023-03-16T19:06:48.353" v="2272" actId="47"/>
         <pc:sldMkLst>
           <pc:docMk/>
           <pc:sldMk cId="2363192742" sldId="511"/>
@@ -2833,8 +2825,8 @@
           </ac:picMkLst>
         </pc:picChg>
       </pc:sldChg>
-      <pc:sldChg chg="addSp delSp modSp new mod modClrScheme chgLayout">
-        <pc:chgData name="Weifeng Xu" userId="e7aed605-a3dd-4d5a-a692-a87037af107b" providerId="ADAL" clId="{6D29361D-2D70-4D42-95BA-2E08DED4CE52}" dt="2023-03-11T15:09:34.865" v="1709" actId="20577"/>
+      <pc:sldChg chg="addSp delSp modSp new del mod modClrScheme chgLayout">
+        <pc:chgData name="Weifeng Xu" userId="e7aed605-a3dd-4d5a-a692-a87037af107b" providerId="ADAL" clId="{6D29361D-2D70-4D42-95BA-2E08DED4CE52}" dt="2023-03-16T19:06:49.254" v="2273" actId="47"/>
         <pc:sldMkLst>
           <pc:docMk/>
           <pc:sldMk cId="3668738151" sldId="512"/>
@@ -7105,230 +7097,6 @@
     </pc:docChg>
   </pc:docChgLst>
 </pc:chgInfo>
-</file>
-
-<file path=ppt/ink/ink1.xml><?xml version="1.0" encoding="utf-8"?>
-<inkml:ink xmlns:inkml="http://www.w3.org/2003/InkML">
-  <inkml:definitions>
-    <inkml:context xml:id="ctx0">
-      <inkml:inkSource xml:id="inkSrc0">
-        <inkml:traceFormat>
-          <inkml:channel name="X" type="integer" min="-2.14748E9" max="2.14748E9" units="cm"/>
-          <inkml:channel name="Y" type="integer" min="-2.14748E9" max="2.14748E9" units="cm"/>
-          <inkml:channel name="F" type="integer" max="32767" units="dev"/>
-        </inkml:traceFormat>
-        <inkml:channelProperties>
-          <inkml:channelProperty channel="X" name="resolution" value="1000" units="1/cm"/>
-          <inkml:channelProperty channel="Y" name="resolution" value="1000" units="1/cm"/>
-          <inkml:channelProperty channel="F" name="resolution" value="0" units="1/dev"/>
-        </inkml:channelProperties>
-      </inkml:inkSource>
-      <inkml:timestamp xml:id="ts0" timeString="2023-03-11T14:32:16.766"/>
-    </inkml:context>
-    <inkml:brush xml:id="br0">
-      <inkml:brushProperty name="width" value="0.05" units="cm"/>
-      <inkml:brushProperty name="height" value="0.05" units="cm"/>
-      <inkml:brushProperty name="color" value="#FF0066"/>
-    </inkml:brush>
-  </inkml:definitions>
-  <inkml:trace contextRef="#ctx0" brushRef="#br0">683 2 24575,'-51'-1'0,"2"0"0,1 2 0,-81 12 0,-6 10 0,73-17 0,-6 2 0,64-7 0,-1 0 0,1 1 0,-1-1 0,1 1 0,0 0 0,0 0 0,0 0 0,0 1 0,0 0 0,0-1 0,1 1 0,-4 4 0,3-1 0,0 1 0,1-1 0,0 0 0,0 1 0,0 0 0,1 0 0,0 0 0,0 0 0,0 8 0,-8 25 0,-2-4 0,2 0 0,-6 41 0,12-35 0,1 0 0,2 0 0,6 60 0,-4-96 0,0 1 0,0-1 0,1 0 0,0 0 0,0 0 0,0 0 0,1 0 0,0-1 0,0 1 0,5 6 0,3 2 0,1 0 0,16 14 0,-14-15 0,-1 1 0,13 17 0,-8-1 0,-16-25 0,1 0 0,0 0 0,0 0 0,0 0 0,1-1 0,0 1 0,0-1 0,0 0 0,0 0 0,10 6 0,102 61 0,-103-63 0,2-2 0,-1 1 0,1-2 0,0 0 0,21 4 0,-14-3 0,36 14 0,-39-13 0,1 0 0,0-1 0,0-1 0,0 0 0,34 2 0,-37-5 0,0 2 0,31 10 0,-34-9 0,0-1 0,1 0 0,0-1 0,16 2 0,54 5 0,-54-5 0,44 1 0,-35-6 0,-12-1 0,-1 2 0,1 1 0,48 8 0,-53-6 0,0 0 0,0-2 0,24-1 0,-23-1 0,0 1 0,44 8 0,-48-5 0,-1-1 0,1-1 0,0-1 0,0 0 0,0-2 0,-1 0 0,1-1 0,34-9 0,21 0 0,-59 10 0,-1-1 0,1 0 0,-1-1 0,28-9 0,-33 8 0,-1 0 0,1 0 0,-1-1 0,0 0 0,-1-1 0,1 0 0,-1 0 0,0 0 0,-1-1 0,0-1 0,0 1 0,0-1 0,-1 0 0,0-1 0,-1 1 0,0-1 0,0 0 0,-1 0 0,4-13 0,-1-1 0,-1-1 0,-2 0 0,0 0 0,-2 0 0,-1-45 0,-1 49 0,-1 0 0,-1 0 0,-1 1 0,-1-1 0,-1 1 0,0-1 0,-2 1 0,0 1 0,-1-1 0,-10-16 0,10 20 0,1 0 0,-8-26 0,10 24 0,-1 1 0,-12-21 0,8 20 0,-1 0 0,-1 1 0,-1 0 0,-25-24 0,-44-33 0,70 66 0,0 0 0,0 1 0,-25-9 0,1 1 0,21 9 0,0 0 0,0 1 0,0 1 0,0 0 0,-18 0 0,-17-3 0,-25-6 0,0 3 0,-93 1 0,132 8 0,0-1 0,-61-10 0,52 5-25,1 2-1,-89 4 1,59 2-1264,55-2-5537</inkml:trace>
-</inkml:ink>
-</file>
-
-<file path=ppt/ink/ink2.xml><?xml version="1.0" encoding="utf-8"?>
-<inkml:ink xmlns:inkml="http://www.w3.org/2003/InkML">
-  <inkml:definitions>
-    <inkml:context xml:id="ctx0">
-      <inkml:inkSource xml:id="inkSrc0">
-        <inkml:traceFormat>
-          <inkml:channel name="X" type="integer" min="-2.14748E9" max="2.14748E9" units="cm"/>
-          <inkml:channel name="Y" type="integer" min="-2.14748E9" max="2.14748E9" units="cm"/>
-          <inkml:channel name="F" type="integer" max="32767" units="dev"/>
-        </inkml:traceFormat>
-        <inkml:channelProperties>
-          <inkml:channelProperty channel="X" name="resolution" value="1000" units="1/cm"/>
-          <inkml:channelProperty channel="Y" name="resolution" value="1000" units="1/cm"/>
-          <inkml:channelProperty channel="F" name="resolution" value="0" units="1/dev"/>
-        </inkml:channelProperties>
-      </inkml:inkSource>
-      <inkml:timestamp xml:id="ts0" timeString="2023-03-11T14:32:24.210"/>
-    </inkml:context>
-    <inkml:brush xml:id="br0">
-      <inkml:brushProperty name="width" value="0.05" units="cm"/>
-      <inkml:brushProperty name="height" value="0.05" units="cm"/>
-      <inkml:brushProperty name="color" value="#FF0066"/>
-    </inkml:brush>
-  </inkml:definitions>
-  <inkml:trace contextRef="#ctx0" brushRef="#br0">1081 87 24575,'-13'-1'0,"0"-1"0,0 0 0,-15-4 0,-31-4 0,42 10 0,-1 1 0,1 0 0,0 1 0,-1 1 0,1 1 0,-32 11 0,22-7 0,-62 15 0,-38 13 0,95-27 0,0-1 0,0-1 0,-63 4 0,89-11 0,-5 2 0,0 0 0,0 1 0,0 0 0,1 0 0,-1 1 0,1 1 0,0 0 0,1 0 0,-1 1 0,-11 9 0,7-4 0,0 0 0,1 2 0,1 0 0,0 0 0,-17 24 0,25-31 0,-1-1 0,0 0 0,0 0 0,-9 7 0,10-9 0,0 0 0,0 0 0,1 0 0,0 0 0,-1 1 0,1-1 0,0 1 0,1 0 0,-1 0 0,1 0 0,0 0 0,-3 7 0,-5 24 0,-26 116 0,27-103 0,5-33 0,1-1 0,1 1 0,0 1 0,1-1 0,1 0 0,0 0 0,4 22 0,0-17 0,2-1 0,0 0 0,1 0 0,1-1 0,0 1 0,21 29 0,-25-43 0,0 0 0,1-1 0,-1 0 0,1 0 0,0 0 0,0-1 0,1 1 0,-1-1 0,1-1 0,0 1 0,-1-1 0,1 0 0,11 3 0,-11-4 0,0 0 0,-1 1 0,1-1 0,-1 2 0,1-1 0,-1 0 0,0 1 0,0 0 0,0 0 0,-1 1 0,1-1 0,-1 1 0,1 0 0,-1 0 0,-1 1 0,5 5 0,3 5 0,1 0 0,0-1 0,0 0 0,1-1 0,1 0 0,1-1 0,-1-1 0,2 0 0,17 9 0,-13-9 0,1-1 0,24 8 0,18 8 0,-47-18 0,0-2 0,1 0 0,0-1 0,0-1 0,0 0 0,0-1 0,1-1 0,-1-1 0,30-1 0,-31 1 0,0 0 0,30 7 0,24 2 0,42 3 0,-55-4 0,-4 1 0,-37-7 0,0 1 0,26 0 0,531-3 0,-277-2 0,-279 0 0,1-1 0,27-6 0,23-3 0,7 0 0,-52 7 0,-1 1 0,26-1 0,-7 4 0,-13 1 0,-1-2 0,1 0 0,48-10 0,-60 8 0,0 1 0,0 1 0,27 0 0,-27 2 0,0-1 0,1-1 0,21-5 0,9-12 0,-4 0 0,-17 11 0,0-2 0,29-12 0,-48 17 0,1 1 0,-1-2 0,0 1 0,0-1 0,0 0 0,0-1 0,-1 1 0,0-1 0,0-1 0,-1 1 0,6-8 0,-6 6 0,0 0 0,0 0 0,-1 0 0,0-1 0,0 0 0,-1 1 0,0-1 0,-1 0 0,0-1 0,0 1 0,-1 0 0,0-14 0,9-80 0,-5 70 0,1-44 0,-5-4 0,-4-92 0,1 160 0,-1-1 0,-1 1 0,0 0 0,-1 0 0,-9-20 0,-4-8 0,13 31 0,0-1 0,-1 1 0,0 0 0,-1 1 0,0 0 0,0 0 0,-16-14 0,-3-6 0,20 22 0,1-1 0,0 1 0,0-1 0,-4-11 0,7 14 0,0 0 0,0 1 0,0-1 0,-1 1 0,1-1 0,-1 1 0,0 0 0,-1 0 0,1 0 0,-1 1 0,1-1 0,-1 1 0,0 0 0,-1 0 0,1 0 0,0 0 0,-6-1 0,-4-3 0,-1 0 0,1-1 0,-24-18 0,29 18 0,-1 1 0,0 0 0,-1 1 0,1 0 0,-1 1 0,0 0 0,-1 0 0,-14-3 0,-139-17 0,58 5 0,2-1 0,58 13 0,25 3 0,-1 1 0,-33 0 0,-42 2 0,-144 5 0,115 18 0,15 2 0,34-5 0,43-9 0,-66 25 0,-4 2 0,81-32-9,-1-1-1,1 0 0,-1-2 0,-43-4 1,10 2-1308,40 1-5509</inkml:trace>
-</inkml:ink>
-</file>
-
-<file path=ppt/ink/ink3.xml><?xml version="1.0" encoding="utf-8"?>
-<inkml:ink xmlns:inkml="http://www.w3.org/2003/InkML">
-  <inkml:definitions>
-    <inkml:context xml:id="ctx0">
-      <inkml:inkSource xml:id="inkSrc0">
-        <inkml:traceFormat>
-          <inkml:channel name="X" type="integer" min="-2.14748E9" max="2.14748E9" units="cm"/>
-          <inkml:channel name="Y" type="integer" min="-2.14748E9" max="2.14748E9" units="cm"/>
-          <inkml:channel name="F" type="integer" max="32767" units="dev"/>
-        </inkml:traceFormat>
-        <inkml:channelProperties>
-          <inkml:channelProperty channel="X" name="resolution" value="1000" units="1/cm"/>
-          <inkml:channelProperty channel="Y" name="resolution" value="1000" units="1/cm"/>
-          <inkml:channelProperty channel="F" name="resolution" value="0" units="1/dev"/>
-        </inkml:channelProperties>
-      </inkml:inkSource>
-      <inkml:timestamp xml:id="ts0" timeString="2023-03-11T14:32:28.740"/>
-    </inkml:context>
-    <inkml:brush xml:id="br0">
-      <inkml:brushProperty name="width" value="0.05" units="cm"/>
-      <inkml:brushProperty name="height" value="0.05" units="cm"/>
-      <inkml:brushProperty name="color" value="#FF0066"/>
-    </inkml:brush>
-  </inkml:definitions>
-  <inkml:trace contextRef="#ctx0" brushRef="#br0">662 1 24575,'-2'4'0,"0"0"0,0 0 0,0 0 0,0 0 0,-1-1 0,1 1 0,-1 0 0,0-1 0,0 0 0,0 0 0,-7 5 0,1 1 0,-18 18 0,14-15 0,1 0 0,-1 2 0,2-1 0,0 2 0,1-1 0,-10 20 0,14-25 0,1 0 0,-1 0 0,-1 0 0,0-1 0,-15 15 0,15-17 0,0 1 0,1 0 0,0 0 0,0 1 0,0-1 0,1 1 0,0 1 0,-4 9 0,5-9 0,-1 0 0,0 0 0,0 0 0,-1-1 0,0 0 0,-12 12 0,10-11 0,0 0 0,1 0 0,0 1 0,-10 18 0,-14 33 0,-65 90 0,60-107 0,30-38 0,0-1 0,0 2 0,1-1 0,0 0 0,0 1 0,1 0 0,0 0 0,0 1 0,1-1 0,0 1 0,-4 12 0,-15 69 120,19-78-332,-1-1 0,0 0 0,-1 0-1,0 0 1,-1-1 0,-7 12 0,4-11-6614</inkml:trace>
-</inkml:ink>
-</file>
-
-<file path=ppt/ink/ink4.xml><?xml version="1.0" encoding="utf-8"?>
-<inkml:ink xmlns:inkml="http://www.w3.org/2003/InkML">
-  <inkml:definitions>
-    <inkml:context xml:id="ctx0">
-      <inkml:inkSource xml:id="inkSrc0">
-        <inkml:traceFormat>
-          <inkml:channel name="X" type="integer" min="-2.14748E9" max="2.14748E9" units="cm"/>
-          <inkml:channel name="Y" type="integer" min="-2.14748E9" max="2.14748E9" units="cm"/>
-          <inkml:channel name="F" type="integer" max="32767" units="dev"/>
-        </inkml:traceFormat>
-        <inkml:channelProperties>
-          <inkml:channelProperty channel="X" name="resolution" value="1000" units="1/cm"/>
-          <inkml:channelProperty channel="Y" name="resolution" value="1000" units="1/cm"/>
-          <inkml:channelProperty channel="F" name="resolution" value="0" units="1/dev"/>
-        </inkml:channelProperties>
-      </inkml:inkSource>
-      <inkml:timestamp xml:id="ts0" timeString="2023-03-11T14:32:30.081"/>
-    </inkml:context>
-    <inkml:brush xml:id="br0">
-      <inkml:brushProperty name="width" value="0.05" units="cm"/>
-      <inkml:brushProperty name="height" value="0.05" units="cm"/>
-      <inkml:brushProperty name="color" value="#FF0066"/>
-    </inkml:brush>
-  </inkml:definitions>
-  <inkml:trace contextRef="#ctx0" brushRef="#br0">1 1 24575,'1'6'0,"1"1"0,0 0 0,1 0 0,-1-1 0,1 1 0,1-1 0,-1 0 0,8 10 0,-2-1 0,4 6 0,-8-13 0,0 0 0,0 0 0,-1 1 0,0-1 0,5 18 0,5 38 0,18 58 0,-31-119 0,0 0 0,0-1 0,1 1 0,-1 0 0,1 0 0,0-1 0,0 1 0,0-1 0,0 0 0,0 0 0,0 0 0,1 0 0,-1 0 0,1 0 0,0 0 0,-1-1 0,1 1 0,0-1 0,0 0 0,0 0 0,0 0 0,0 0 0,0-1 0,4 1 0,9 1 0,0-1 0,0-1 0,27-2 0,-8-1 0,134 3-1365,-151 0-5461</inkml:trace>
-</inkml:ink>
-</file>
-
-<file path=ppt/ink/ink5.xml><?xml version="1.0" encoding="utf-8"?>
-<inkml:ink xmlns:inkml="http://www.w3.org/2003/InkML">
-  <inkml:definitions>
-    <inkml:context xml:id="ctx0">
-      <inkml:inkSource xml:id="inkSrc0">
-        <inkml:traceFormat>
-          <inkml:channel name="X" type="integer" min="-2.14748E9" max="2.14748E9" units="cm"/>
-          <inkml:channel name="Y" type="integer" min="-2.14748E9" max="2.14748E9" units="cm"/>
-          <inkml:channel name="F" type="integer" max="32767" units="dev"/>
-        </inkml:traceFormat>
-        <inkml:channelProperties>
-          <inkml:channelProperty channel="X" name="resolution" value="1000" units="1/cm"/>
-          <inkml:channelProperty channel="Y" name="resolution" value="1000" units="1/cm"/>
-          <inkml:channelProperty channel="F" name="resolution" value="0" units="1/dev"/>
-        </inkml:channelProperties>
-      </inkml:inkSource>
-      <inkml:timestamp xml:id="ts0" timeString="2023-03-11T14:33:16.518"/>
-    </inkml:context>
-    <inkml:brush xml:id="br0">
-      <inkml:brushProperty name="width" value="0.05" units="cm"/>
-      <inkml:brushProperty name="height" value="0.05" units="cm"/>
-      <inkml:brushProperty name="color" value="#FF0066"/>
-    </inkml:brush>
-  </inkml:definitions>
-  <inkml:trace contextRef="#ctx0" brushRef="#br0">872 24 24575,'-1'-1'0,"1"0"0,0 0 0,-1 0 0,1 0 0,-1 0 0,1 0 0,-1 1 0,0-1 0,1 0 0,-1 0 0,0 1 0,1-1 0,-1 0 0,0 1 0,0-1 0,0 1 0,1-1 0,-1 1 0,0-1 0,0 1 0,0 0 0,0-1 0,0 1 0,0 0 0,0 0 0,0-1 0,-2 1 0,-31-4 0,30 4 0,-52-3 0,-82 6 0,121 0 0,0 1 0,0 0 0,-22 8 0,-20 6 0,36-11 0,1 0 0,1 2 0,-1 0 0,1 1 0,-31 21 0,-39 25 0,51-31 0,30-20 0,1 0 0,0 0 0,-14 13 0,-10 10 0,20-18 0,0 0 0,-19 23 0,29-29 0,-1 1 0,1 0 0,0 0 0,0 0 0,0 0 0,1 1 0,0-1 0,0 1 0,0-1 0,1 1 0,-1 10 0,0-2 0,1 0 0,0 0 0,2 0 0,-1 0 0,6 23 0,-4-29 0,0-1 0,0 0 0,1 0 0,1 0 0,-1 0 0,1-1 0,0 1 0,0-1 0,1 0 0,0 0 0,11 10 0,-12-12 0,1 0 0,0-1 0,-1 0 0,2 0 0,-1 0 0,0 0 0,0-1 0,1 0 0,0 0 0,-1 0 0,1-1 0,10 1 0,14 5 0,-16-3 0,0 1 0,23 12 0,-27-12 0,1 0 0,-1-1 0,1 0 0,0 0 0,0-1 0,15 2 0,-10-2 0,0 0 0,1 1 0,20 8 0,-23-7 0,0 0 0,0-1 0,0-1 0,0-1 0,18 2 0,29-4 0,-23 0 0,1 1 0,57 9 0,-13 0 0,-55-8 0,39 8 0,-40-5 0,44 2 0,13 2 0,-56-5 0,0-2 0,41-1 0,17 1 0,-28 8 0,-42-7 0,0 0 0,21 1 0,69 9 0,-42-4 0,-2 0 0,-34-4 0,51 3 0,-44-8 0,-1 2 0,46 8 0,-24 1 0,1-3 0,84 3 0,-125-10 0,0 0 0,28 7 0,27 2 0,-57-9 0,11-1 0,0 1 0,47 10 0,-35-6 0,0 0 0,0-3 0,0-1 0,39-4 0,9 1 0,550 2 0,-617-1 0,0-1 0,32-8 0,-9 2 0,2-1 0,-20 5 0,-1 0 0,37-1 0,30 7 0,77-4 0,-162 2 0,0-1 0,0 0 0,0 0 0,0-1 0,0 1 0,0-1 0,0 1 0,-1-1 0,1-1 0,-1 1 0,1 0 0,-1-1 0,0 0 0,5-4 0,2-5 0,0 0 0,12-22 0,-14 22 0,-1-3 0,0 0 0,0 0 0,-2 0 0,0 0 0,0-1 0,3-31 0,-3 23 0,13-44 0,-14 55 0,0 1 0,-1-1 0,-1 0 0,0 0 0,-1 0 0,0 0 0,-1 0 0,0 0 0,-1 0 0,-1 0 0,0 0 0,-6-21 0,5 27 0,0 1 0,-1 0 0,0 1 0,0-1 0,0 0 0,0 1 0,-1 0 0,0 0 0,0 1 0,-1-1 0,1 1 0,-1 0 0,0 1 0,0-1 0,-10-3 0,14 6 0,-12-7 0,1 0 0,-1 0 0,1 2 0,-2-1 0,1 2 0,-19-5 0,-28-10 0,50 15 0,-1 1 0,1 0 0,-1 0 0,0 2 0,-16-3 0,-48-5 0,52 6 0,-46-3 0,-947 8 0,1001 0 0,-1 0 0,-27 7 0,26-4 0,1-1 0,-22 1 0,-24-3 0,30-2 0,0 2 0,0 1 0,-42 8 0,34-4 0,0-1 0,-1-3 0,-74-4 0,24 0 0,-267 2 0,335-2 0,0 0 0,-32-8 0,12 2 0,13 1 0,0-1 0,0-2 0,-31-13 0,4 1 0,-40-5 0,27 10 0,39 9 29,-39-4 0,48 10-314,1-2 1,0-1-1,0 0 1,-35-14-1,43 12-6541</inkml:trace>
-</inkml:ink>
-</file>
-
-<file path=ppt/ink/ink6.xml><?xml version="1.0" encoding="utf-8"?>
-<inkml:ink xmlns:inkml="http://www.w3.org/2003/InkML">
-  <inkml:definitions>
-    <inkml:context xml:id="ctx0">
-      <inkml:inkSource xml:id="inkSrc0">
-        <inkml:traceFormat>
-          <inkml:channel name="X" type="integer" min="-2.14748E9" max="2.14748E9" units="cm"/>
-          <inkml:channel name="Y" type="integer" min="-2.14748E9" max="2.14748E9" units="cm"/>
-          <inkml:channel name="F" type="integer" max="32767" units="dev"/>
-        </inkml:traceFormat>
-        <inkml:channelProperties>
-          <inkml:channelProperty channel="X" name="resolution" value="1000" units="1/cm"/>
-          <inkml:channelProperty channel="Y" name="resolution" value="1000" units="1/cm"/>
-          <inkml:channelProperty channel="F" name="resolution" value="0" units="1/dev"/>
-        </inkml:channelProperties>
-      </inkml:inkSource>
-      <inkml:timestamp xml:id="ts0" timeString="2023-03-11T14:49:54.643"/>
-    </inkml:context>
-    <inkml:brush xml:id="br0">
-      <inkml:brushProperty name="width" value="0.05" units="cm"/>
-      <inkml:brushProperty name="height" value="0.05" units="cm"/>
-      <inkml:brushProperty name="color" value="#66CC00"/>
-    </inkml:brush>
-  </inkml:definitions>
-  <inkml:trace contextRef="#ctx0" brushRef="#br0">614 278 24575,'-17'1'0,"1"2"0,-1 0 0,1 1 0,0 1 0,0 0 0,1 1 0,-1 1 0,-17 10 0,6-2 0,1-2 0,0 2 0,1 0 0,-28 24 0,41-28 0,4-3 0,-2 0 0,1 0 0,-1-1 0,-12 7 0,13-8 0,0 0 0,0 1 0,-11 12 0,-3 0 0,16-11 0,1-1 0,0 1 0,0 0 0,0 0 0,1 1 0,0 0 0,1 0 0,0 0 0,0 0 0,1 1 0,-3 16 0,1-8 0,-1-1 0,-9 19 0,9-22 0,1 0 0,1 0 0,0 0 0,0 0 0,-1 19 0,3-17 0,-1 0 0,0-1 0,-2 1 0,-6 17 0,9-28 0,-1 0 0,1 1 0,1-1 0,-1 1 0,1 0 0,0-1 0,0 1 0,1 0 0,0 0 0,0 0 0,0-1 0,1 1 0,2 10 0,-2-12 0,0 0 0,0 0 0,1-1 0,0 1 0,0-1 0,0 0 0,0 1 0,0-1 0,1 0 0,0 0 0,-1 0 0,1-1 0,0 1 0,0-1 0,1 1 0,-1-1 0,0 0 0,1 0 0,-1 0 0,8 2 0,5 2 0,-1 1 0,0 1 0,22 16 0,26 13 0,-37-24 0,-12-6 0,1 0 0,0-1 0,23 7 0,151 25 0,-119-19 0,-48-12 0,0 0 0,1-2 0,-1-1 0,31 2 0,-32-5 0,0 2 0,1 0 0,30 10 0,-31-7 0,0-1 0,1-1 0,30 2 0,-22-4 0,33 7 0,-34-5 0,41 2 0,628-6 0,-683-2 0,1 0 0,-1 0 0,0-2 0,0 0 0,0 0 0,-1-2 0,0 1 0,0-2 0,0 0 0,-1-1 0,13-9 0,-5 5 0,1 1 0,0 2 0,31-11 0,12 8 0,-58 12 0,1-1 0,-1 1 0,1-2 0,-1 1 0,0-1 0,0 0 0,0 0 0,0-1 0,0 0 0,0 0 0,-1-1 0,1 0 0,-1 0 0,0 0 0,0-1 0,8-8 0,0-4 0,7-7 0,29-44 0,-45 60 0,0-1 0,-1 0 0,0 0 0,0 0 0,-1 0 0,0 0 0,-1-1 0,0 1 0,2-19 0,6-67 0,-5 60 0,0-46 0,-4 71 0,-1-1 0,-1 1 0,0 0 0,0 1 0,-1-1 0,0 0 0,-1 0 0,0 1 0,0-1 0,-1 1 0,0 0 0,-1 0 0,-10-14 0,4 7 0,-18-33 0,20 32 0,0 1 0,-14-17 0,17 24 0,0-1 0,0 0 0,0 0 0,-4-13 0,8 15 0,-2 1 0,1-1 0,-1 1 0,0 0 0,0 0 0,-1 0 0,0 1 0,0-1 0,-12-10 0,5 9 0,0 0 0,0 0 0,0 2 0,-23-10 0,9 3 0,1-1 0,-41-31 0,40 27 0,2 1 0,11 7 0,-1 1 0,-25-13 0,-78-29 0,20 19 0,67 22 0,0 2 0,0 1 0,-51-5 0,58 9 0,0 1 0,0 2 0,-1 0 0,1 1 0,0 2 0,-36 7 0,43-6 0,1 0 0,1 1 0,-1 1 0,1 0 0,-1 1 0,-16 11 0,-61 41 0,75-49 0,0-1 0,-25 10 0,9-4 0,25-12-195,0 0 0,0 0 0,0-1 0,0 0 0,-1 0 0,-15 0 0,7-2-6631</inkml:trace>
-</inkml:ink>
-</file>
-
-<file path=ppt/ink/ink7.xml><?xml version="1.0" encoding="utf-8"?>
-<inkml:ink xmlns:inkml="http://www.w3.org/2003/InkML">
-  <inkml:definitions>
-    <inkml:context xml:id="ctx0">
-      <inkml:inkSource xml:id="inkSrc0">
-        <inkml:traceFormat>
-          <inkml:channel name="X" type="integer" min="-2.14748E9" max="2.14748E9" units="cm"/>
-          <inkml:channel name="Y" type="integer" min="-2.14748E9" max="2.14748E9" units="cm"/>
-          <inkml:channel name="F" type="integer" max="32767" units="dev"/>
-        </inkml:traceFormat>
-        <inkml:channelProperties>
-          <inkml:channelProperty channel="X" name="resolution" value="1000" units="1/cm"/>
-          <inkml:channelProperty channel="Y" name="resolution" value="1000" units="1/cm"/>
-          <inkml:channelProperty channel="F" name="resolution" value="0" units="1/dev"/>
-        </inkml:channelProperties>
-      </inkml:inkSource>
-      <inkml:timestamp xml:id="ts0" timeString="2023-03-11T14:49:57.084"/>
-    </inkml:context>
-    <inkml:brush xml:id="br0">
-      <inkml:brushProperty name="width" value="0.05" units="cm"/>
-      <inkml:brushProperty name="height" value="0.05" units="cm"/>
-      <inkml:brushProperty name="color" value="#66CC00"/>
-    </inkml:brush>
-  </inkml:definitions>
-  <inkml:trace contextRef="#ctx0" brushRef="#br0">1 1675 24575,'0'-16'0,"1"0"0,1 1 0,1-1 0,0 1 0,1 0 0,0 0 0,1 0 0,1 1 0,1 0 0,0 0 0,0 0 0,12-15 0,69-53 0,-48 46 0,-34 32 0,0-1 0,-1 1 0,1-1 0,-1 0 0,0-1 0,-1 1 0,1-1 0,-1 0 0,4-6 0,0-4 0,2 2 0,0-1 0,1 1 0,23-23 0,-16 17 0,-13 15 0,1 0 0,0 1 0,0-1 0,0 1 0,13-6 0,-12 6 0,-1 1 0,1-1 0,-1-1 0,0 1 0,6-6 0,10-9 0,0 1 0,1 2 0,1 0 0,0 2 0,42-19 0,-53 27 0,42-19 0,-26 12 0,45-26 0,-58 30 0,0 0 0,27-8 0,-10 4 0,-9 4 0,44-10 0,13-5 0,85-49 0,-156 68 0,1 2 0,-1-1 0,1 1 0,-1 1 0,1 0 0,18-1 0,-16 2 0,0-1 0,-1 0 0,23-7 0,-6-2 0,2 1 0,-1 2 0,1 0 0,39-3 0,-29 5 0,0-3 0,-1-1 0,58-23 0,-26 8 0,12 3 0,19-6 0,-88 24 0,0 0 0,0 1 0,23-2 0,-23 3 0,-1 1 0,0-2 0,0 0 0,21-8 0,-7 1 0,53-12 0,-55 16 0,1-1 0,40-17 0,171-69 0,-65 27 0,22 7 0,-174 55 0,1 0 0,38-1 0,20-2 0,55-15 0,-110 16 0,-1-1 0,29-13 0,-36 14 0,1 1 0,36-7 0,-12 4 0,5 0 0,-37 7 0,0 0 0,0-1 0,-1 0 0,1-1 0,-1 0 0,1 0 0,11-7 0,-11 4 0,0 1 0,1 0 0,0 0 0,0 1 0,0 1 0,1 0 0,-1 0 0,1 1 0,-1 0 0,1 1 0,17 1 0,1-1 0,46-8 0,-45 4 0,44 0 0,6 4 0,93 3 0,-158 0-273,0 0 0,0 1 0,0 1 0,21 7 0,-23-4-6553</inkml:trace>
-</inkml:ink>
-</file>
-
-<file path=ppt/ink/ink8.xml><?xml version="1.0" encoding="utf-8"?>
-<inkml:ink xmlns:inkml="http://www.w3.org/2003/InkML">
-  <inkml:definitions>
-    <inkml:context xml:id="ctx0">
-      <inkml:inkSource xml:id="inkSrc0">
-        <inkml:traceFormat>
-          <inkml:channel name="X" type="integer" min="-2.14748E9" max="2.14748E9" units="cm"/>
-          <inkml:channel name="Y" type="integer" min="-2.14748E9" max="2.14748E9" units="cm"/>
-          <inkml:channel name="F" type="integer" max="32767" units="dev"/>
-        </inkml:traceFormat>
-        <inkml:channelProperties>
-          <inkml:channelProperty channel="X" name="resolution" value="1000" units="1/cm"/>
-          <inkml:channelProperty channel="Y" name="resolution" value="1000" units="1/cm"/>
-          <inkml:channelProperty channel="F" name="resolution" value="0" units="1/dev"/>
-        </inkml:channelProperties>
-      </inkml:inkSource>
-      <inkml:timestamp xml:id="ts0" timeString="2023-03-11T14:49:58.368"/>
-    </inkml:context>
-    <inkml:brush xml:id="br0">
-      <inkml:brushProperty name="width" value="0.05" units="cm"/>
-      <inkml:brushProperty name="height" value="0.05" units="cm"/>
-      <inkml:brushProperty name="color" value="#66CC00"/>
-    </inkml:brush>
-  </inkml:definitions>
-  <inkml:trace contextRef="#ctx0" brushRef="#br0">223 1 24575,'0'14'0,"-1"17"0,6 38 0,-3-58 0,0-1 0,0 1 0,1-1 0,0 0 0,1 0 0,0 0 0,9 13 0,60 103 0,-68-117 0,-1 1 0,0-1 0,-1 1 0,0 0 0,-1 0 0,3 19 0,0 2 0,-4-23 0,1 1 0,-2 0 0,1-1 0,-1 1 0,-1 0 0,0 0 0,0-1 0,0 1 0,-1 0 0,-1-1 0,1 0 0,-8 15 0,3-9 0,0-1 0,-2 0 0,1 0 0,-1-1 0,-1 0 0,-17 16 0,-34 37 0,30-39 0,18-14 0,0-1 0,-1 0 0,0-1 0,-22 11 0,15-9-682,-36 24-1,47-28-6143</inkml:trace>
-</inkml:ink>
 </file>
 
 <file path=ppt/notesMasters/notesMaster1.xml><?xml version="1.0" encoding="utf-8"?>
@@ -7413,7 +7181,7 @@
           <a:p>
             <a:fld id="{EE41F6E3-57F9-402E-BDBA-5B2DE11C8530}" type="datetimeFigureOut">
               <a:rPr lang="en-US" smtClean="0"/>
-              <a:t>3/10/2023</a:t>
+              <a:t>3/16/2023</a:t>
             </a:fld>
             <a:endParaRPr lang="en-US"/>
           </a:p>
@@ -7820,6 +7588,15 @@
               <a:t> https://wiki.wireshark.org/uploads/__moin_import__/attachments/SampleCaptures/smtp.pcap</a:t>
             </a:r>
           </a:p>
+          <a:p>
+            <a:r>
+              <a:rPr lang="en-US"/>
+              <a:t>https://raw.githubusercontent.com/frankwxu/digital-forensics-lab/main/Networking_Forensics/lab_files/smtp/smtp/pcap</a:t>
+            </a:r>
+          </a:p>
+          <a:p>
+            <a:endParaRPr lang="en-US" dirty="0"/>
+          </a:p>
         </p:txBody>
       </p:sp>
       <p:sp>
@@ -7839,7 +7616,7 @@
           <a:p>
             <a:fld id="{DDBF98C7-164A-4723-84F0-B1E4B080DDEC}" type="slidenum">
               <a:rPr lang="en-US" smtClean="0"/>
-              <a:t>8</a:t>
+              <a:t>12</a:t>
             </a:fld>
             <a:endParaRPr lang="en-US"/>
           </a:p>
@@ -8249,7 +8026,7 @@
           <a:p>
             <a:fld id="{DDBF98C7-164A-4723-84F0-B1E4B080DDEC}" type="slidenum">
               <a:rPr lang="en-US" smtClean="0"/>
-              <a:t>27</a:t>
+              <a:t>19</a:t>
             </a:fld>
             <a:endParaRPr lang="en-US"/>
           </a:p>
@@ -8397,7 +8174,7 @@
           <a:p>
             <a:fld id="{4263717A-E3C1-4BED-ABE0-B7069385E023}" type="datetimeFigureOut">
               <a:rPr lang="en-US" smtClean="0"/>
-              <a:t>3/10/2023</a:t>
+              <a:t>3/16/2023</a:t>
             </a:fld>
             <a:endParaRPr lang="en-US"/>
           </a:p>
@@ -8570,7 +8347,7 @@
           <a:p>
             <a:fld id="{4263717A-E3C1-4BED-ABE0-B7069385E023}" type="datetimeFigureOut">
               <a:rPr lang="en-US" smtClean="0"/>
-              <a:t>3/10/2023</a:t>
+              <a:t>3/16/2023</a:t>
             </a:fld>
             <a:endParaRPr lang="en-US"/>
           </a:p>
@@ -8748,7 +8525,7 @@
           <a:p>
             <a:fld id="{4263717A-E3C1-4BED-ABE0-B7069385E023}" type="datetimeFigureOut">
               <a:rPr lang="en-US" smtClean="0"/>
-              <a:t>3/10/2023</a:t>
+              <a:t>3/16/2023</a:t>
             </a:fld>
             <a:endParaRPr lang="en-US"/>
           </a:p>
@@ -8916,7 +8693,7 @@
           <a:p>
             <a:fld id="{4263717A-E3C1-4BED-ABE0-B7069385E023}" type="datetimeFigureOut">
               <a:rPr lang="en-US" smtClean="0"/>
-              <a:t>3/10/2023</a:t>
+              <a:t>3/16/2023</a:t>
             </a:fld>
             <a:endParaRPr lang="en-US"/>
           </a:p>
@@ -9161,7 +8938,7 @@
           <a:p>
             <a:fld id="{4263717A-E3C1-4BED-ABE0-B7069385E023}" type="datetimeFigureOut">
               <a:rPr lang="en-US" smtClean="0"/>
-              <a:t>3/10/2023</a:t>
+              <a:t>3/16/2023</a:t>
             </a:fld>
             <a:endParaRPr lang="en-US"/>
           </a:p>
@@ -9390,7 +9167,7 @@
           <a:p>
             <a:fld id="{4263717A-E3C1-4BED-ABE0-B7069385E023}" type="datetimeFigureOut">
               <a:rPr lang="en-US" smtClean="0"/>
-              <a:t>3/10/2023</a:t>
+              <a:t>3/16/2023</a:t>
             </a:fld>
             <a:endParaRPr lang="en-US"/>
           </a:p>
@@ -9754,7 +9531,7 @@
           <a:p>
             <a:fld id="{4263717A-E3C1-4BED-ABE0-B7069385E023}" type="datetimeFigureOut">
               <a:rPr lang="en-US" smtClean="0"/>
-              <a:t>3/10/2023</a:t>
+              <a:t>3/16/2023</a:t>
             </a:fld>
             <a:endParaRPr lang="en-US"/>
           </a:p>
@@ -9871,7 +9648,7 @@
           <a:p>
             <a:fld id="{4263717A-E3C1-4BED-ABE0-B7069385E023}" type="datetimeFigureOut">
               <a:rPr lang="en-US" smtClean="0"/>
-              <a:t>3/10/2023</a:t>
+              <a:t>3/16/2023</a:t>
             </a:fld>
             <a:endParaRPr lang="en-US"/>
           </a:p>
@@ -9966,7 +9743,7 @@
           <a:p>
             <a:fld id="{4263717A-E3C1-4BED-ABE0-B7069385E023}" type="datetimeFigureOut">
               <a:rPr lang="en-US" smtClean="0"/>
-              <a:t>3/10/2023</a:t>
+              <a:t>3/16/2023</a:t>
             </a:fld>
             <a:endParaRPr lang="en-US"/>
           </a:p>
@@ -10241,7 +10018,7 @@
           <a:p>
             <a:fld id="{4263717A-E3C1-4BED-ABE0-B7069385E023}" type="datetimeFigureOut">
               <a:rPr lang="en-US" smtClean="0"/>
-              <a:t>3/10/2023</a:t>
+              <a:t>3/16/2023</a:t>
             </a:fld>
             <a:endParaRPr lang="en-US"/>
           </a:p>
@@ -10493,7 +10270,7 @@
           <a:p>
             <a:fld id="{4263717A-E3C1-4BED-ABE0-B7069385E023}" type="datetimeFigureOut">
               <a:rPr lang="en-US" smtClean="0"/>
-              <a:t>3/10/2023</a:t>
+              <a:t>3/16/2023</a:t>
             </a:fld>
             <a:endParaRPr lang="en-US"/>
           </a:p>
@@ -10704,7 +10481,7 @@
           <a:p>
             <a:fld id="{4263717A-E3C1-4BED-ABE0-B7069385E023}" type="datetimeFigureOut">
               <a:rPr lang="en-US" smtClean="0"/>
-              <a:t>3/10/2023</a:t>
+              <a:t>3/16/2023</a:t>
             </a:fld>
             <a:endParaRPr lang="en-US"/>
           </a:p>
@@ -11319,7 +11096,7 @@
           <a:p>
             <a:r>
               <a:rPr lang="en-US" dirty="0"/>
-              <a:t>DNS, SMTP</a:t>
+              <a:t>SMTP</a:t>
             </a:r>
           </a:p>
           <a:p>
@@ -11360,12 +11137,45 @@
           <a:chExt cx="0" cy="0"/>
         </a:xfrm>
       </p:grpSpPr>
+      <p:pic>
+        <p:nvPicPr>
+          <p:cNvPr id="2" name="Online Media 1" title="How To Monitor Emails (SMTP) With Wireshark">
+            <a:hlinkClick r:id="" action="ppaction://media"/>
+            <a:extLst>
+              <a:ext uri="{FF2B5EF4-FFF2-40B4-BE49-F238E27FC236}">
+                <a16:creationId xmlns:a16="http://schemas.microsoft.com/office/drawing/2014/main" id="{C54E849C-10AC-8BF2-4062-C80AAE2C28F4}"/>
+              </a:ext>
+            </a:extLst>
+          </p:cNvPr>
+          <p:cNvPicPr>
+            <a:picLocks noRot="1" noChangeAspect="1"/>
+          </p:cNvPicPr>
+          <p:nvPr>
+            <a:videoFile r:link="rId1"/>
+          </p:nvPr>
+        </p:nvPicPr>
+        <p:blipFill>
+          <a:blip r:embed="rId3"/>
+          <a:stretch>
+            <a:fillRect/>
+          </a:stretch>
+        </p:blipFill>
+        <p:spPr>
+          <a:xfrm>
+            <a:off x="2357120" y="1805305"/>
+            <a:ext cx="6969760" cy="3937915"/>
+          </a:xfrm>
+          <a:prstGeom prst="rect">
+            <a:avLst/>
+          </a:prstGeom>
+        </p:spPr>
+      </p:pic>
       <p:sp>
         <p:nvSpPr>
-          <p:cNvPr id="2" name="Title 1">
+          <p:cNvPr id="3" name="Title 2">
             <a:extLst>
               <a:ext uri="{FF2B5EF4-FFF2-40B4-BE49-F238E27FC236}">
-                <a16:creationId xmlns:a16="http://schemas.microsoft.com/office/drawing/2014/main" id="{84F8D389-4234-81E5-F52E-80FC2ED8BCC0}"/>
+                <a16:creationId xmlns:a16="http://schemas.microsoft.com/office/drawing/2014/main" id="{98CF740C-A863-B136-F42B-9B9BC5AB6D42}"/>
               </a:ext>
             </a:extLst>
           </p:cNvPr>
@@ -11382,52 +11192,158 @@
           <a:lstStyle/>
           <a:p>
             <a:r>
-              <a:rPr lang="en-US" dirty="0"/>
-              <a:t>DNS query response</a:t>
-            </a:r>
+              <a:rPr lang="en-GB" dirty="0"/>
+              <a:t>Capture Emails traffic With Wireshark</a:t>
+            </a:r>
+            <a:endParaRPr lang="en-US" dirty="0"/>
           </a:p>
         </p:txBody>
       </p:sp>
-      <p:pic>
-        <p:nvPicPr>
-          <p:cNvPr id="4" name="Picture 3">
-            <a:extLst>
-              <a:ext uri="{FF2B5EF4-FFF2-40B4-BE49-F238E27FC236}">
-                <a16:creationId xmlns:a16="http://schemas.microsoft.com/office/drawing/2014/main" id="{61925ABF-0570-80F7-3539-DD997399A049}"/>
-              </a:ext>
-            </a:extLst>
-          </p:cNvPr>
-          <p:cNvPicPr>
-            <a:picLocks noChangeAspect="1"/>
-          </p:cNvPicPr>
-          <p:nvPr/>
-        </p:nvPicPr>
-        <p:blipFill>
-          <a:blip r:embed="rId2"/>
-          <a:stretch>
-            <a:fillRect/>
-          </a:stretch>
-        </p:blipFill>
-        <p:spPr>
-          <a:xfrm>
-            <a:off x="978786" y="1413287"/>
-            <a:ext cx="8862828" cy="5143946"/>
-          </a:xfrm>
-          <a:prstGeom prst="rect">
-            <a:avLst/>
-          </a:prstGeom>
-        </p:spPr>
-      </p:pic>
     </p:spTree>
     <p:extLst>
       <p:ext uri="{BB962C8B-B14F-4D97-AF65-F5344CB8AC3E}">
-        <p14:creationId xmlns:p14="http://schemas.microsoft.com/office/powerpoint/2010/main" val="2363192742"/>
+        <p14:creationId xmlns:p14="http://schemas.microsoft.com/office/powerpoint/2010/main" val="3094179957"/>
       </p:ext>
     </p:extLst>
   </p:cSld>
   <p:clrMapOvr>
     <a:masterClrMapping/>
   </p:clrMapOvr>
+  <p:timing>
+    <p:tnLst>
+      <p:par>
+        <p:cTn id="1" dur="indefinite" restart="never" nodeType="tmRoot">
+          <p:childTnLst>
+            <p:seq concurrent="1" nextAc="seek">
+              <p:cTn id="2" dur="indefinite" nodeType="mainSeq">
+                <p:childTnLst>
+                  <p:par>
+                    <p:cTn id="3" fill="hold">
+                      <p:stCondLst>
+                        <p:cond delay="indefinite"/>
+                      </p:stCondLst>
+                      <p:childTnLst>
+                        <p:par>
+                          <p:cTn id="4" fill="hold">
+                            <p:stCondLst>
+                              <p:cond delay="0"/>
+                            </p:stCondLst>
+                            <p:childTnLst>
+                              <p:par>
+                                <p:cTn id="5" presetID="1" presetClass="mediacall" presetSubtype="0" fill="hold" nodeType="clickEffect">
+                                  <p:stCondLst>
+                                    <p:cond delay="0"/>
+                                  </p:stCondLst>
+                                  <p:childTnLst>
+                                    <p:cmd type="call" cmd="playFrom(0.0)">
+                                      <p:cBhvr>
+                                        <p:cTn id="6" dur="1" fill="hold"/>
+                                        <p:tgtEl>
+                                          <p:spTgt spid="2"/>
+                                        </p:tgtEl>
+                                      </p:cBhvr>
+                                    </p:cmd>
+                                  </p:childTnLst>
+                                </p:cTn>
+                              </p:par>
+                            </p:childTnLst>
+                          </p:cTn>
+                        </p:par>
+                      </p:childTnLst>
+                    </p:cTn>
+                  </p:par>
+                </p:childTnLst>
+              </p:cTn>
+              <p:prevCondLst>
+                <p:cond evt="onPrev" delay="0">
+                  <p:tgtEl>
+                    <p:sldTgt/>
+                  </p:tgtEl>
+                </p:cond>
+              </p:prevCondLst>
+              <p:nextCondLst>
+                <p:cond evt="onNext" delay="0">
+                  <p:tgtEl>
+                    <p:sldTgt/>
+                  </p:tgtEl>
+                </p:cond>
+              </p:nextCondLst>
+            </p:seq>
+            <p:video>
+              <p:cMediaNode vol="80000">
+                <p:cTn id="7" fill="hold" display="0">
+                  <p:stCondLst>
+                    <p:cond delay="indefinite"/>
+                  </p:stCondLst>
+                </p:cTn>
+                <p:tgtEl>
+                  <p:spTgt spid="2"/>
+                </p:tgtEl>
+              </p:cMediaNode>
+            </p:video>
+            <p:seq concurrent="1" nextAc="seek">
+              <p:cTn id="8" restart="whenNotActive" fill="hold" evtFilter="cancelBubble" nodeType="interactiveSeq">
+                <p:stCondLst>
+                  <p:cond evt="onClick" delay="0">
+                    <p:tgtEl>
+                      <p:spTgt spid="2"/>
+                    </p:tgtEl>
+                  </p:cond>
+                </p:stCondLst>
+                <p:endSync evt="end" delay="0">
+                  <p:rtn val="all"/>
+                </p:endSync>
+                <p:childTnLst>
+                  <p:par>
+                    <p:cTn id="9" fill="hold">
+                      <p:stCondLst>
+                        <p:cond delay="0"/>
+                      </p:stCondLst>
+                      <p:childTnLst>
+                        <p:par>
+                          <p:cTn id="10" fill="hold">
+                            <p:stCondLst>
+                              <p:cond delay="0"/>
+                            </p:stCondLst>
+                            <p:childTnLst>
+                              <p:par>
+                                <p:cTn id="11" presetID="2" presetClass="mediacall" presetSubtype="0" fill="hold" nodeType="clickEffect">
+                                  <p:stCondLst>
+                                    <p:cond delay="0"/>
+                                  </p:stCondLst>
+                                  <p:childTnLst>
+                                    <p:cmd type="call" cmd="togglePause">
+                                      <p:cBhvr>
+                                        <p:cTn id="12" dur="1" fill="hold"/>
+                                        <p:tgtEl>
+                                          <p:spTgt spid="2"/>
+                                        </p:tgtEl>
+                                      </p:cBhvr>
+                                    </p:cmd>
+                                  </p:childTnLst>
+                                </p:cTn>
+                              </p:par>
+                            </p:childTnLst>
+                          </p:cTn>
+                        </p:par>
+                      </p:childTnLst>
+                    </p:cTn>
+                  </p:par>
+                </p:childTnLst>
+              </p:cTn>
+              <p:nextCondLst>
+                <p:cond evt="onClick" delay="0">
+                  <p:tgtEl>
+                    <p:spTgt spid="2"/>
+                  </p:tgtEl>
+                </p:cond>
+              </p:nextCondLst>
+            </p:seq>
+          </p:childTnLst>
+        </p:cTn>
+      </p:par>
+    </p:tnLst>
+  </p:timing>
 </p:sld>
 </file>
 
@@ -11448,41 +11364,12 @@
           <a:chExt cx="0" cy="0"/>
         </a:xfrm>
       </p:grpSpPr>
-      <p:sp>
-        <p:nvSpPr>
-          <p:cNvPr id="2" name="Title 1">
+      <p:pic>
+        <p:nvPicPr>
+          <p:cNvPr id="3" name="Picture 2">
             <a:extLst>
               <a:ext uri="{FF2B5EF4-FFF2-40B4-BE49-F238E27FC236}">
-                <a16:creationId xmlns:a16="http://schemas.microsoft.com/office/drawing/2014/main" id="{C031BDF5-1144-C92F-5ED3-44C88BBA8704}"/>
-              </a:ext>
-            </a:extLst>
-          </p:cNvPr>
-          <p:cNvSpPr>
-            <a:spLocks noGrp="1"/>
-          </p:cNvSpPr>
-          <p:nvPr>
-            <p:ph type="title"/>
-          </p:nvPr>
-        </p:nvSpPr>
-        <p:spPr/>
-        <p:txBody>
-          <a:bodyPr/>
-          <a:lstStyle/>
-          <a:p>
-            <a:r>
-              <a:rPr lang="en-GB" dirty="0"/>
-              <a:t>Authoritative nameservers =authoritative DNS servers</a:t>
-            </a:r>
-            <a:endParaRPr lang="en-US" dirty="0"/>
-          </a:p>
-        </p:txBody>
-      </p:sp>
-      <p:pic>
-        <p:nvPicPr>
-          <p:cNvPr id="4" name="Picture 3">
-            <a:extLst>
-              <a:ext uri="{FF2B5EF4-FFF2-40B4-BE49-F238E27FC236}">
-                <a16:creationId xmlns:a16="http://schemas.microsoft.com/office/drawing/2014/main" id="{040DE44D-1C22-7344-71B4-C8777ACCBA4C}"/>
+                <a16:creationId xmlns:a16="http://schemas.microsoft.com/office/drawing/2014/main" id="{F84635EA-2C05-1FD9-5EEB-58F830798AFA}"/>
               </a:ext>
             </a:extLst>
           </p:cNvPr>
@@ -11499,8 +11386,8 @@
         </p:blipFill>
         <p:spPr>
           <a:xfrm>
-            <a:off x="838200" y="1891612"/>
-            <a:ext cx="5815294" cy="4839126"/>
+            <a:off x="814427" y="1994344"/>
+            <a:ext cx="10539373" cy="3558848"/>
           </a:xfrm>
           <a:prstGeom prst="rect">
             <a:avLst/>
@@ -11509,10 +11396,10 @@
       </p:pic>
       <p:sp>
         <p:nvSpPr>
-          <p:cNvPr id="7" name="TextBox 6">
+          <p:cNvPr id="5" name="TextBox 4">
             <a:extLst>
               <a:ext uri="{FF2B5EF4-FFF2-40B4-BE49-F238E27FC236}">
-                <a16:creationId xmlns:a16="http://schemas.microsoft.com/office/drawing/2014/main" id="{C5811854-7161-A0FB-BB3D-5748033100CF}"/>
+                <a16:creationId xmlns:a16="http://schemas.microsoft.com/office/drawing/2014/main" id="{F0287B71-15A2-812D-AC6B-180CBAD823A8}"/>
               </a:ext>
             </a:extLst>
           </p:cNvPr>
@@ -11521,8 +11408,8 @@
         </p:nvSpPr>
         <p:spPr>
           <a:xfrm>
-            <a:off x="6865620" y="2418289"/>
-            <a:ext cx="3467100" cy="2585323"/>
+            <a:off x="1678337" y="5748440"/>
+            <a:ext cx="6172200" cy="369332"/>
           </a:xfrm>
           <a:prstGeom prst="rect">
             <a:avLst/>
@@ -11535,162 +11422,45 @@
           </a:bodyPr>
           <a:lstStyle/>
           <a:p>
-            <a:pPr marL="285750" indent="-285750">
-              <a:buFont typeface="Arial" panose="020B0604020202020204" pitchFamily="34" charset="0"/>
-              <a:buChar char="•"/>
-            </a:pPr>
-            <a:r>
-              <a:rPr lang="en-GB" dirty="0"/>
-              <a:t>Answer from the router DNS caching</a:t>
-            </a:r>
-          </a:p>
-          <a:p>
-            <a:pPr marL="285750" indent="-285750">
-              <a:buFont typeface="Arial" panose="020B0604020202020204" pitchFamily="34" charset="0"/>
-              <a:buChar char="•"/>
-            </a:pPr>
-            <a:r>
-              <a:rPr lang="en-GB" dirty="0"/>
-              <a:t>The original and official information about a domain name from </a:t>
-            </a:r>
-            <a:r>
-              <a:rPr lang="en-GB" dirty="0">
-                <a:latin typeface="OCRB" panose="020B0609020202020204" pitchFamily="49" charset="0"/>
-              </a:rPr>
-              <a:t>ns1.patriots.in</a:t>
-            </a:r>
-            <a:r>
-              <a:rPr lang="en-GB" dirty="0"/>
-              <a:t> or </a:t>
-            </a:r>
-            <a:r>
-              <a:rPr lang="en-GB" dirty="0">
-                <a:latin typeface="OCRB" panose="020B0609020202020204" pitchFamily="49" charset="0"/>
-              </a:rPr>
-              <a:t>ns1.patriots.in</a:t>
-            </a:r>
-            <a:r>
-              <a:rPr lang="en-GB" dirty="0"/>
-              <a:t>.</a:t>
-            </a:r>
-          </a:p>
-          <a:p>
-            <a:pPr marL="285750" indent="-285750">
-              <a:buFont typeface="Arial" panose="020B0604020202020204" pitchFamily="34" charset="0"/>
-              <a:buChar char="•"/>
-            </a:pPr>
-            <a:r>
-              <a:rPr lang="en-GB" dirty="0"/>
-              <a:t>The DNS entry will expire</a:t>
-            </a:r>
-          </a:p>
-          <a:p>
-            <a:pPr marL="285750" indent="-285750">
-              <a:buFont typeface="Arial" panose="020B0604020202020204" pitchFamily="34" charset="0"/>
-              <a:buChar char="•"/>
-            </a:pPr>
-            <a:r>
-              <a:rPr lang="en-GB" dirty="0"/>
-              <a:t>Possible DNS attack</a:t>
-            </a:r>
-            <a:endParaRPr lang="en-US" dirty="0"/>
+            <a:r>
+              <a:rPr lang="en-US" dirty="0"/>
+              <a:t>https://wiki.wireshark.org/SampleCaptures</a:t>
+            </a:r>
           </a:p>
         </p:txBody>
       </p:sp>
-      <p:cxnSp>
-        <p:nvCxnSpPr>
-          <p:cNvPr id="9" name="Straight Arrow Connector 8">
+      <p:sp>
+        <p:nvSpPr>
+          <p:cNvPr id="2" name="Title 1">
             <a:extLst>
               <a:ext uri="{FF2B5EF4-FFF2-40B4-BE49-F238E27FC236}">
-                <a16:creationId xmlns:a16="http://schemas.microsoft.com/office/drawing/2014/main" id="{0F38DAE8-F753-452E-80D3-E073F12AF075}"/>
+                <a16:creationId xmlns:a16="http://schemas.microsoft.com/office/drawing/2014/main" id="{5796C859-06D8-653E-C425-A6578D689C62}"/>
               </a:ext>
             </a:extLst>
           </p:cNvPr>
-          <p:cNvCxnSpPr>
-            <a:cxnSpLocks/>
-            <a:stCxn id="7" idx="1"/>
-          </p:cNvCxnSpPr>
-          <p:nvPr/>
-        </p:nvCxnSpPr>
-        <p:spPr>
-          <a:xfrm flipH="1" flipV="1">
-            <a:off x="3390900" y="2545080"/>
-            <a:ext cx="3474720" cy="1165871"/>
-          </a:xfrm>
-          <a:prstGeom prst="straightConnector1">
-            <a:avLst/>
-          </a:prstGeom>
-          <a:ln w="38100">
-            <a:solidFill>
-              <a:srgbClr val="FF0000"/>
-            </a:solidFill>
-            <a:tailEnd type="triangle"/>
-          </a:ln>
-        </p:spPr>
-        <p:style>
-          <a:lnRef idx="1">
-            <a:schemeClr val="accent2"/>
-          </a:lnRef>
-          <a:fillRef idx="0">
-            <a:schemeClr val="accent2"/>
-          </a:fillRef>
-          <a:effectRef idx="0">
-            <a:schemeClr val="accent2"/>
-          </a:effectRef>
-          <a:fontRef idx="minor">
-            <a:schemeClr val="tx1"/>
-          </a:fontRef>
-        </p:style>
-      </p:cxnSp>
-      <p:cxnSp>
-        <p:nvCxnSpPr>
-          <p:cNvPr id="12" name="Straight Arrow Connector 11">
-            <a:extLst>
-              <a:ext uri="{FF2B5EF4-FFF2-40B4-BE49-F238E27FC236}">
-                <a16:creationId xmlns:a16="http://schemas.microsoft.com/office/drawing/2014/main" id="{3B7C0D60-04A3-2BAA-A71D-0B8F8BD2ACA9}"/>
-              </a:ext>
-            </a:extLst>
-          </p:cNvPr>
-          <p:cNvCxnSpPr>
-            <a:cxnSpLocks/>
-          </p:cNvCxnSpPr>
-          <p:nvPr/>
-        </p:nvCxnSpPr>
-        <p:spPr>
-          <a:xfrm flipH="1">
-            <a:off x="4747260" y="4288344"/>
-            <a:ext cx="2537460" cy="288061"/>
-          </a:xfrm>
-          <a:prstGeom prst="straightConnector1">
-            <a:avLst/>
-          </a:prstGeom>
-          <a:ln w="38100">
-            <a:solidFill>
-              <a:srgbClr val="FF0000"/>
-            </a:solidFill>
-            <a:prstDash val="dash"/>
-            <a:tailEnd type="triangle"/>
-          </a:ln>
-        </p:spPr>
-        <p:style>
-          <a:lnRef idx="1">
-            <a:schemeClr val="accent2"/>
-          </a:lnRef>
-          <a:fillRef idx="0">
-            <a:schemeClr val="accent2"/>
-          </a:fillRef>
-          <a:effectRef idx="0">
-            <a:schemeClr val="accent2"/>
-          </a:effectRef>
-          <a:fontRef idx="minor">
-            <a:schemeClr val="tx1"/>
-          </a:fontRef>
-        </p:style>
-      </p:cxnSp>
+          <p:cNvSpPr>
+            <a:spLocks noGrp="1"/>
+          </p:cNvSpPr>
+          <p:nvPr>
+            <p:ph type="title"/>
+          </p:nvPr>
+        </p:nvSpPr>
+        <p:spPr/>
+        <p:txBody>
+          <a:bodyPr/>
+          <a:lstStyle/>
+          <a:p>
+            <a:r>
+              <a:rPr lang="en-US" dirty="0"/>
+              <a:t>Lab Files</a:t>
+            </a:r>
+          </a:p>
+        </p:txBody>
+      </p:sp>
     </p:spTree>
     <p:extLst>
       <p:ext uri="{BB962C8B-B14F-4D97-AF65-F5344CB8AC3E}">
-        <p14:creationId xmlns:p14="http://schemas.microsoft.com/office/powerpoint/2010/main" val="3668738151"/>
+        <p14:creationId xmlns:p14="http://schemas.microsoft.com/office/powerpoint/2010/main" val="1753387112"/>
       </p:ext>
     </p:extLst>
   </p:cSld>
@@ -11719,10 +11489,140 @@
       </p:grpSpPr>
       <p:pic>
         <p:nvPicPr>
-          <p:cNvPr id="3" name="Picture 2">
+          <p:cNvPr id="5" name="Picture 4">
             <a:extLst>
               <a:ext uri="{FF2B5EF4-FFF2-40B4-BE49-F238E27FC236}">
-                <a16:creationId xmlns:a16="http://schemas.microsoft.com/office/drawing/2014/main" id="{AE9EFA12-9E73-0827-A706-D2C79108261E}"/>
+                <a16:creationId xmlns:a16="http://schemas.microsoft.com/office/drawing/2014/main" id="{3798B89F-4640-CDB1-B3C3-CE1996C3EFC9}"/>
+              </a:ext>
+            </a:extLst>
+          </p:cNvPr>
+          <p:cNvPicPr>
+            <a:picLocks noChangeAspect="1"/>
+          </p:cNvPicPr>
+          <p:nvPr/>
+        </p:nvPicPr>
+        <p:blipFill>
+          <a:blip r:embed="rId3"/>
+          <a:stretch>
+            <a:fillRect/>
+          </a:stretch>
+        </p:blipFill>
+        <p:spPr>
+          <a:xfrm>
+            <a:off x="1279791" y="1981094"/>
+            <a:ext cx="8996233" cy="2568045"/>
+          </a:xfrm>
+          <a:prstGeom prst="rect">
+            <a:avLst/>
+          </a:prstGeom>
+        </p:spPr>
+      </p:pic>
+      <p:sp>
+        <p:nvSpPr>
+          <p:cNvPr id="6" name="TextBox 5">
+            <a:extLst>
+              <a:ext uri="{FF2B5EF4-FFF2-40B4-BE49-F238E27FC236}">
+                <a16:creationId xmlns:a16="http://schemas.microsoft.com/office/drawing/2014/main" id="{CC884873-F578-792C-2D39-4A1797EA7DC3}"/>
+              </a:ext>
+            </a:extLst>
+          </p:cNvPr>
+          <p:cNvSpPr txBox="1"/>
+          <p:nvPr/>
+        </p:nvSpPr>
+        <p:spPr>
+          <a:xfrm>
+            <a:off x="1279791" y="1611762"/>
+            <a:ext cx="2173865" cy="369332"/>
+          </a:xfrm>
+          <a:prstGeom prst="rect">
+            <a:avLst/>
+          </a:prstGeom>
+          <a:solidFill>
+            <a:schemeClr val="accent4"/>
+          </a:solidFill>
+        </p:spPr>
+        <p:txBody>
+          <a:bodyPr wrap="none" rtlCol="0">
+            <a:spAutoFit/>
+          </a:bodyPr>
+          <a:lstStyle/>
+          <a:p>
+            <a:r>
+              <a:rPr lang="en-US" dirty="0"/>
+              <a:t>Download </a:t>
+            </a:r>
+            <a:r>
+              <a:rPr lang="en-US" dirty="0" err="1"/>
+              <a:t>smtp.pcap</a:t>
+            </a:r>
+            <a:endParaRPr lang="en-US" dirty="0"/>
+          </a:p>
+        </p:txBody>
+      </p:sp>
+    </p:spTree>
+    <p:extLst>
+      <p:ext uri="{BB962C8B-B14F-4D97-AF65-F5344CB8AC3E}">
+        <p14:creationId xmlns:p14="http://schemas.microsoft.com/office/powerpoint/2010/main" val="2401898171"/>
+      </p:ext>
+    </p:extLst>
+  </p:cSld>
+  <p:clrMapOvr>
+    <a:masterClrMapping/>
+  </p:clrMapOvr>
+</p:sld>
+</file>
+
+<file path=ppt/slides/slide13.xml><?xml version="1.0" encoding="utf-8"?>
+<p:sld xmlns:a="http://schemas.openxmlformats.org/drawingml/2006/main" xmlns:r="http://schemas.openxmlformats.org/officeDocument/2006/relationships" xmlns:p="http://schemas.openxmlformats.org/presentationml/2006/main">
+  <p:cSld>
+    <p:spTree>
+      <p:nvGrpSpPr>
+        <p:cNvPr id="1" name=""/>
+        <p:cNvGrpSpPr/>
+        <p:nvPr/>
+      </p:nvGrpSpPr>
+      <p:grpSpPr>
+        <a:xfrm>
+          <a:off x="0" y="0"/>
+          <a:ext cx="0" cy="0"/>
+          <a:chOff x="0" y="0"/>
+          <a:chExt cx="0" cy="0"/>
+        </a:xfrm>
+      </p:grpSpPr>
+      <p:sp>
+        <p:nvSpPr>
+          <p:cNvPr id="2" name="Title 1">
+            <a:extLst>
+              <a:ext uri="{FF2B5EF4-FFF2-40B4-BE49-F238E27FC236}">
+                <a16:creationId xmlns:a16="http://schemas.microsoft.com/office/drawing/2014/main" id="{7252ABD3-B2D6-9E62-D6CC-4DE930CA41C6}"/>
+              </a:ext>
+            </a:extLst>
+          </p:cNvPr>
+          <p:cNvSpPr>
+            <a:spLocks noGrp="1"/>
+          </p:cNvSpPr>
+          <p:nvPr>
+            <p:ph type="title"/>
+          </p:nvPr>
+        </p:nvSpPr>
+        <p:spPr/>
+        <p:txBody>
+          <a:bodyPr/>
+          <a:lstStyle/>
+          <a:p>
+            <a:r>
+              <a:rPr lang="en-US" dirty="0"/>
+              <a:t>SMTP first response “service ready”</a:t>
+            </a:r>
+          </a:p>
+        </p:txBody>
+      </p:sp>
+      <p:pic>
+        <p:nvPicPr>
+          <p:cNvPr id="4" name="Picture 3">
+            <a:extLst>
+              <a:ext uri="{FF2B5EF4-FFF2-40B4-BE49-F238E27FC236}">
+                <a16:creationId xmlns:a16="http://schemas.microsoft.com/office/drawing/2014/main" id="{DF6E7C0C-2C0F-077F-FA2E-E2F69E839A4E}"/>
               </a:ext>
             </a:extLst>
           </p:cNvPr>
@@ -11739,8 +11639,8 @@
         </p:blipFill>
         <p:spPr>
           <a:xfrm>
-            <a:off x="849175" y="1840092"/>
-            <a:ext cx="10493649" cy="3177815"/>
+            <a:off x="1001588" y="1592421"/>
+            <a:ext cx="10188823" cy="3673158"/>
           </a:xfrm>
           <a:prstGeom prst="rect">
             <a:avLst/>
@@ -11749,10 +11649,246 @@
       </p:pic>
       <p:sp>
         <p:nvSpPr>
-          <p:cNvPr id="4" name="Title 3">
+          <p:cNvPr id="6" name="TextBox 5">
             <a:extLst>
               <a:ext uri="{FF2B5EF4-FFF2-40B4-BE49-F238E27FC236}">
-                <a16:creationId xmlns:a16="http://schemas.microsoft.com/office/drawing/2014/main" id="{CFDF6D35-1A38-8290-09F4-B4B3FD54CCC0}"/>
+                <a16:creationId xmlns:a16="http://schemas.microsoft.com/office/drawing/2014/main" id="{51AD135B-63B1-4DD4-5C71-AA45D1209204}"/>
+              </a:ext>
+            </a:extLst>
+          </p:cNvPr>
+          <p:cNvSpPr txBox="1"/>
+          <p:nvPr/>
+        </p:nvSpPr>
+        <p:spPr>
+          <a:xfrm>
+            <a:off x="1001588" y="5388292"/>
+            <a:ext cx="9532425" cy="1200329"/>
+          </a:xfrm>
+          <a:prstGeom prst="rect">
+            <a:avLst/>
+          </a:prstGeom>
+          <a:solidFill>
+            <a:schemeClr val="accent4">
+              <a:lumMod val="20000"/>
+              <a:lumOff val="80000"/>
+            </a:schemeClr>
+          </a:solidFill>
+        </p:spPr>
+        <p:txBody>
+          <a:bodyPr wrap="square">
+            <a:spAutoFit/>
+          </a:bodyPr>
+          <a:lstStyle/>
+          <a:p>
+            <a:r>
+              <a:rPr lang="en-GB" dirty="0"/>
+              <a:t>indicates that </a:t>
+            </a:r>
+          </a:p>
+          <a:p>
+            <a:pPr marL="285750" indent="-285750">
+              <a:buFont typeface="Arial" panose="020B0604020202020204" pitchFamily="34" charset="0"/>
+              <a:buChar char="•"/>
+            </a:pPr>
+            <a:r>
+              <a:rPr lang="en-GB" dirty="0"/>
+              <a:t>the device is running an SMTP server and is ready to receive email messages. </a:t>
+            </a:r>
+          </a:p>
+          <a:p>
+            <a:pPr marL="285750" indent="-285750">
+              <a:buFont typeface="Arial" panose="020B0604020202020204" pitchFamily="34" charset="0"/>
+              <a:buChar char="•"/>
+            </a:pPr>
+            <a:r>
+              <a:rPr lang="en-GB" dirty="0"/>
+              <a:t>additional information about the server and a warning that the server does not authorize the use of its system to send unsolicited or bulk emails.</a:t>
+            </a:r>
+            <a:endParaRPr lang="en-US" dirty="0"/>
+          </a:p>
+        </p:txBody>
+      </p:sp>
+    </p:spTree>
+    <p:extLst>
+      <p:ext uri="{BB962C8B-B14F-4D97-AF65-F5344CB8AC3E}">
+        <p14:creationId xmlns:p14="http://schemas.microsoft.com/office/powerpoint/2010/main" val="910633618"/>
+      </p:ext>
+    </p:extLst>
+  </p:cSld>
+  <p:clrMapOvr>
+    <a:masterClrMapping/>
+  </p:clrMapOvr>
+</p:sld>
+</file>
+
+<file path=ppt/slides/slide14.xml><?xml version="1.0" encoding="utf-8"?>
+<p:sld xmlns:a="http://schemas.openxmlformats.org/drawingml/2006/main" xmlns:r="http://schemas.openxmlformats.org/officeDocument/2006/relationships" xmlns:p="http://schemas.openxmlformats.org/presentationml/2006/main">
+  <p:cSld>
+    <p:spTree>
+      <p:nvGrpSpPr>
+        <p:cNvPr id="1" name=""/>
+        <p:cNvGrpSpPr/>
+        <p:nvPr/>
+      </p:nvGrpSpPr>
+      <p:grpSpPr>
+        <a:xfrm>
+          <a:off x="0" y="0"/>
+          <a:ext cx="0" cy="0"/>
+          <a:chOff x="0" y="0"/>
+          <a:chExt cx="0" cy="0"/>
+        </a:xfrm>
+      </p:grpSpPr>
+      <p:pic>
+        <p:nvPicPr>
+          <p:cNvPr id="3" name="Picture 2">
+            <a:extLst>
+              <a:ext uri="{FF2B5EF4-FFF2-40B4-BE49-F238E27FC236}">
+                <a16:creationId xmlns:a16="http://schemas.microsoft.com/office/drawing/2014/main" id="{538690C4-6F5D-A80A-3AC0-F58A47CD91DD}"/>
+              </a:ext>
+            </a:extLst>
+          </p:cNvPr>
+          <p:cNvPicPr>
+            <a:picLocks noChangeAspect="1"/>
+          </p:cNvPicPr>
+          <p:nvPr/>
+        </p:nvPicPr>
+        <p:blipFill>
+          <a:blip r:embed="rId2"/>
+          <a:stretch>
+            <a:fillRect/>
+          </a:stretch>
+        </p:blipFill>
+        <p:spPr>
+          <a:xfrm>
+            <a:off x="0" y="726121"/>
+            <a:ext cx="12192000" cy="5405758"/>
+          </a:xfrm>
+          <a:prstGeom prst="rect">
+            <a:avLst/>
+          </a:prstGeom>
+          <a:solidFill>
+            <a:schemeClr val="accent4">
+              <a:lumMod val="20000"/>
+              <a:lumOff val="80000"/>
+            </a:schemeClr>
+          </a:solidFill>
+        </p:spPr>
+      </p:pic>
+      <p:sp>
+        <p:nvSpPr>
+          <p:cNvPr id="2" name="TextBox 1">
+            <a:extLst>
+              <a:ext uri="{FF2B5EF4-FFF2-40B4-BE49-F238E27FC236}">
+                <a16:creationId xmlns:a16="http://schemas.microsoft.com/office/drawing/2014/main" id="{9EFA508E-A946-7CFA-E9CE-7A8853CB68A0}"/>
+              </a:ext>
+            </a:extLst>
+          </p:cNvPr>
+          <p:cNvSpPr txBox="1"/>
+          <p:nvPr/>
+        </p:nvSpPr>
+        <p:spPr>
+          <a:xfrm>
+            <a:off x="8161020" y="2438400"/>
+            <a:ext cx="2836291" cy="647700"/>
+          </a:xfrm>
+          <a:prstGeom prst="rect">
+            <a:avLst/>
+          </a:prstGeom>
+          <a:solidFill>
+            <a:schemeClr val="accent4">
+              <a:lumMod val="20000"/>
+              <a:lumOff val="80000"/>
+            </a:schemeClr>
+          </a:solidFill>
+        </p:spPr>
+        <p:txBody>
+          <a:bodyPr wrap="square" rtlCol="0">
+            <a:spAutoFit/>
+          </a:bodyPr>
+          <a:lstStyle/>
+          <a:p>
+            <a:r>
+              <a:rPr lang="en-US" dirty="0"/>
+              <a:t>Username and password are base64 encoded</a:t>
+            </a:r>
+          </a:p>
+        </p:txBody>
+      </p:sp>
+      <p:cxnSp>
+        <p:nvCxnSpPr>
+          <p:cNvPr id="5" name="Straight Arrow Connector 4">
+            <a:extLst>
+              <a:ext uri="{FF2B5EF4-FFF2-40B4-BE49-F238E27FC236}">
+                <a16:creationId xmlns:a16="http://schemas.microsoft.com/office/drawing/2014/main" id="{4FD96519-FE38-CF06-BCC6-5AEB896393F3}"/>
+              </a:ext>
+            </a:extLst>
+          </p:cNvPr>
+          <p:cNvCxnSpPr/>
+          <p:nvPr/>
+        </p:nvCxnSpPr>
+        <p:spPr>
+          <a:xfrm flipH="1" flipV="1">
+            <a:off x="7315200" y="2590800"/>
+            <a:ext cx="762000" cy="171450"/>
+          </a:xfrm>
+          <a:prstGeom prst="straightConnector1">
+            <a:avLst/>
+          </a:prstGeom>
+          <a:ln>
+            <a:tailEnd type="triangle"/>
+          </a:ln>
+        </p:spPr>
+        <p:style>
+          <a:lnRef idx="1">
+            <a:schemeClr val="accent1"/>
+          </a:lnRef>
+          <a:fillRef idx="0">
+            <a:schemeClr val="accent1"/>
+          </a:fillRef>
+          <a:effectRef idx="0">
+            <a:schemeClr val="accent1"/>
+          </a:effectRef>
+          <a:fontRef idx="minor">
+            <a:schemeClr val="tx1"/>
+          </a:fontRef>
+        </p:style>
+      </p:cxnSp>
+    </p:spTree>
+    <p:extLst>
+      <p:ext uri="{BB962C8B-B14F-4D97-AF65-F5344CB8AC3E}">
+        <p14:creationId xmlns:p14="http://schemas.microsoft.com/office/powerpoint/2010/main" val="2473937357"/>
+      </p:ext>
+    </p:extLst>
+  </p:cSld>
+  <p:clrMapOvr>
+    <a:masterClrMapping/>
+  </p:clrMapOvr>
+</p:sld>
+</file>
+
+<file path=ppt/slides/slide15.xml><?xml version="1.0" encoding="utf-8"?>
+<p:sld xmlns:a="http://schemas.openxmlformats.org/drawingml/2006/main" xmlns:r="http://schemas.openxmlformats.org/officeDocument/2006/relationships" xmlns:p="http://schemas.openxmlformats.org/presentationml/2006/main">
+  <p:cSld>
+    <p:spTree>
+      <p:nvGrpSpPr>
+        <p:cNvPr id="1" name=""/>
+        <p:cNvGrpSpPr/>
+        <p:nvPr/>
+      </p:nvGrpSpPr>
+      <p:grpSpPr>
+        <a:xfrm>
+          <a:off x="0" y="0"/>
+          <a:ext cx="0" cy="0"/>
+          <a:chOff x="0" y="0"/>
+          <a:chExt cx="0" cy="0"/>
+        </a:xfrm>
+      </p:grpSpPr>
+      <p:sp>
+        <p:nvSpPr>
+          <p:cNvPr id="2" name="Title 1">
+            <a:extLst>
+              <a:ext uri="{FF2B5EF4-FFF2-40B4-BE49-F238E27FC236}">
+                <a16:creationId xmlns:a16="http://schemas.microsoft.com/office/drawing/2014/main" id="{372B3F69-121F-6E9D-B96F-EC14CFEBF996}"/>
               </a:ext>
             </a:extLst>
           </p:cNvPr>
@@ -11770,15 +11906,102 @@
           <a:p>
             <a:r>
               <a:rPr lang="en-US" dirty="0"/>
-              <a:t>Handshaking (SYN, [SYN, ACK], ACK)</a:t>
+              <a:t>What is Base64 encoding </a:t>
             </a:r>
           </a:p>
         </p:txBody>
       </p:sp>
+      <p:sp>
+        <p:nvSpPr>
+          <p:cNvPr id="3" name="Content Placeholder 2">
+            <a:extLst>
+              <a:ext uri="{FF2B5EF4-FFF2-40B4-BE49-F238E27FC236}">
+                <a16:creationId xmlns:a16="http://schemas.microsoft.com/office/drawing/2014/main" id="{AB4760B8-D377-01C9-D125-44BB05598D9B}"/>
+              </a:ext>
+            </a:extLst>
+          </p:cNvPr>
+          <p:cNvSpPr>
+            <a:spLocks noGrp="1"/>
+          </p:cNvSpPr>
+          <p:nvPr>
+            <p:ph idx="1"/>
+          </p:nvPr>
+        </p:nvSpPr>
+        <p:spPr>
+          <a:xfrm>
+            <a:off x="838200" y="1825625"/>
+            <a:ext cx="4959285" cy="4351338"/>
+          </a:xfrm>
+        </p:spPr>
+        <p:txBody>
+          <a:bodyPr/>
+          <a:lstStyle/>
+          <a:p>
+            <a:r>
+              <a:rPr lang="en-GB" dirty="0"/>
+              <a:t>Base64 encoding is a way to represent binary data in a text format. </a:t>
+            </a:r>
+          </a:p>
+          <a:p>
+            <a:r>
+              <a:rPr lang="en-GB" dirty="0"/>
+              <a:t>It is often used in email messages, HTML pages, and other types of text-based communication to transfer binary data such as images, audio files, or other types of non-text data.</a:t>
+            </a:r>
+            <a:endParaRPr lang="en-US" dirty="0"/>
+          </a:p>
+        </p:txBody>
+      </p:sp>
+      <p:pic>
+        <p:nvPicPr>
+          <p:cNvPr id="1026" name="Picture 2">
+            <a:extLst>
+              <a:ext uri="{FF2B5EF4-FFF2-40B4-BE49-F238E27FC236}">
+                <a16:creationId xmlns:a16="http://schemas.microsoft.com/office/drawing/2014/main" id="{E29C44FC-588D-BDC8-1465-C5601FDD0AA1}"/>
+              </a:ext>
+            </a:extLst>
+          </p:cNvPr>
+          <p:cNvPicPr>
+            <a:picLocks noChangeAspect="1" noChangeArrowheads="1"/>
+          </p:cNvPicPr>
+          <p:nvPr/>
+        </p:nvPicPr>
+        <p:blipFill>
+          <a:blip r:embed="rId2">
+            <a:extLst>
+              <a:ext uri="{28A0092B-C50C-407E-A947-70E740481C1C}">
+                <a14:useLocalDpi xmlns:a14="http://schemas.microsoft.com/office/drawing/2010/main" val="0"/>
+              </a:ext>
+            </a:extLst>
+          </a:blip>
+          <a:srcRect/>
+          <a:stretch>
+            <a:fillRect/>
+          </a:stretch>
+        </p:blipFill>
+        <p:spPr bwMode="auto">
+          <a:xfrm>
+            <a:off x="5972175" y="1624013"/>
+            <a:ext cx="6219825" cy="4552950"/>
+          </a:xfrm>
+          <a:prstGeom prst="rect">
+            <a:avLst/>
+          </a:prstGeom>
+          <a:noFill/>
+          <a:extLst>
+            <a:ext uri="{909E8E84-426E-40DD-AFC4-6F175D3DCCD1}">
+              <a14:hiddenFill xmlns:a14="http://schemas.microsoft.com/office/drawing/2010/main">
+                <a:solidFill>
+                  <a:srgbClr val="FFFFFF"/>
+                </a:solidFill>
+              </a14:hiddenFill>
+            </a:ext>
+          </a:extLst>
+        </p:spPr>
+      </p:pic>
     </p:spTree>
     <p:extLst>
       <p:ext uri="{BB962C8B-B14F-4D97-AF65-F5344CB8AC3E}">
-        <p14:creationId xmlns:p14="http://schemas.microsoft.com/office/powerpoint/2010/main" val="3132971112"/>
+        <p14:creationId xmlns:p14="http://schemas.microsoft.com/office/powerpoint/2010/main" val="2826839527"/>
       </p:ext>
     </p:extLst>
   </p:cSld>
@@ -11788,7 +12011,1441 @@
 </p:sld>
 </file>
 
-<file path=ppt/slides/slide13.xml><?xml version="1.0" encoding="utf-8"?>
+<file path=ppt/slides/slide16.xml><?xml version="1.0" encoding="utf-8"?>
+<p:sld xmlns:a="http://schemas.openxmlformats.org/drawingml/2006/main" xmlns:r="http://schemas.openxmlformats.org/officeDocument/2006/relationships" xmlns:p="http://schemas.openxmlformats.org/presentationml/2006/main">
+  <p:cSld>
+    <p:spTree>
+      <p:nvGrpSpPr>
+        <p:cNvPr id="1" name=""/>
+        <p:cNvGrpSpPr/>
+        <p:nvPr/>
+      </p:nvGrpSpPr>
+      <p:grpSpPr>
+        <a:xfrm>
+          <a:off x="0" y="0"/>
+          <a:ext cx="0" cy="0"/>
+          <a:chOff x="0" y="0"/>
+          <a:chExt cx="0" cy="0"/>
+        </a:xfrm>
+      </p:grpSpPr>
+      <p:sp>
+        <p:nvSpPr>
+          <p:cNvPr id="4" name="Title 3">
+            <a:extLst>
+              <a:ext uri="{FF2B5EF4-FFF2-40B4-BE49-F238E27FC236}">
+                <a16:creationId xmlns:a16="http://schemas.microsoft.com/office/drawing/2014/main" id="{46635CA0-D3AB-4F68-4F76-6EBE6CA30485}"/>
+              </a:ext>
+            </a:extLst>
+          </p:cNvPr>
+          <p:cNvSpPr>
+            <a:spLocks noGrp="1"/>
+          </p:cNvSpPr>
+          <p:nvPr>
+            <p:ph type="title"/>
+          </p:nvPr>
+        </p:nvSpPr>
+        <p:spPr/>
+        <p:txBody>
+          <a:bodyPr/>
+          <a:lstStyle/>
+          <a:p>
+            <a:r>
+              <a:rPr lang="en-US" dirty="0"/>
+              <a:t>Conversion </a:t>
+            </a:r>
+          </a:p>
+        </p:txBody>
+      </p:sp>
+      <p:pic>
+        <p:nvPicPr>
+          <p:cNvPr id="17" name="Picture 16">
+            <a:extLst>
+              <a:ext uri="{FF2B5EF4-FFF2-40B4-BE49-F238E27FC236}">
+                <a16:creationId xmlns:a16="http://schemas.microsoft.com/office/drawing/2014/main" id="{540C7910-B72C-1432-9CE9-0D740185306C}"/>
+              </a:ext>
+            </a:extLst>
+          </p:cNvPr>
+          <p:cNvPicPr>
+            <a:picLocks noChangeAspect="1"/>
+          </p:cNvPicPr>
+          <p:nvPr/>
+        </p:nvPicPr>
+        <p:blipFill>
+          <a:blip r:embed="rId2"/>
+          <a:stretch>
+            <a:fillRect/>
+          </a:stretch>
+        </p:blipFill>
+        <p:spPr>
+          <a:xfrm>
+            <a:off x="940037" y="1615782"/>
+            <a:ext cx="8493588" cy="2349290"/>
+          </a:xfrm>
+          <a:prstGeom prst="rect">
+            <a:avLst/>
+          </a:prstGeom>
+        </p:spPr>
+      </p:pic>
+      <p:pic>
+        <p:nvPicPr>
+          <p:cNvPr id="19" name="Picture 18">
+            <a:extLst>
+              <a:ext uri="{FF2B5EF4-FFF2-40B4-BE49-F238E27FC236}">
+                <a16:creationId xmlns:a16="http://schemas.microsoft.com/office/drawing/2014/main" id="{33802E3C-8CD5-E5D1-4912-465E1E4EF13C}"/>
+              </a:ext>
+            </a:extLst>
+          </p:cNvPr>
+          <p:cNvPicPr>
+            <a:picLocks noChangeAspect="1"/>
+          </p:cNvPicPr>
+          <p:nvPr/>
+        </p:nvPicPr>
+        <p:blipFill>
+          <a:blip r:embed="rId3"/>
+          <a:stretch>
+            <a:fillRect/>
+          </a:stretch>
+        </p:blipFill>
+        <p:spPr>
+          <a:xfrm>
+            <a:off x="940037" y="4277753"/>
+            <a:ext cx="8493588" cy="2371698"/>
+          </a:xfrm>
+          <a:prstGeom prst="rect">
+            <a:avLst/>
+          </a:prstGeom>
+        </p:spPr>
+      </p:pic>
+    </p:spTree>
+    <p:extLst>
+      <p:ext uri="{BB962C8B-B14F-4D97-AF65-F5344CB8AC3E}">
+        <p14:creationId xmlns:p14="http://schemas.microsoft.com/office/powerpoint/2010/main" val="4128795651"/>
+      </p:ext>
+    </p:extLst>
+  </p:cSld>
+  <p:clrMapOvr>
+    <a:masterClrMapping/>
+  </p:clrMapOvr>
+</p:sld>
+</file>
+
+<file path=ppt/slides/slide17.xml><?xml version="1.0" encoding="utf-8"?>
+<p:sld xmlns:a="http://schemas.openxmlformats.org/drawingml/2006/main" xmlns:r="http://schemas.openxmlformats.org/officeDocument/2006/relationships" xmlns:p="http://schemas.openxmlformats.org/presentationml/2006/main">
+  <p:cSld>
+    <p:spTree>
+      <p:nvGrpSpPr>
+        <p:cNvPr id="1" name=""/>
+        <p:cNvGrpSpPr/>
+        <p:nvPr/>
+      </p:nvGrpSpPr>
+      <p:grpSpPr>
+        <a:xfrm>
+          <a:off x="0" y="0"/>
+          <a:ext cx="0" cy="0"/>
+          <a:chOff x="0" y="0"/>
+          <a:chExt cx="0" cy="0"/>
+        </a:xfrm>
+      </p:grpSpPr>
+      <p:pic>
+        <p:nvPicPr>
+          <p:cNvPr id="4" name="Picture 3">
+            <a:extLst>
+              <a:ext uri="{FF2B5EF4-FFF2-40B4-BE49-F238E27FC236}">
+                <a16:creationId xmlns:a16="http://schemas.microsoft.com/office/drawing/2014/main" id="{B4590494-5760-2B07-E76D-BC881FD625FC}"/>
+              </a:ext>
+            </a:extLst>
+          </p:cNvPr>
+          <p:cNvPicPr>
+            <a:picLocks noChangeAspect="1"/>
+          </p:cNvPicPr>
+          <p:nvPr/>
+        </p:nvPicPr>
+        <p:blipFill>
+          <a:blip r:embed="rId2"/>
+          <a:stretch>
+            <a:fillRect/>
+          </a:stretch>
+        </p:blipFill>
+        <p:spPr>
+          <a:xfrm>
+            <a:off x="1614758" y="2211475"/>
+            <a:ext cx="8387480" cy="2322817"/>
+          </a:xfrm>
+          <a:prstGeom prst="rect">
+            <a:avLst/>
+          </a:prstGeom>
+        </p:spPr>
+      </p:pic>
+    </p:spTree>
+    <p:extLst>
+      <p:ext uri="{BB962C8B-B14F-4D97-AF65-F5344CB8AC3E}">
+        <p14:creationId xmlns:p14="http://schemas.microsoft.com/office/powerpoint/2010/main" val="894335474"/>
+      </p:ext>
+    </p:extLst>
+  </p:cSld>
+  <p:clrMapOvr>
+    <a:masterClrMapping/>
+  </p:clrMapOvr>
+</p:sld>
+</file>
+
+<file path=ppt/slides/slide18.xml><?xml version="1.0" encoding="utf-8"?>
+<p:sld xmlns:a="http://schemas.openxmlformats.org/drawingml/2006/main" xmlns:r="http://schemas.openxmlformats.org/officeDocument/2006/relationships" xmlns:p="http://schemas.openxmlformats.org/presentationml/2006/main">
+  <p:cSld>
+    <p:spTree>
+      <p:nvGrpSpPr>
+        <p:cNvPr id="1" name=""/>
+        <p:cNvGrpSpPr/>
+        <p:nvPr/>
+      </p:nvGrpSpPr>
+      <p:grpSpPr>
+        <a:xfrm>
+          <a:off x="0" y="0"/>
+          <a:ext cx="0" cy="0"/>
+          <a:chOff x="0" y="0"/>
+          <a:chExt cx="0" cy="0"/>
+        </a:xfrm>
+      </p:grpSpPr>
+      <p:pic>
+        <p:nvPicPr>
+          <p:cNvPr id="3" name="Picture 2">
+            <a:extLst>
+              <a:ext uri="{FF2B5EF4-FFF2-40B4-BE49-F238E27FC236}">
+                <a16:creationId xmlns:a16="http://schemas.microsoft.com/office/drawing/2014/main" id="{20DAAFE9-D3A3-01AD-7972-A1F3FCB2FFC9}"/>
+              </a:ext>
+            </a:extLst>
+          </p:cNvPr>
+          <p:cNvPicPr>
+            <a:picLocks noChangeAspect="1"/>
+          </p:cNvPicPr>
+          <p:nvPr/>
+        </p:nvPicPr>
+        <p:blipFill>
+          <a:blip r:embed="rId2"/>
+          <a:stretch>
+            <a:fillRect/>
+          </a:stretch>
+        </p:blipFill>
+        <p:spPr>
+          <a:xfrm>
+            <a:off x="965820" y="1813727"/>
+            <a:ext cx="9163079" cy="4304662"/>
+          </a:xfrm>
+          <a:prstGeom prst="rect">
+            <a:avLst/>
+          </a:prstGeom>
+        </p:spPr>
+      </p:pic>
+      <p:sp>
+        <p:nvSpPr>
+          <p:cNvPr id="4" name="Title 3">
+            <a:extLst>
+              <a:ext uri="{FF2B5EF4-FFF2-40B4-BE49-F238E27FC236}">
+                <a16:creationId xmlns:a16="http://schemas.microsoft.com/office/drawing/2014/main" id="{926339D0-FFE2-90DE-BFA7-C309BAA8F68B}"/>
+              </a:ext>
+            </a:extLst>
+          </p:cNvPr>
+          <p:cNvSpPr>
+            <a:spLocks noGrp="1"/>
+          </p:cNvSpPr>
+          <p:nvPr>
+            <p:ph type="title"/>
+          </p:nvPr>
+        </p:nvSpPr>
+        <p:spPr/>
+        <p:txBody>
+          <a:bodyPr/>
+          <a:lstStyle/>
+          <a:p>
+            <a:r>
+              <a:rPr lang="en-US" dirty="0"/>
+              <a:t>Decoding Based64 to text</a:t>
+            </a:r>
+          </a:p>
+        </p:txBody>
+      </p:sp>
+    </p:spTree>
+    <p:extLst>
+      <p:ext uri="{BB962C8B-B14F-4D97-AF65-F5344CB8AC3E}">
+        <p14:creationId xmlns:p14="http://schemas.microsoft.com/office/powerpoint/2010/main" val="2384207028"/>
+      </p:ext>
+    </p:extLst>
+  </p:cSld>
+  <p:clrMapOvr>
+    <a:masterClrMapping/>
+  </p:clrMapOvr>
+</p:sld>
+</file>
+
+<file path=ppt/slides/slide19.xml><?xml version="1.0" encoding="utf-8"?>
+<p:sld xmlns:a="http://schemas.openxmlformats.org/drawingml/2006/main" xmlns:r="http://schemas.openxmlformats.org/officeDocument/2006/relationships" xmlns:p="http://schemas.openxmlformats.org/presentationml/2006/main">
+  <p:cSld>
+    <p:spTree>
+      <p:nvGrpSpPr>
+        <p:cNvPr id="1" name=""/>
+        <p:cNvGrpSpPr/>
+        <p:nvPr/>
+      </p:nvGrpSpPr>
+      <p:grpSpPr>
+        <a:xfrm>
+          <a:off x="0" y="0"/>
+          <a:ext cx="0" cy="0"/>
+          <a:chOff x="0" y="0"/>
+          <a:chExt cx="0" cy="0"/>
+        </a:xfrm>
+      </p:grpSpPr>
+      <p:pic>
+        <p:nvPicPr>
+          <p:cNvPr id="4" name="Picture 3">
+            <a:extLst>
+              <a:ext uri="{FF2B5EF4-FFF2-40B4-BE49-F238E27FC236}">
+                <a16:creationId xmlns:a16="http://schemas.microsoft.com/office/drawing/2014/main" id="{787BE18C-6D3A-9702-B13C-8CA581D8139F}"/>
+              </a:ext>
+            </a:extLst>
+          </p:cNvPr>
+          <p:cNvPicPr>
+            <a:picLocks noChangeAspect="1"/>
+          </p:cNvPicPr>
+          <p:nvPr/>
+        </p:nvPicPr>
+        <p:blipFill>
+          <a:blip r:embed="rId3"/>
+          <a:stretch>
+            <a:fillRect/>
+          </a:stretch>
+        </p:blipFill>
+        <p:spPr>
+          <a:xfrm>
+            <a:off x="970869" y="1690688"/>
+            <a:ext cx="8350672" cy="4351893"/>
+          </a:xfrm>
+          <a:prstGeom prst="rect">
+            <a:avLst/>
+          </a:prstGeom>
+        </p:spPr>
+      </p:pic>
+      <p:sp>
+        <p:nvSpPr>
+          <p:cNvPr id="5" name="Title 4">
+            <a:extLst>
+              <a:ext uri="{FF2B5EF4-FFF2-40B4-BE49-F238E27FC236}">
+                <a16:creationId xmlns:a16="http://schemas.microsoft.com/office/drawing/2014/main" id="{9BEE9FDD-E840-0101-8993-B9FD83740F0D}"/>
+              </a:ext>
+            </a:extLst>
+          </p:cNvPr>
+          <p:cNvSpPr>
+            <a:spLocks noGrp="1"/>
+          </p:cNvSpPr>
+          <p:nvPr>
+            <p:ph type="title"/>
+          </p:nvPr>
+        </p:nvSpPr>
+        <p:spPr/>
+        <p:txBody>
+          <a:bodyPr/>
+          <a:lstStyle/>
+          <a:p>
+            <a:r>
+              <a:rPr lang="en-US" dirty="0"/>
+              <a:t>Decoding username</a:t>
+            </a:r>
+          </a:p>
+        </p:txBody>
+      </p:sp>
+    </p:spTree>
+    <p:extLst>
+      <p:ext uri="{BB962C8B-B14F-4D97-AF65-F5344CB8AC3E}">
+        <p14:creationId xmlns:p14="http://schemas.microsoft.com/office/powerpoint/2010/main" val="3244820070"/>
+      </p:ext>
+    </p:extLst>
+  </p:cSld>
+  <p:clrMapOvr>
+    <a:masterClrMapping/>
+  </p:clrMapOvr>
+</p:sld>
+</file>
+
+<file path=ppt/slides/slide2.xml><?xml version="1.0" encoding="utf-8"?>
+<p:sld xmlns:a="http://schemas.openxmlformats.org/drawingml/2006/main" xmlns:r="http://schemas.openxmlformats.org/officeDocument/2006/relationships" xmlns:p="http://schemas.openxmlformats.org/presentationml/2006/main">
+  <p:cSld>
+    <p:spTree>
+      <p:nvGrpSpPr>
+        <p:cNvPr id="1" name=""/>
+        <p:cNvGrpSpPr/>
+        <p:nvPr/>
+      </p:nvGrpSpPr>
+      <p:grpSpPr>
+        <a:xfrm>
+          <a:off x="0" y="0"/>
+          <a:ext cx="0" cy="0"/>
+          <a:chOff x="0" y="0"/>
+          <a:chExt cx="0" cy="0"/>
+        </a:xfrm>
+      </p:grpSpPr>
+      <p:sp>
+        <p:nvSpPr>
+          <p:cNvPr id="2" name="Title 1">
+            <a:extLst>
+              <a:ext uri="{FF2B5EF4-FFF2-40B4-BE49-F238E27FC236}">
+                <a16:creationId xmlns:a16="http://schemas.microsoft.com/office/drawing/2014/main" id="{BD3D4419-48D7-C69F-9805-E6EE399AB19F}"/>
+              </a:ext>
+            </a:extLst>
+          </p:cNvPr>
+          <p:cNvSpPr>
+            <a:spLocks noGrp="1"/>
+          </p:cNvSpPr>
+          <p:nvPr>
+            <p:ph type="title"/>
+          </p:nvPr>
+        </p:nvSpPr>
+        <p:spPr/>
+        <p:txBody>
+          <a:bodyPr/>
+          <a:lstStyle/>
+          <a:p>
+            <a:r>
+              <a:rPr lang="en-US" dirty="0"/>
+              <a:t>Overview</a:t>
+            </a:r>
+          </a:p>
+        </p:txBody>
+      </p:sp>
+      <p:sp>
+        <p:nvSpPr>
+          <p:cNvPr id="3" name="Content Placeholder 2">
+            <a:extLst>
+              <a:ext uri="{FF2B5EF4-FFF2-40B4-BE49-F238E27FC236}">
+                <a16:creationId xmlns:a16="http://schemas.microsoft.com/office/drawing/2014/main" id="{512E3751-CBD9-3000-873A-72442E8BFFC7}"/>
+              </a:ext>
+            </a:extLst>
+          </p:cNvPr>
+          <p:cNvSpPr>
+            <a:spLocks noGrp="1"/>
+          </p:cNvSpPr>
+          <p:nvPr>
+            <p:ph idx="1"/>
+          </p:nvPr>
+        </p:nvSpPr>
+        <p:spPr/>
+        <p:txBody>
+          <a:bodyPr/>
+          <a:lstStyle/>
+          <a:p>
+            <a:r>
+              <a:rPr lang="en-US" dirty="0"/>
+              <a:t>Simple Mail Transfer Protocol </a:t>
+            </a:r>
+          </a:p>
+          <a:p>
+            <a:r>
+              <a:rPr lang="en-US" dirty="0"/>
+              <a:t>Hands-on lab</a:t>
+            </a:r>
+          </a:p>
+          <a:p>
+            <a:pPr lvl="1"/>
+            <a:r>
+              <a:rPr lang="en-US" dirty="0"/>
+              <a:t>A </a:t>
+            </a:r>
+            <a:r>
+              <a:rPr lang="en-US" dirty="0">
+                <a:latin typeface="OCRB" panose="020B0609020202020204" pitchFamily="49" charset="0"/>
+              </a:rPr>
+              <a:t>.</a:t>
+            </a:r>
+            <a:r>
+              <a:rPr lang="en-US" dirty="0" err="1">
+                <a:latin typeface="OCRB" panose="020B0609020202020204" pitchFamily="49" charset="0"/>
+              </a:rPr>
+              <a:t>pcap</a:t>
+            </a:r>
+            <a:r>
+              <a:rPr lang="en-US" dirty="0">
+                <a:latin typeface="OCRB" panose="020B0609020202020204" pitchFamily="49" charset="0"/>
+              </a:rPr>
+              <a:t> </a:t>
+            </a:r>
+            <a:r>
+              <a:rPr lang="en-US" dirty="0"/>
+              <a:t>file contains MS Outlook email traffic</a:t>
+            </a:r>
+          </a:p>
+          <a:p>
+            <a:pPr lvl="1"/>
+            <a:r>
+              <a:rPr lang="en-US" dirty="0"/>
+              <a:t>Assume the traffic is decreased</a:t>
+            </a:r>
+          </a:p>
+        </p:txBody>
+      </p:sp>
+    </p:spTree>
+    <p:extLst>
+      <p:ext uri="{BB962C8B-B14F-4D97-AF65-F5344CB8AC3E}">
+        <p14:creationId xmlns:p14="http://schemas.microsoft.com/office/powerpoint/2010/main" val="873956335"/>
+      </p:ext>
+    </p:extLst>
+  </p:cSld>
+  <p:clrMapOvr>
+    <a:masterClrMapping/>
+  </p:clrMapOvr>
+</p:sld>
+</file>
+
+<file path=ppt/slides/slide20.xml><?xml version="1.0" encoding="utf-8"?>
+<p:sld xmlns:a="http://schemas.openxmlformats.org/drawingml/2006/main" xmlns:r="http://schemas.openxmlformats.org/officeDocument/2006/relationships" xmlns:p="http://schemas.openxmlformats.org/presentationml/2006/main">
+  <p:cSld>
+    <p:spTree>
+      <p:nvGrpSpPr>
+        <p:cNvPr id="1" name=""/>
+        <p:cNvGrpSpPr/>
+        <p:nvPr/>
+      </p:nvGrpSpPr>
+      <p:grpSpPr>
+        <a:xfrm>
+          <a:off x="0" y="0"/>
+          <a:ext cx="0" cy="0"/>
+          <a:chOff x="0" y="0"/>
+          <a:chExt cx="0" cy="0"/>
+        </a:xfrm>
+      </p:grpSpPr>
+      <p:pic>
+        <p:nvPicPr>
+          <p:cNvPr id="3" name="Picture 2">
+            <a:extLst>
+              <a:ext uri="{FF2B5EF4-FFF2-40B4-BE49-F238E27FC236}">
+                <a16:creationId xmlns:a16="http://schemas.microsoft.com/office/drawing/2014/main" id="{F74E5E69-13D0-FBD7-D6AA-6CBFDB8E4BBA}"/>
+              </a:ext>
+            </a:extLst>
+          </p:cNvPr>
+          <p:cNvPicPr>
+            <a:picLocks noChangeAspect="1"/>
+          </p:cNvPicPr>
+          <p:nvPr/>
+        </p:nvPicPr>
+        <p:blipFill>
+          <a:blip r:embed="rId2"/>
+          <a:stretch>
+            <a:fillRect/>
+          </a:stretch>
+        </p:blipFill>
+        <p:spPr>
+          <a:xfrm>
+            <a:off x="1653155" y="948475"/>
+            <a:ext cx="8885690" cy="4961050"/>
+          </a:xfrm>
+          <a:prstGeom prst="rect">
+            <a:avLst/>
+          </a:prstGeom>
+        </p:spPr>
+      </p:pic>
+    </p:spTree>
+    <p:extLst>
+      <p:ext uri="{BB962C8B-B14F-4D97-AF65-F5344CB8AC3E}">
+        <p14:creationId xmlns:p14="http://schemas.microsoft.com/office/powerpoint/2010/main" val="3372257670"/>
+      </p:ext>
+    </p:extLst>
+  </p:cSld>
+  <p:clrMapOvr>
+    <a:masterClrMapping/>
+  </p:clrMapOvr>
+</p:sld>
+</file>
+
+<file path=ppt/slides/slide21.xml><?xml version="1.0" encoding="utf-8"?>
+<p:sld xmlns:a="http://schemas.openxmlformats.org/drawingml/2006/main" xmlns:r="http://schemas.openxmlformats.org/officeDocument/2006/relationships" xmlns:p="http://schemas.openxmlformats.org/presentationml/2006/main">
+  <p:cSld>
+    <p:spTree>
+      <p:nvGrpSpPr>
+        <p:cNvPr id="1" name=""/>
+        <p:cNvGrpSpPr/>
+        <p:nvPr/>
+      </p:nvGrpSpPr>
+      <p:grpSpPr>
+        <a:xfrm>
+          <a:off x="0" y="0"/>
+          <a:ext cx="0" cy="0"/>
+          <a:chOff x="0" y="0"/>
+          <a:chExt cx="0" cy="0"/>
+        </a:xfrm>
+      </p:grpSpPr>
+      <p:pic>
+        <p:nvPicPr>
+          <p:cNvPr id="3" name="Picture 2">
+            <a:extLst>
+              <a:ext uri="{FF2B5EF4-FFF2-40B4-BE49-F238E27FC236}">
+                <a16:creationId xmlns:a16="http://schemas.microsoft.com/office/drawing/2014/main" id="{038B00D8-1628-68A7-ABAC-2194BA8E8E4A}"/>
+              </a:ext>
+            </a:extLst>
+          </p:cNvPr>
+          <p:cNvPicPr>
+            <a:picLocks noChangeAspect="1"/>
+          </p:cNvPicPr>
+          <p:nvPr/>
+        </p:nvPicPr>
+        <p:blipFill>
+          <a:blip r:embed="rId2"/>
+          <a:stretch>
+            <a:fillRect/>
+          </a:stretch>
+        </p:blipFill>
+        <p:spPr>
+          <a:xfrm>
+            <a:off x="2190411" y="1542886"/>
+            <a:ext cx="7811177" cy="3772227"/>
+          </a:xfrm>
+          <a:prstGeom prst="rect">
+            <a:avLst/>
+          </a:prstGeom>
+        </p:spPr>
+      </p:pic>
+    </p:spTree>
+    <p:extLst>
+      <p:ext uri="{BB962C8B-B14F-4D97-AF65-F5344CB8AC3E}">
+        <p14:creationId xmlns:p14="http://schemas.microsoft.com/office/powerpoint/2010/main" val="556616837"/>
+      </p:ext>
+    </p:extLst>
+  </p:cSld>
+  <p:clrMapOvr>
+    <a:masterClrMapping/>
+  </p:clrMapOvr>
+</p:sld>
+</file>
+
+<file path=ppt/slides/slide22.xml><?xml version="1.0" encoding="utf-8"?>
+<p:sld xmlns:a="http://schemas.openxmlformats.org/drawingml/2006/main" xmlns:r="http://schemas.openxmlformats.org/officeDocument/2006/relationships" xmlns:p="http://schemas.openxmlformats.org/presentationml/2006/main">
+  <p:cSld>
+    <p:spTree>
+      <p:nvGrpSpPr>
+        <p:cNvPr id="1" name=""/>
+        <p:cNvGrpSpPr/>
+        <p:nvPr/>
+      </p:nvGrpSpPr>
+      <p:grpSpPr>
+        <a:xfrm>
+          <a:off x="0" y="0"/>
+          <a:ext cx="0" cy="0"/>
+          <a:chOff x="0" y="0"/>
+          <a:chExt cx="0" cy="0"/>
+        </a:xfrm>
+      </p:grpSpPr>
+      <p:pic>
+        <p:nvPicPr>
+          <p:cNvPr id="3" name="Picture 2">
+            <a:extLst>
+              <a:ext uri="{FF2B5EF4-FFF2-40B4-BE49-F238E27FC236}">
+                <a16:creationId xmlns:a16="http://schemas.microsoft.com/office/drawing/2014/main" id="{15BCCCD9-F311-09A2-CD9B-0564007A5058}"/>
+              </a:ext>
+            </a:extLst>
+          </p:cNvPr>
+          <p:cNvPicPr>
+            <a:picLocks noChangeAspect="1"/>
+          </p:cNvPicPr>
+          <p:nvPr/>
+        </p:nvPicPr>
+        <p:blipFill>
+          <a:blip r:embed="rId2"/>
+          <a:stretch>
+            <a:fillRect/>
+          </a:stretch>
+        </p:blipFill>
+        <p:spPr>
+          <a:xfrm>
+            <a:off x="2624789" y="1546697"/>
+            <a:ext cx="6942422" cy="3764606"/>
+          </a:xfrm>
+          <a:prstGeom prst="rect">
+            <a:avLst/>
+          </a:prstGeom>
+        </p:spPr>
+      </p:pic>
+    </p:spTree>
+    <p:extLst>
+      <p:ext uri="{BB962C8B-B14F-4D97-AF65-F5344CB8AC3E}">
+        <p14:creationId xmlns:p14="http://schemas.microsoft.com/office/powerpoint/2010/main" val="3030731829"/>
+      </p:ext>
+    </p:extLst>
+  </p:cSld>
+  <p:clrMapOvr>
+    <a:masterClrMapping/>
+  </p:clrMapOvr>
+</p:sld>
+</file>
+
+<file path=ppt/slides/slide23.xml><?xml version="1.0" encoding="utf-8"?>
+<p:sld xmlns:a="http://schemas.openxmlformats.org/drawingml/2006/main" xmlns:r="http://schemas.openxmlformats.org/officeDocument/2006/relationships" xmlns:p="http://schemas.openxmlformats.org/presentationml/2006/main">
+  <p:cSld>
+    <p:spTree>
+      <p:nvGrpSpPr>
+        <p:cNvPr id="1" name=""/>
+        <p:cNvGrpSpPr/>
+        <p:nvPr/>
+      </p:nvGrpSpPr>
+      <p:grpSpPr>
+        <a:xfrm>
+          <a:off x="0" y="0"/>
+          <a:ext cx="0" cy="0"/>
+          <a:chOff x="0" y="0"/>
+          <a:chExt cx="0" cy="0"/>
+        </a:xfrm>
+      </p:grpSpPr>
+      <p:pic>
+        <p:nvPicPr>
+          <p:cNvPr id="3" name="Picture 2">
+            <a:extLst>
+              <a:ext uri="{FF2B5EF4-FFF2-40B4-BE49-F238E27FC236}">
+                <a16:creationId xmlns:a16="http://schemas.microsoft.com/office/drawing/2014/main" id="{70E3ADCC-0137-7B13-34AE-A7A657504967}"/>
+              </a:ext>
+            </a:extLst>
+          </p:cNvPr>
+          <p:cNvPicPr>
+            <a:picLocks noChangeAspect="1"/>
+          </p:cNvPicPr>
+          <p:nvPr/>
+        </p:nvPicPr>
+        <p:blipFill>
+          <a:blip r:embed="rId2"/>
+          <a:stretch>
+            <a:fillRect/>
+          </a:stretch>
+        </p:blipFill>
+        <p:spPr>
+          <a:xfrm>
+            <a:off x="2224704" y="1695300"/>
+            <a:ext cx="7742591" cy="3467400"/>
+          </a:xfrm>
+          <a:prstGeom prst="rect">
+            <a:avLst/>
+          </a:prstGeom>
+        </p:spPr>
+      </p:pic>
+    </p:spTree>
+    <p:extLst>
+      <p:ext uri="{BB962C8B-B14F-4D97-AF65-F5344CB8AC3E}">
+        <p14:creationId xmlns:p14="http://schemas.microsoft.com/office/powerpoint/2010/main" val="1059830216"/>
+      </p:ext>
+    </p:extLst>
+  </p:cSld>
+  <p:clrMapOvr>
+    <a:masterClrMapping/>
+  </p:clrMapOvr>
+</p:sld>
+</file>
+
+<file path=ppt/slides/slide24.xml><?xml version="1.0" encoding="utf-8"?>
+<p:sld xmlns:a="http://schemas.openxmlformats.org/drawingml/2006/main" xmlns:r="http://schemas.openxmlformats.org/officeDocument/2006/relationships" xmlns:p="http://schemas.openxmlformats.org/presentationml/2006/main">
+  <p:cSld>
+    <p:spTree>
+      <p:nvGrpSpPr>
+        <p:cNvPr id="1" name=""/>
+        <p:cNvGrpSpPr/>
+        <p:nvPr/>
+      </p:nvGrpSpPr>
+      <p:grpSpPr>
+        <a:xfrm>
+          <a:off x="0" y="0"/>
+          <a:ext cx="0" cy="0"/>
+          <a:chOff x="0" y="0"/>
+          <a:chExt cx="0" cy="0"/>
+        </a:xfrm>
+      </p:grpSpPr>
+      <p:pic>
+        <p:nvPicPr>
+          <p:cNvPr id="3" name="Picture 2">
+            <a:extLst>
+              <a:ext uri="{FF2B5EF4-FFF2-40B4-BE49-F238E27FC236}">
+                <a16:creationId xmlns:a16="http://schemas.microsoft.com/office/drawing/2014/main" id="{78E86480-CB24-4F77-AF42-1F5150E9B975}"/>
+              </a:ext>
+            </a:extLst>
+          </p:cNvPr>
+          <p:cNvPicPr>
+            <a:picLocks noChangeAspect="1"/>
+          </p:cNvPicPr>
+          <p:nvPr/>
+        </p:nvPicPr>
+        <p:blipFill>
+          <a:blip r:embed="rId2"/>
+          <a:stretch>
+            <a:fillRect/>
+          </a:stretch>
+        </p:blipFill>
+        <p:spPr>
+          <a:xfrm>
+            <a:off x="1344518" y="1116129"/>
+            <a:ext cx="9502964" cy="4625741"/>
+          </a:xfrm>
+          <a:prstGeom prst="rect">
+            <a:avLst/>
+          </a:prstGeom>
+        </p:spPr>
+      </p:pic>
+      <p:sp>
+        <p:nvSpPr>
+          <p:cNvPr id="4" name="Right Brace 3">
+            <a:extLst>
+              <a:ext uri="{FF2B5EF4-FFF2-40B4-BE49-F238E27FC236}">
+                <a16:creationId xmlns:a16="http://schemas.microsoft.com/office/drawing/2014/main" id="{71446B98-1B14-45CC-334C-EA0BABB995EC}"/>
+              </a:ext>
+            </a:extLst>
+          </p:cNvPr>
+          <p:cNvSpPr/>
+          <p:nvPr/>
+        </p:nvSpPr>
+        <p:spPr>
+          <a:xfrm>
+            <a:off x="10911840" y="4038600"/>
+            <a:ext cx="121920" cy="792480"/>
+          </a:xfrm>
+          <a:prstGeom prst="rightBrace">
+            <a:avLst/>
+          </a:prstGeom>
+        </p:spPr>
+        <p:style>
+          <a:lnRef idx="1">
+            <a:schemeClr val="accent1"/>
+          </a:lnRef>
+          <a:fillRef idx="0">
+            <a:schemeClr val="accent1"/>
+          </a:fillRef>
+          <a:effectRef idx="0">
+            <a:schemeClr val="accent1"/>
+          </a:effectRef>
+          <a:fontRef idx="minor">
+            <a:schemeClr val="tx1"/>
+          </a:fontRef>
+        </p:style>
+        <p:txBody>
+          <a:bodyPr rtlCol="0" anchor="ctr"/>
+          <a:lstStyle/>
+          <a:p>
+            <a:pPr algn="ctr"/>
+            <a:endParaRPr lang="en-US"/>
+          </a:p>
+        </p:txBody>
+      </p:sp>
+      <p:sp>
+        <p:nvSpPr>
+          <p:cNvPr id="5" name="TextBox 4">
+            <a:extLst>
+              <a:ext uri="{FF2B5EF4-FFF2-40B4-BE49-F238E27FC236}">
+                <a16:creationId xmlns:a16="http://schemas.microsoft.com/office/drawing/2014/main" id="{70E30088-01CF-31AF-386A-0BF8CE3DF0E3}"/>
+              </a:ext>
+            </a:extLst>
+          </p:cNvPr>
+          <p:cNvSpPr txBox="1"/>
+          <p:nvPr/>
+        </p:nvSpPr>
+        <p:spPr>
+          <a:xfrm>
+            <a:off x="10431836" y="4250174"/>
+            <a:ext cx="1334211" cy="369332"/>
+          </a:xfrm>
+          <a:prstGeom prst="rect">
+            <a:avLst/>
+          </a:prstGeom>
+          <a:solidFill>
+            <a:schemeClr val="accent4">
+              <a:lumMod val="20000"/>
+              <a:lumOff val="80000"/>
+            </a:schemeClr>
+          </a:solidFill>
+        </p:spPr>
+        <p:txBody>
+          <a:bodyPr wrap="none" rtlCol="0">
+            <a:spAutoFit/>
+          </a:bodyPr>
+          <a:lstStyle/>
+          <a:p>
+            <a:r>
+              <a:rPr lang="en-US" dirty="0"/>
+              <a:t>ignore them</a:t>
+            </a:r>
+          </a:p>
+        </p:txBody>
+      </p:sp>
+    </p:spTree>
+    <p:extLst>
+      <p:ext uri="{BB962C8B-B14F-4D97-AF65-F5344CB8AC3E}">
+        <p14:creationId xmlns:p14="http://schemas.microsoft.com/office/powerpoint/2010/main" val="2451654839"/>
+      </p:ext>
+    </p:extLst>
+  </p:cSld>
+  <p:clrMapOvr>
+    <a:masterClrMapping/>
+  </p:clrMapOvr>
+</p:sld>
+</file>
+
+<file path=ppt/slides/slide25.xml><?xml version="1.0" encoding="utf-8"?>
+<p:sld xmlns:a="http://schemas.openxmlformats.org/drawingml/2006/main" xmlns:r="http://schemas.openxmlformats.org/officeDocument/2006/relationships" xmlns:p="http://schemas.openxmlformats.org/presentationml/2006/main">
+  <p:cSld>
+    <p:spTree>
+      <p:nvGrpSpPr>
+        <p:cNvPr id="1" name=""/>
+        <p:cNvGrpSpPr/>
+        <p:nvPr/>
+      </p:nvGrpSpPr>
+      <p:grpSpPr>
+        <a:xfrm>
+          <a:off x="0" y="0"/>
+          <a:ext cx="0" cy="0"/>
+          <a:chOff x="0" y="0"/>
+          <a:chExt cx="0" cy="0"/>
+        </a:xfrm>
+      </p:grpSpPr>
+      <p:pic>
+        <p:nvPicPr>
+          <p:cNvPr id="4" name="Picture 3">
+            <a:extLst>
+              <a:ext uri="{FF2B5EF4-FFF2-40B4-BE49-F238E27FC236}">
+                <a16:creationId xmlns:a16="http://schemas.microsoft.com/office/drawing/2014/main" id="{CA5E27A7-ABEE-2539-DECB-53C7BC552932}"/>
+              </a:ext>
+            </a:extLst>
+          </p:cNvPr>
+          <p:cNvPicPr>
+            <a:picLocks noChangeAspect="1"/>
+          </p:cNvPicPr>
+          <p:nvPr/>
+        </p:nvPicPr>
+        <p:blipFill>
+          <a:blip r:embed="rId2"/>
+          <a:stretch>
+            <a:fillRect/>
+          </a:stretch>
+        </p:blipFill>
+        <p:spPr>
+          <a:xfrm>
+            <a:off x="0" y="737681"/>
+            <a:ext cx="12192000" cy="5382638"/>
+          </a:xfrm>
+          <a:prstGeom prst="rect">
+            <a:avLst/>
+          </a:prstGeom>
+        </p:spPr>
+      </p:pic>
+      <p:sp>
+        <p:nvSpPr>
+          <p:cNvPr id="5" name="TextBox 4">
+            <a:extLst>
+              <a:ext uri="{FF2B5EF4-FFF2-40B4-BE49-F238E27FC236}">
+                <a16:creationId xmlns:a16="http://schemas.microsoft.com/office/drawing/2014/main" id="{687E1E2B-A2C8-6C3A-BE71-FBD62A258B6D}"/>
+              </a:ext>
+            </a:extLst>
+          </p:cNvPr>
+          <p:cNvSpPr txBox="1"/>
+          <p:nvPr/>
+        </p:nvSpPr>
+        <p:spPr>
+          <a:xfrm>
+            <a:off x="160256" y="386499"/>
+            <a:ext cx="6746847" cy="369332"/>
+          </a:xfrm>
+          <a:prstGeom prst="rect">
+            <a:avLst/>
+          </a:prstGeom>
+          <a:solidFill>
+            <a:schemeClr val="accent4"/>
+          </a:solidFill>
+        </p:spPr>
+        <p:txBody>
+          <a:bodyPr wrap="none" rtlCol="0">
+            <a:spAutoFit/>
+          </a:bodyPr>
+          <a:lstStyle/>
+          <a:p>
+            <a:r>
+              <a:rPr lang="en-US" dirty="0"/>
+              <a:t>Show email content (14 fragments, Wireshark reassemble them at 45)</a:t>
+            </a:r>
+          </a:p>
+        </p:txBody>
+      </p:sp>
+      <p:sp>
+        <p:nvSpPr>
+          <p:cNvPr id="6" name="TextBox 5">
+            <a:extLst>
+              <a:ext uri="{FF2B5EF4-FFF2-40B4-BE49-F238E27FC236}">
+                <a16:creationId xmlns:a16="http://schemas.microsoft.com/office/drawing/2014/main" id="{B3E0A30F-9FF6-B343-FB22-F6955F16FF6D}"/>
+              </a:ext>
+            </a:extLst>
+          </p:cNvPr>
+          <p:cNvSpPr txBox="1"/>
+          <p:nvPr/>
+        </p:nvSpPr>
+        <p:spPr>
+          <a:xfrm>
+            <a:off x="6129863" y="5189220"/>
+            <a:ext cx="3147465" cy="369332"/>
+          </a:xfrm>
+          <a:prstGeom prst="rect">
+            <a:avLst/>
+          </a:prstGeom>
+          <a:solidFill>
+            <a:schemeClr val="accent4">
+              <a:lumMod val="20000"/>
+              <a:lumOff val="80000"/>
+            </a:schemeClr>
+          </a:solidFill>
+        </p:spPr>
+        <p:txBody>
+          <a:bodyPr wrap="none" rtlCol="0">
+            <a:spAutoFit/>
+          </a:bodyPr>
+          <a:lstStyle/>
+          <a:p>
+            <a:r>
+              <a:rPr lang="en-US" dirty="0"/>
+              <a:t>email client: office outlook 12.0</a:t>
+            </a:r>
+          </a:p>
+        </p:txBody>
+      </p:sp>
+      <p:cxnSp>
+        <p:nvCxnSpPr>
+          <p:cNvPr id="8" name="Straight Arrow Connector 7">
+            <a:extLst>
+              <a:ext uri="{FF2B5EF4-FFF2-40B4-BE49-F238E27FC236}">
+                <a16:creationId xmlns:a16="http://schemas.microsoft.com/office/drawing/2014/main" id="{9C077367-DA23-A7EB-1A0A-4D925382B1B4}"/>
+              </a:ext>
+            </a:extLst>
+          </p:cNvPr>
+          <p:cNvCxnSpPr/>
+          <p:nvPr/>
+        </p:nvCxnSpPr>
+        <p:spPr>
+          <a:xfrm flipH="1" flipV="1">
+            <a:off x="3147060" y="5288280"/>
+            <a:ext cx="2948940" cy="137160"/>
+          </a:xfrm>
+          <a:prstGeom prst="straightConnector1">
+            <a:avLst/>
+          </a:prstGeom>
+          <a:ln>
+            <a:tailEnd type="triangle"/>
+          </a:ln>
+        </p:spPr>
+        <p:style>
+          <a:lnRef idx="1">
+            <a:schemeClr val="accent4"/>
+          </a:lnRef>
+          <a:fillRef idx="0">
+            <a:schemeClr val="accent4"/>
+          </a:fillRef>
+          <a:effectRef idx="0">
+            <a:schemeClr val="accent4"/>
+          </a:effectRef>
+          <a:fontRef idx="minor">
+            <a:schemeClr val="tx1"/>
+          </a:fontRef>
+        </p:style>
+      </p:cxnSp>
+    </p:spTree>
+    <p:extLst>
+      <p:ext uri="{BB962C8B-B14F-4D97-AF65-F5344CB8AC3E}">
+        <p14:creationId xmlns:p14="http://schemas.microsoft.com/office/powerpoint/2010/main" val="3401865100"/>
+      </p:ext>
+    </p:extLst>
+  </p:cSld>
+  <p:clrMapOvr>
+    <a:masterClrMapping/>
+  </p:clrMapOvr>
+</p:sld>
+</file>
+
+<file path=ppt/slides/slide26.xml><?xml version="1.0" encoding="utf-8"?>
+<p:sld xmlns:a="http://schemas.openxmlformats.org/drawingml/2006/main" xmlns:r="http://schemas.openxmlformats.org/officeDocument/2006/relationships" xmlns:p="http://schemas.openxmlformats.org/presentationml/2006/main">
+  <p:cSld>
+    <p:spTree>
+      <p:nvGrpSpPr>
+        <p:cNvPr id="1" name=""/>
+        <p:cNvGrpSpPr/>
+        <p:nvPr/>
+      </p:nvGrpSpPr>
+      <p:grpSpPr>
+        <a:xfrm>
+          <a:off x="0" y="0"/>
+          <a:ext cx="0" cy="0"/>
+          <a:chOff x="0" y="0"/>
+          <a:chExt cx="0" cy="0"/>
+        </a:xfrm>
+      </p:grpSpPr>
+      <p:pic>
+        <p:nvPicPr>
+          <p:cNvPr id="3" name="Picture 2">
+            <a:extLst>
+              <a:ext uri="{FF2B5EF4-FFF2-40B4-BE49-F238E27FC236}">
+                <a16:creationId xmlns:a16="http://schemas.microsoft.com/office/drawing/2014/main" id="{158E84B4-C480-BE59-FB03-332CCB995EFF}"/>
+              </a:ext>
+            </a:extLst>
+          </p:cNvPr>
+          <p:cNvPicPr>
+            <a:picLocks noChangeAspect="1"/>
+          </p:cNvPicPr>
+          <p:nvPr/>
+        </p:nvPicPr>
+        <p:blipFill>
+          <a:blip r:embed="rId2"/>
+          <a:stretch>
+            <a:fillRect/>
+          </a:stretch>
+        </p:blipFill>
+        <p:spPr>
+          <a:xfrm>
+            <a:off x="1353351" y="1269382"/>
+            <a:ext cx="9617273" cy="4884843"/>
+          </a:xfrm>
+          <a:prstGeom prst="rect">
+            <a:avLst/>
+          </a:prstGeom>
+        </p:spPr>
+      </p:pic>
+      <p:sp>
+        <p:nvSpPr>
+          <p:cNvPr id="4" name="TextBox 3">
+            <a:extLst>
+              <a:ext uri="{FF2B5EF4-FFF2-40B4-BE49-F238E27FC236}">
+                <a16:creationId xmlns:a16="http://schemas.microsoft.com/office/drawing/2014/main" id="{62DC4821-71CE-03F3-851C-146F23FEA468}"/>
+              </a:ext>
+            </a:extLst>
+          </p:cNvPr>
+          <p:cNvSpPr txBox="1"/>
+          <p:nvPr/>
+        </p:nvSpPr>
+        <p:spPr>
+          <a:xfrm>
+            <a:off x="1353351" y="900050"/>
+            <a:ext cx="3378425" cy="369332"/>
+          </a:xfrm>
+          <a:prstGeom prst="rect">
+            <a:avLst/>
+          </a:prstGeom>
+          <a:solidFill>
+            <a:schemeClr val="accent4"/>
+          </a:solidFill>
+        </p:spPr>
+        <p:txBody>
+          <a:bodyPr wrap="none" rtlCol="0">
+            <a:spAutoFit/>
+          </a:bodyPr>
+          <a:lstStyle/>
+          <a:p>
+            <a:r>
+              <a:rPr lang="en-US" dirty="0"/>
+              <a:t>Show email content (text content)</a:t>
+            </a:r>
+          </a:p>
+        </p:txBody>
+      </p:sp>
+      <p:sp>
+        <p:nvSpPr>
+          <p:cNvPr id="5" name="TextBox 4">
+            <a:extLst>
+              <a:ext uri="{FF2B5EF4-FFF2-40B4-BE49-F238E27FC236}">
+                <a16:creationId xmlns:a16="http://schemas.microsoft.com/office/drawing/2014/main" id="{EBBCE509-8894-5831-3B3C-EFDEF17B19CD}"/>
+              </a:ext>
+            </a:extLst>
+          </p:cNvPr>
+          <p:cNvSpPr txBox="1"/>
+          <p:nvPr/>
+        </p:nvSpPr>
+        <p:spPr>
+          <a:xfrm>
+            <a:off x="169682" y="2733773"/>
+            <a:ext cx="990849" cy="369332"/>
+          </a:xfrm>
+          <a:prstGeom prst="rect">
+            <a:avLst/>
+          </a:prstGeom>
+          <a:noFill/>
+        </p:spPr>
+        <p:txBody>
+          <a:bodyPr wrap="none" rtlCol="0">
+            <a:spAutoFit/>
+          </a:bodyPr>
+          <a:lstStyle/>
+          <a:p>
+            <a:r>
+              <a:rPr lang="en-US" dirty="0">
+                <a:highlight>
+                  <a:srgbClr val="FFFF00"/>
+                </a:highlight>
+              </a:rPr>
+              <a:t>first part</a:t>
+            </a:r>
+          </a:p>
+        </p:txBody>
+      </p:sp>
+      <p:cxnSp>
+        <p:nvCxnSpPr>
+          <p:cNvPr id="7" name="Straight Arrow Connector 6">
+            <a:extLst>
+              <a:ext uri="{FF2B5EF4-FFF2-40B4-BE49-F238E27FC236}">
+                <a16:creationId xmlns:a16="http://schemas.microsoft.com/office/drawing/2014/main" id="{2F01075E-0C7A-5BA2-B61E-ECDE31676284}"/>
+              </a:ext>
+            </a:extLst>
+          </p:cNvPr>
+          <p:cNvCxnSpPr/>
+          <p:nvPr/>
+        </p:nvCxnSpPr>
+        <p:spPr>
+          <a:xfrm flipV="1">
+            <a:off x="1027522" y="2413262"/>
+            <a:ext cx="603315" cy="505177"/>
+          </a:xfrm>
+          <a:prstGeom prst="straightConnector1">
+            <a:avLst/>
+          </a:prstGeom>
+          <a:ln>
+            <a:tailEnd type="triangle"/>
+          </a:ln>
+        </p:spPr>
+        <p:style>
+          <a:lnRef idx="1">
+            <a:schemeClr val="accent1"/>
+          </a:lnRef>
+          <a:fillRef idx="0">
+            <a:schemeClr val="accent1"/>
+          </a:fillRef>
+          <a:effectRef idx="0">
+            <a:schemeClr val="accent1"/>
+          </a:effectRef>
+          <a:fontRef idx="minor">
+            <a:schemeClr val="tx1"/>
+          </a:fontRef>
+        </p:style>
+      </p:cxnSp>
+    </p:spTree>
+    <p:extLst>
+      <p:ext uri="{BB962C8B-B14F-4D97-AF65-F5344CB8AC3E}">
+        <p14:creationId xmlns:p14="http://schemas.microsoft.com/office/powerpoint/2010/main" val="2508706636"/>
+      </p:ext>
+    </p:extLst>
+  </p:cSld>
+  <p:clrMapOvr>
+    <a:masterClrMapping/>
+  </p:clrMapOvr>
+</p:sld>
+</file>
+
+<file path=ppt/slides/slide27.xml><?xml version="1.0" encoding="utf-8"?>
+<p:sld xmlns:a="http://schemas.openxmlformats.org/drawingml/2006/main" xmlns:r="http://schemas.openxmlformats.org/officeDocument/2006/relationships" xmlns:p="http://schemas.openxmlformats.org/presentationml/2006/main">
+  <p:cSld>
+    <p:spTree>
+      <p:nvGrpSpPr>
+        <p:cNvPr id="1" name=""/>
+        <p:cNvGrpSpPr/>
+        <p:nvPr/>
+      </p:nvGrpSpPr>
+      <p:grpSpPr>
+        <a:xfrm>
+          <a:off x="0" y="0"/>
+          <a:ext cx="0" cy="0"/>
+          <a:chOff x="0" y="0"/>
+          <a:chExt cx="0" cy="0"/>
+        </a:xfrm>
+      </p:grpSpPr>
+      <p:pic>
+        <p:nvPicPr>
+          <p:cNvPr id="3" name="Picture 2">
+            <a:extLst>
+              <a:ext uri="{FF2B5EF4-FFF2-40B4-BE49-F238E27FC236}">
+                <a16:creationId xmlns:a16="http://schemas.microsoft.com/office/drawing/2014/main" id="{4B1E9492-89BC-974F-661D-3C7711A53615}"/>
+              </a:ext>
+            </a:extLst>
+          </p:cNvPr>
+          <p:cNvPicPr>
+            <a:picLocks noChangeAspect="1"/>
+          </p:cNvPicPr>
+          <p:nvPr/>
+        </p:nvPicPr>
+        <p:blipFill>
+          <a:blip r:embed="rId2"/>
+          <a:stretch>
+            <a:fillRect/>
+          </a:stretch>
+        </p:blipFill>
+        <p:spPr>
+          <a:xfrm>
+            <a:off x="883468" y="1207577"/>
+            <a:ext cx="10425063" cy="4442845"/>
+          </a:xfrm>
+          <a:prstGeom prst="rect">
+            <a:avLst/>
+          </a:prstGeom>
+        </p:spPr>
+      </p:pic>
+    </p:spTree>
+    <p:extLst>
+      <p:ext uri="{BB962C8B-B14F-4D97-AF65-F5344CB8AC3E}">
+        <p14:creationId xmlns:p14="http://schemas.microsoft.com/office/powerpoint/2010/main" val="3200028724"/>
+      </p:ext>
+    </p:extLst>
+  </p:cSld>
+  <p:clrMapOvr>
+    <a:masterClrMapping/>
+  </p:clrMapOvr>
+</p:sld>
+</file>
+
+<file path=ppt/slides/slide28.xml><?xml version="1.0" encoding="utf-8"?>
+<p:sld xmlns:a="http://schemas.openxmlformats.org/drawingml/2006/main" xmlns:r="http://schemas.openxmlformats.org/officeDocument/2006/relationships" xmlns:p="http://schemas.openxmlformats.org/presentationml/2006/main">
+  <p:cSld>
+    <p:spTree>
+      <p:nvGrpSpPr>
+        <p:cNvPr id="1" name=""/>
+        <p:cNvGrpSpPr/>
+        <p:nvPr/>
+      </p:nvGrpSpPr>
+      <p:grpSpPr>
+        <a:xfrm>
+          <a:off x="0" y="0"/>
+          <a:ext cx="0" cy="0"/>
+          <a:chOff x="0" y="0"/>
+          <a:chExt cx="0" cy="0"/>
+        </a:xfrm>
+      </p:grpSpPr>
+      <p:pic>
+        <p:nvPicPr>
+          <p:cNvPr id="3" name="Picture 2">
+            <a:extLst>
+              <a:ext uri="{FF2B5EF4-FFF2-40B4-BE49-F238E27FC236}">
+                <a16:creationId xmlns:a16="http://schemas.microsoft.com/office/drawing/2014/main" id="{61A60D24-C33C-CD12-0FE0-004405A94CCB}"/>
+              </a:ext>
+            </a:extLst>
+          </p:cNvPr>
+          <p:cNvPicPr>
+            <a:picLocks noChangeAspect="1"/>
+          </p:cNvPicPr>
+          <p:nvPr/>
+        </p:nvPicPr>
+        <p:blipFill>
+          <a:blip r:embed="rId2"/>
+          <a:stretch>
+            <a:fillRect/>
+          </a:stretch>
+        </p:blipFill>
+        <p:spPr>
+          <a:xfrm>
+            <a:off x="0" y="555587"/>
+            <a:ext cx="12192000" cy="5746826"/>
+          </a:xfrm>
+          <a:prstGeom prst="rect">
+            <a:avLst/>
+          </a:prstGeom>
+        </p:spPr>
+      </p:pic>
+      <p:sp>
+        <p:nvSpPr>
+          <p:cNvPr id="2" name="TextBox 1">
+            <a:extLst>
+              <a:ext uri="{FF2B5EF4-FFF2-40B4-BE49-F238E27FC236}">
+                <a16:creationId xmlns:a16="http://schemas.microsoft.com/office/drawing/2014/main" id="{70B6FA1A-A629-2808-1B3A-44CB068F0DA6}"/>
+              </a:ext>
+            </a:extLst>
+          </p:cNvPr>
+          <p:cNvSpPr txBox="1"/>
+          <p:nvPr/>
+        </p:nvSpPr>
+        <p:spPr>
+          <a:xfrm>
+            <a:off x="0" y="186255"/>
+            <a:ext cx="5304465" cy="369332"/>
+          </a:xfrm>
+          <a:prstGeom prst="rect">
+            <a:avLst/>
+          </a:prstGeom>
+          <a:solidFill>
+            <a:schemeClr val="accent4"/>
+          </a:solidFill>
+        </p:spPr>
+        <p:txBody>
+          <a:bodyPr wrap="none" rtlCol="0">
+            <a:spAutoFit/>
+          </a:bodyPr>
+          <a:lstStyle/>
+          <a:p>
+            <a:r>
+              <a:rPr lang="en-US" dirty="0"/>
+              <a:t>Show email content (Alternative approach: follow TCP)</a:t>
+            </a:r>
+          </a:p>
+        </p:txBody>
+      </p:sp>
+    </p:spTree>
+    <p:extLst>
+      <p:ext uri="{BB962C8B-B14F-4D97-AF65-F5344CB8AC3E}">
+        <p14:creationId xmlns:p14="http://schemas.microsoft.com/office/powerpoint/2010/main" val="882466645"/>
+      </p:ext>
+    </p:extLst>
+  </p:cSld>
+  <p:clrMapOvr>
+    <a:masterClrMapping/>
+  </p:clrMapOvr>
+</p:sld>
+</file>
+
+<file path=ppt/slides/slide29.xml><?xml version="1.0" encoding="utf-8"?>
+<p:sld xmlns:a="http://schemas.openxmlformats.org/drawingml/2006/main" xmlns:r="http://schemas.openxmlformats.org/officeDocument/2006/relationships" xmlns:p="http://schemas.openxmlformats.org/presentationml/2006/main">
+  <p:cSld>
+    <p:spTree>
+      <p:nvGrpSpPr>
+        <p:cNvPr id="1" name=""/>
+        <p:cNvGrpSpPr/>
+        <p:nvPr/>
+      </p:nvGrpSpPr>
+      <p:grpSpPr>
+        <a:xfrm>
+          <a:off x="0" y="0"/>
+          <a:ext cx="0" cy="0"/>
+          <a:chOff x="0" y="0"/>
+          <a:chExt cx="0" cy="0"/>
+        </a:xfrm>
+      </p:grpSpPr>
+      <p:pic>
+        <p:nvPicPr>
+          <p:cNvPr id="3" name="Picture 2">
+            <a:extLst>
+              <a:ext uri="{FF2B5EF4-FFF2-40B4-BE49-F238E27FC236}">
+                <a16:creationId xmlns:a16="http://schemas.microsoft.com/office/drawing/2014/main" id="{E982100B-11E4-5112-3071-346771096389}"/>
+              </a:ext>
+            </a:extLst>
+          </p:cNvPr>
+          <p:cNvPicPr>
+            <a:picLocks noChangeAspect="1"/>
+          </p:cNvPicPr>
+          <p:nvPr/>
+        </p:nvPicPr>
+        <p:blipFill>
+          <a:blip r:embed="rId2"/>
+          <a:stretch>
+            <a:fillRect/>
+          </a:stretch>
+        </p:blipFill>
+        <p:spPr>
+          <a:xfrm>
+            <a:off x="2897596" y="0"/>
+            <a:ext cx="6396807" cy="6858000"/>
+          </a:xfrm>
+          <a:prstGeom prst="rect">
+            <a:avLst/>
+          </a:prstGeom>
+        </p:spPr>
+      </p:pic>
+    </p:spTree>
+    <p:extLst>
+      <p:ext uri="{BB962C8B-B14F-4D97-AF65-F5344CB8AC3E}">
+        <p14:creationId xmlns:p14="http://schemas.microsoft.com/office/powerpoint/2010/main" val="2208366269"/>
+      </p:ext>
+    </p:extLst>
+  </p:cSld>
+  <p:clrMapOvr>
+    <a:masterClrMapping/>
+  </p:clrMapOvr>
+</p:sld>
+</file>
+
+<file path=ppt/slides/slide3.xml><?xml version="1.0" encoding="utf-8"?>
 <p:sld xmlns:a="http://schemas.openxmlformats.org/drawingml/2006/main" xmlns:r="http://schemas.openxmlformats.org/officeDocument/2006/relationships" xmlns:p="http://schemas.openxmlformats.org/presentationml/2006/main">
   <p:cSld>
     <p:spTree>
@@ -11871,7 +13528,242 @@
 </p:sld>
 </file>
 
-<file path=ppt/slides/slide14.xml><?xml version="1.0" encoding="utf-8"?>
+<file path=ppt/slides/slide30.xml><?xml version="1.0" encoding="utf-8"?>
+<p:sld xmlns:a="http://schemas.openxmlformats.org/drawingml/2006/main" xmlns:r="http://schemas.openxmlformats.org/officeDocument/2006/relationships" xmlns:p="http://schemas.openxmlformats.org/presentationml/2006/main">
+  <p:cSld>
+    <p:spTree>
+      <p:nvGrpSpPr>
+        <p:cNvPr id="1" name=""/>
+        <p:cNvGrpSpPr/>
+        <p:nvPr/>
+      </p:nvGrpSpPr>
+      <p:grpSpPr>
+        <a:xfrm>
+          <a:off x="0" y="0"/>
+          <a:ext cx="0" cy="0"/>
+          <a:chOff x="0" y="0"/>
+          <a:chExt cx="0" cy="0"/>
+        </a:xfrm>
+      </p:grpSpPr>
+      <p:sp>
+        <p:nvSpPr>
+          <p:cNvPr id="2" name="Title 1">
+            <a:extLst>
+              <a:ext uri="{FF2B5EF4-FFF2-40B4-BE49-F238E27FC236}">
+                <a16:creationId xmlns:a16="http://schemas.microsoft.com/office/drawing/2014/main" id="{B37C8057-B744-8972-AC99-BB68CFCC337F}"/>
+              </a:ext>
+            </a:extLst>
+          </p:cNvPr>
+          <p:cNvSpPr>
+            <a:spLocks noGrp="1"/>
+          </p:cNvSpPr>
+          <p:nvPr>
+            <p:ph type="title"/>
+          </p:nvPr>
+        </p:nvSpPr>
+        <p:spPr/>
+        <p:txBody>
+          <a:bodyPr/>
+          <a:lstStyle/>
+          <a:p>
+            <a:r>
+              <a:rPr lang="en-US" dirty="0"/>
+              <a:t>Questions you need to answer</a:t>
+            </a:r>
+          </a:p>
+        </p:txBody>
+      </p:sp>
+      <p:sp>
+        <p:nvSpPr>
+          <p:cNvPr id="3" name="Content Placeholder 2">
+            <a:extLst>
+              <a:ext uri="{FF2B5EF4-FFF2-40B4-BE49-F238E27FC236}">
+                <a16:creationId xmlns:a16="http://schemas.microsoft.com/office/drawing/2014/main" id="{8D0E36C0-7010-4578-28A9-4DFB9B3E343D}"/>
+              </a:ext>
+            </a:extLst>
+          </p:cNvPr>
+          <p:cNvSpPr>
+            <a:spLocks noGrp="1"/>
+          </p:cNvSpPr>
+          <p:nvPr>
+            <p:ph idx="1"/>
+          </p:nvPr>
+        </p:nvSpPr>
+        <p:spPr/>
+        <p:txBody>
+          <a:bodyPr>
+            <a:normAutofit lnSpcReduction="10000"/>
+          </a:bodyPr>
+          <a:lstStyle/>
+          <a:p>
+            <a:r>
+              <a:rPr lang="en-GB" dirty="0"/>
+              <a:t>When did it happen?</a:t>
+            </a:r>
+          </a:p>
+          <a:p>
+            <a:pPr lvl="1"/>
+            <a:r>
+              <a:rPr lang="en-GB" dirty="0"/>
+              <a:t>the timestamps email</a:t>
+            </a:r>
+          </a:p>
+          <a:p>
+            <a:r>
+              <a:rPr lang="en-GB"/>
+              <a:t>The email client</a:t>
+            </a:r>
+            <a:endParaRPr lang="en-GB" dirty="0"/>
+          </a:p>
+          <a:p>
+            <a:pPr lvl="1"/>
+            <a:r>
+              <a:rPr lang="en-GB" dirty="0"/>
+              <a:t>outlook</a:t>
+            </a:r>
+          </a:p>
+          <a:p>
+            <a:r>
+              <a:rPr lang="en-GB" dirty="0"/>
+              <a:t>The content of the email</a:t>
+            </a:r>
+          </a:p>
+          <a:p>
+            <a:pPr lvl="1"/>
+            <a:r>
+              <a:rPr lang="en-GB" dirty="0"/>
+              <a:t>multiple parts</a:t>
+            </a:r>
+          </a:p>
+          <a:p>
+            <a:r>
+              <a:rPr lang="en-GB" dirty="0"/>
+              <a:t>What was the approach?</a:t>
+            </a:r>
+          </a:p>
+          <a:p>
+            <a:pPr lvl="1"/>
+            <a:r>
+              <a:rPr lang="en-GB" dirty="0"/>
+              <a:t>ports (sender and receiver)</a:t>
+            </a:r>
+          </a:p>
+          <a:p>
+            <a:pPr lvl="1"/>
+            <a:r>
+              <a:rPr lang="en-GB" dirty="0"/>
+              <a:t>IP addresses (sender and receiver)</a:t>
+            </a:r>
+          </a:p>
+          <a:p>
+            <a:pPr lvl="1"/>
+            <a:r>
+              <a:rPr lang="en-GB" dirty="0"/>
+              <a:t>Mac addresses (sender and receiver)</a:t>
+            </a:r>
+          </a:p>
+        </p:txBody>
+      </p:sp>
+    </p:spTree>
+    <p:extLst>
+      <p:ext uri="{BB962C8B-B14F-4D97-AF65-F5344CB8AC3E}">
+        <p14:creationId xmlns:p14="http://schemas.microsoft.com/office/powerpoint/2010/main" val="4026948950"/>
+      </p:ext>
+    </p:extLst>
+  </p:cSld>
+  <p:clrMapOvr>
+    <a:masterClrMapping/>
+  </p:clrMapOvr>
+</p:sld>
+</file>
+
+<file path=ppt/slides/slide31.xml><?xml version="1.0" encoding="utf-8"?>
+<p:sld xmlns:a="http://schemas.openxmlformats.org/drawingml/2006/main" xmlns:r="http://schemas.openxmlformats.org/officeDocument/2006/relationships" xmlns:p="http://schemas.openxmlformats.org/presentationml/2006/main">
+  <p:cSld>
+    <p:spTree>
+      <p:nvGrpSpPr>
+        <p:cNvPr id="1" name=""/>
+        <p:cNvGrpSpPr/>
+        <p:nvPr/>
+      </p:nvGrpSpPr>
+      <p:grpSpPr>
+        <a:xfrm>
+          <a:off x="0" y="0"/>
+          <a:ext cx="0" cy="0"/>
+          <a:chOff x="0" y="0"/>
+          <a:chExt cx="0" cy="0"/>
+        </a:xfrm>
+      </p:grpSpPr>
+      <p:sp>
+        <p:nvSpPr>
+          <p:cNvPr id="2" name="Title 1">
+            <a:extLst>
+              <a:ext uri="{FF2B5EF4-FFF2-40B4-BE49-F238E27FC236}">
+                <a16:creationId xmlns:a16="http://schemas.microsoft.com/office/drawing/2014/main" id="{52F19672-C09E-CF84-67EA-1E64CAC21D47}"/>
+              </a:ext>
+            </a:extLst>
+          </p:cNvPr>
+          <p:cNvSpPr>
+            <a:spLocks noGrp="1"/>
+          </p:cNvSpPr>
+          <p:nvPr>
+            <p:ph type="title"/>
+          </p:nvPr>
+        </p:nvSpPr>
+        <p:spPr/>
+        <p:txBody>
+          <a:bodyPr/>
+          <a:lstStyle/>
+          <a:p>
+            <a:r>
+              <a:rPr lang="en-US" dirty="0"/>
+              <a:t>Extra credits</a:t>
+            </a:r>
+          </a:p>
+        </p:txBody>
+      </p:sp>
+      <p:sp>
+        <p:nvSpPr>
+          <p:cNvPr id="3" name="Content Placeholder 2">
+            <a:extLst>
+              <a:ext uri="{FF2B5EF4-FFF2-40B4-BE49-F238E27FC236}">
+                <a16:creationId xmlns:a16="http://schemas.microsoft.com/office/drawing/2014/main" id="{9B7528FA-D0DA-F2BA-BE7B-644B3D4C63EA}"/>
+              </a:ext>
+            </a:extLst>
+          </p:cNvPr>
+          <p:cNvSpPr>
+            <a:spLocks noGrp="1"/>
+          </p:cNvSpPr>
+          <p:nvPr>
+            <p:ph idx="1"/>
+          </p:nvPr>
+        </p:nvSpPr>
+        <p:spPr/>
+        <p:txBody>
+          <a:bodyPr/>
+          <a:lstStyle/>
+          <a:p>
+            <a:r>
+              <a:rPr lang="en-US" dirty="0"/>
+              <a:t>Sniff SMTP traffic</a:t>
+            </a:r>
+          </a:p>
+        </p:txBody>
+      </p:sp>
+    </p:spTree>
+    <p:extLst>
+      <p:ext uri="{BB962C8B-B14F-4D97-AF65-F5344CB8AC3E}">
+        <p14:creationId xmlns:p14="http://schemas.microsoft.com/office/powerpoint/2010/main" val="4081980283"/>
+      </p:ext>
+    </p:extLst>
+  </p:cSld>
+  <p:clrMapOvr>
+    <a:masterClrMapping/>
+  </p:clrMapOvr>
+</p:sld>
+</file>
+
+<file path=ppt/slides/slide4.xml><?xml version="1.0" encoding="utf-8"?>
 <p:sld xmlns:a="http://schemas.openxmlformats.org/drawingml/2006/main" xmlns:r="http://schemas.openxmlformats.org/officeDocument/2006/relationships" xmlns:p="http://schemas.openxmlformats.org/presentationml/2006/main">
   <p:cSld>
     <p:spTree>
@@ -12670,7 +14562,7 @@
 </p:sld>
 </file>
 
-<file path=ppt/slides/slide15.xml><?xml version="1.0" encoding="utf-8"?>
+<file path=ppt/slides/slide5.xml><?xml version="1.0" encoding="utf-8"?>
 <p:sld xmlns:a="http://schemas.openxmlformats.org/drawingml/2006/main" xmlns:r="http://schemas.openxmlformats.org/officeDocument/2006/relationships" xmlns:p="http://schemas.openxmlformats.org/presentationml/2006/main">
   <p:cSld>
     <p:spTree>
@@ -12832,7 +14724,7 @@
 </p:sld>
 </file>
 
-<file path=ppt/slides/slide16.xml><?xml version="1.0" encoding="utf-8"?>
+<file path=ppt/slides/slide6.xml><?xml version="1.0" encoding="utf-8"?>
 <p:sld xmlns:a="http://schemas.openxmlformats.org/drawingml/2006/main" xmlns:r="http://schemas.openxmlformats.org/officeDocument/2006/relationships" xmlns:p="http://schemas.openxmlformats.org/presentationml/2006/main">
   <p:cSld>
     <p:spTree>
@@ -12955,7 +14847,7 @@
 </p:sld>
 </file>
 
-<file path=ppt/slides/slide17.xml><?xml version="1.0" encoding="utf-8"?>
+<file path=ppt/slides/slide7.xml><?xml version="1.0" encoding="utf-8"?>
 <p:sld xmlns:a="http://schemas.openxmlformats.org/drawingml/2006/main" xmlns:r="http://schemas.openxmlformats.org/officeDocument/2006/relationships" xmlns:p="http://schemas.openxmlformats.org/presentationml/2006/main">
   <p:cSld>
     <p:spTree>
@@ -13067,7 +14959,7 @@
 </p:sld>
 </file>
 
-<file path=ppt/slides/slide18.xml><?xml version="1.0" encoding="utf-8"?>
+<file path=ppt/slides/slide8.xml><?xml version="1.0" encoding="utf-8"?>
 <p:sld xmlns:a="http://schemas.openxmlformats.org/drawingml/2006/main" xmlns:r="http://schemas.openxmlformats.org/officeDocument/2006/relationships" xmlns:p="http://schemas.openxmlformats.org/presentationml/2006/main">
   <p:cSld>
     <p:spTree>
@@ -13207,7 +15099,7 @@
 </p:sld>
 </file>
 
-<file path=ppt/slides/slide19.xml><?xml version="1.0" encoding="utf-8"?>
+<file path=ppt/slides/slide9.xml><?xml version="1.0" encoding="utf-8"?>
 <p:sld xmlns:a="http://schemas.openxmlformats.org/drawingml/2006/main" xmlns:r="http://schemas.openxmlformats.org/officeDocument/2006/relationships" xmlns:p="http://schemas.openxmlformats.org/presentationml/2006/main">
   <p:cSld>
     <p:spTree>
@@ -13281,3889 +15173,6 @@
     <p:extLst>
       <p:ext uri="{BB962C8B-B14F-4D97-AF65-F5344CB8AC3E}">
         <p14:creationId xmlns:p14="http://schemas.microsoft.com/office/powerpoint/2010/main" val="1536627679"/>
-      </p:ext>
-    </p:extLst>
-  </p:cSld>
-  <p:clrMapOvr>
-    <a:masterClrMapping/>
-  </p:clrMapOvr>
-</p:sld>
-</file>
-
-<file path=ppt/slides/slide2.xml><?xml version="1.0" encoding="utf-8"?>
-<p:sld xmlns:a="http://schemas.openxmlformats.org/drawingml/2006/main" xmlns:r="http://schemas.openxmlformats.org/officeDocument/2006/relationships" xmlns:p="http://schemas.openxmlformats.org/presentationml/2006/main">
-  <p:cSld>
-    <p:spTree>
-      <p:nvGrpSpPr>
-        <p:cNvPr id="1" name=""/>
-        <p:cNvGrpSpPr/>
-        <p:nvPr/>
-      </p:nvGrpSpPr>
-      <p:grpSpPr>
-        <a:xfrm>
-          <a:off x="0" y="0"/>
-          <a:ext cx="0" cy="0"/>
-          <a:chOff x="0" y="0"/>
-          <a:chExt cx="0" cy="0"/>
-        </a:xfrm>
-      </p:grpSpPr>
-      <p:sp>
-        <p:nvSpPr>
-          <p:cNvPr id="2" name="Title 1">
-            <a:extLst>
-              <a:ext uri="{FF2B5EF4-FFF2-40B4-BE49-F238E27FC236}">
-                <a16:creationId xmlns:a16="http://schemas.microsoft.com/office/drawing/2014/main" id="{BD3D4419-48D7-C69F-9805-E6EE399AB19F}"/>
-              </a:ext>
-            </a:extLst>
-          </p:cNvPr>
-          <p:cNvSpPr>
-            <a:spLocks noGrp="1"/>
-          </p:cNvSpPr>
-          <p:nvPr>
-            <p:ph type="title"/>
-          </p:nvPr>
-        </p:nvSpPr>
-        <p:spPr/>
-        <p:txBody>
-          <a:bodyPr/>
-          <a:lstStyle/>
-          <a:p>
-            <a:r>
-              <a:rPr lang="en-US" dirty="0"/>
-              <a:t>Overview</a:t>
-            </a:r>
-          </a:p>
-        </p:txBody>
-      </p:sp>
-      <p:sp>
-        <p:nvSpPr>
-          <p:cNvPr id="3" name="Content Placeholder 2">
-            <a:extLst>
-              <a:ext uri="{FF2B5EF4-FFF2-40B4-BE49-F238E27FC236}">
-                <a16:creationId xmlns:a16="http://schemas.microsoft.com/office/drawing/2014/main" id="{512E3751-CBD9-3000-873A-72442E8BFFC7}"/>
-              </a:ext>
-            </a:extLst>
-          </p:cNvPr>
-          <p:cNvSpPr>
-            <a:spLocks noGrp="1"/>
-          </p:cNvSpPr>
-          <p:nvPr>
-            <p:ph idx="1"/>
-          </p:nvPr>
-        </p:nvSpPr>
-        <p:spPr/>
-        <p:txBody>
-          <a:bodyPr/>
-          <a:lstStyle/>
-          <a:p>
-            <a:r>
-              <a:rPr lang="en-US" dirty="0"/>
-              <a:t>Domain Name System to find the email server’s IP address</a:t>
-            </a:r>
-          </a:p>
-          <a:p>
-            <a:r>
-              <a:rPr lang="en-US" dirty="0"/>
-              <a:t>Simple Mail Transfer Protocol </a:t>
-            </a:r>
-          </a:p>
-          <a:p>
-            <a:r>
-              <a:rPr lang="en-US" dirty="0"/>
-              <a:t>Hands-on lab</a:t>
-            </a:r>
-          </a:p>
-          <a:p>
-            <a:pPr lvl="1"/>
-            <a:r>
-              <a:rPr lang="en-US" dirty="0"/>
-              <a:t>Using MS Outlook email client</a:t>
-            </a:r>
-          </a:p>
-        </p:txBody>
-      </p:sp>
-    </p:spTree>
-    <p:extLst>
-      <p:ext uri="{BB962C8B-B14F-4D97-AF65-F5344CB8AC3E}">
-        <p14:creationId xmlns:p14="http://schemas.microsoft.com/office/powerpoint/2010/main" val="873956335"/>
-      </p:ext>
-    </p:extLst>
-  </p:cSld>
-  <p:clrMapOvr>
-    <a:masterClrMapping/>
-  </p:clrMapOvr>
-</p:sld>
-</file>
-
-<file path=ppt/slides/slide20.xml><?xml version="1.0" encoding="utf-8"?>
-<p:sld xmlns:a="http://schemas.openxmlformats.org/drawingml/2006/main" xmlns:r="http://schemas.openxmlformats.org/officeDocument/2006/relationships" xmlns:p="http://schemas.openxmlformats.org/presentationml/2006/main">
-  <p:cSld>
-    <p:spTree>
-      <p:nvGrpSpPr>
-        <p:cNvPr id="1" name=""/>
-        <p:cNvGrpSpPr/>
-        <p:nvPr/>
-      </p:nvGrpSpPr>
-      <p:grpSpPr>
-        <a:xfrm>
-          <a:off x="0" y="0"/>
-          <a:ext cx="0" cy="0"/>
-          <a:chOff x="0" y="0"/>
-          <a:chExt cx="0" cy="0"/>
-        </a:xfrm>
-      </p:grpSpPr>
-      <p:pic>
-        <p:nvPicPr>
-          <p:cNvPr id="2" name="Online Media 1" title="How To Monitor Emails (SMTP) With Wireshark">
-            <a:hlinkClick r:id="" action="ppaction://media"/>
-            <a:extLst>
-              <a:ext uri="{FF2B5EF4-FFF2-40B4-BE49-F238E27FC236}">
-                <a16:creationId xmlns:a16="http://schemas.microsoft.com/office/drawing/2014/main" id="{C54E849C-10AC-8BF2-4062-C80AAE2C28F4}"/>
-              </a:ext>
-            </a:extLst>
-          </p:cNvPr>
-          <p:cNvPicPr>
-            <a:picLocks noRot="1" noChangeAspect="1"/>
-          </p:cNvPicPr>
-          <p:nvPr>
-            <a:videoFile r:link="rId1"/>
-          </p:nvPr>
-        </p:nvPicPr>
-        <p:blipFill>
-          <a:blip r:embed="rId3"/>
-          <a:stretch>
-            <a:fillRect/>
-          </a:stretch>
-        </p:blipFill>
-        <p:spPr>
-          <a:xfrm>
-            <a:off x="2357120" y="1805305"/>
-            <a:ext cx="6969760" cy="3937915"/>
-          </a:xfrm>
-          <a:prstGeom prst="rect">
-            <a:avLst/>
-          </a:prstGeom>
-        </p:spPr>
-      </p:pic>
-      <p:sp>
-        <p:nvSpPr>
-          <p:cNvPr id="3" name="Title 2">
-            <a:extLst>
-              <a:ext uri="{FF2B5EF4-FFF2-40B4-BE49-F238E27FC236}">
-                <a16:creationId xmlns:a16="http://schemas.microsoft.com/office/drawing/2014/main" id="{98CF740C-A863-B136-F42B-9B9BC5AB6D42}"/>
-              </a:ext>
-            </a:extLst>
-          </p:cNvPr>
-          <p:cNvSpPr>
-            <a:spLocks noGrp="1"/>
-          </p:cNvSpPr>
-          <p:nvPr>
-            <p:ph type="title"/>
-          </p:nvPr>
-        </p:nvSpPr>
-        <p:spPr/>
-        <p:txBody>
-          <a:bodyPr/>
-          <a:lstStyle/>
-          <a:p>
-            <a:r>
-              <a:rPr lang="en-GB" dirty="0"/>
-              <a:t>Capture Emails traffic With Wireshark</a:t>
-            </a:r>
-            <a:endParaRPr lang="en-US" dirty="0"/>
-          </a:p>
-        </p:txBody>
-      </p:sp>
-    </p:spTree>
-    <p:extLst>
-      <p:ext uri="{BB962C8B-B14F-4D97-AF65-F5344CB8AC3E}">
-        <p14:creationId xmlns:p14="http://schemas.microsoft.com/office/powerpoint/2010/main" val="3094179957"/>
-      </p:ext>
-    </p:extLst>
-  </p:cSld>
-  <p:clrMapOvr>
-    <a:masterClrMapping/>
-  </p:clrMapOvr>
-  <p:timing>
-    <p:tnLst>
-      <p:par>
-        <p:cTn id="1" dur="indefinite" restart="never" nodeType="tmRoot">
-          <p:childTnLst>
-            <p:seq concurrent="1" nextAc="seek">
-              <p:cTn id="2" dur="indefinite" nodeType="mainSeq">
-                <p:childTnLst>
-                  <p:par>
-                    <p:cTn id="3" fill="hold">
-                      <p:stCondLst>
-                        <p:cond delay="indefinite"/>
-                      </p:stCondLst>
-                      <p:childTnLst>
-                        <p:par>
-                          <p:cTn id="4" fill="hold">
-                            <p:stCondLst>
-                              <p:cond delay="0"/>
-                            </p:stCondLst>
-                            <p:childTnLst>
-                              <p:par>
-                                <p:cTn id="5" presetID="1" presetClass="mediacall" presetSubtype="0" fill="hold" nodeType="clickEffect">
-                                  <p:stCondLst>
-                                    <p:cond delay="0"/>
-                                  </p:stCondLst>
-                                  <p:childTnLst>
-                                    <p:cmd type="call" cmd="playFrom(0.0)">
-                                      <p:cBhvr>
-                                        <p:cTn id="6" dur="1" fill="hold"/>
-                                        <p:tgtEl>
-                                          <p:spTgt spid="2"/>
-                                        </p:tgtEl>
-                                      </p:cBhvr>
-                                    </p:cmd>
-                                  </p:childTnLst>
-                                </p:cTn>
-                              </p:par>
-                            </p:childTnLst>
-                          </p:cTn>
-                        </p:par>
-                      </p:childTnLst>
-                    </p:cTn>
-                  </p:par>
-                </p:childTnLst>
-              </p:cTn>
-              <p:prevCondLst>
-                <p:cond evt="onPrev" delay="0">
-                  <p:tgtEl>
-                    <p:sldTgt/>
-                  </p:tgtEl>
-                </p:cond>
-              </p:prevCondLst>
-              <p:nextCondLst>
-                <p:cond evt="onNext" delay="0">
-                  <p:tgtEl>
-                    <p:sldTgt/>
-                  </p:tgtEl>
-                </p:cond>
-              </p:nextCondLst>
-            </p:seq>
-            <p:video>
-              <p:cMediaNode vol="80000">
-                <p:cTn id="7" fill="hold" display="0">
-                  <p:stCondLst>
-                    <p:cond delay="indefinite"/>
-                  </p:stCondLst>
-                </p:cTn>
-                <p:tgtEl>
-                  <p:spTgt spid="2"/>
-                </p:tgtEl>
-              </p:cMediaNode>
-            </p:video>
-            <p:seq concurrent="1" nextAc="seek">
-              <p:cTn id="8" restart="whenNotActive" fill="hold" evtFilter="cancelBubble" nodeType="interactiveSeq">
-                <p:stCondLst>
-                  <p:cond evt="onClick" delay="0">
-                    <p:tgtEl>
-                      <p:spTgt spid="2"/>
-                    </p:tgtEl>
-                  </p:cond>
-                </p:stCondLst>
-                <p:endSync evt="end" delay="0">
-                  <p:rtn val="all"/>
-                </p:endSync>
-                <p:childTnLst>
-                  <p:par>
-                    <p:cTn id="9" fill="hold">
-                      <p:stCondLst>
-                        <p:cond delay="0"/>
-                      </p:stCondLst>
-                      <p:childTnLst>
-                        <p:par>
-                          <p:cTn id="10" fill="hold">
-                            <p:stCondLst>
-                              <p:cond delay="0"/>
-                            </p:stCondLst>
-                            <p:childTnLst>
-                              <p:par>
-                                <p:cTn id="11" presetID="2" presetClass="mediacall" presetSubtype="0" fill="hold" nodeType="clickEffect">
-                                  <p:stCondLst>
-                                    <p:cond delay="0"/>
-                                  </p:stCondLst>
-                                  <p:childTnLst>
-                                    <p:cmd type="call" cmd="togglePause">
-                                      <p:cBhvr>
-                                        <p:cTn id="12" dur="1" fill="hold"/>
-                                        <p:tgtEl>
-                                          <p:spTgt spid="2"/>
-                                        </p:tgtEl>
-                                      </p:cBhvr>
-                                    </p:cmd>
-                                  </p:childTnLst>
-                                </p:cTn>
-                              </p:par>
-                            </p:childTnLst>
-                          </p:cTn>
-                        </p:par>
-                      </p:childTnLst>
-                    </p:cTn>
-                  </p:par>
-                </p:childTnLst>
-              </p:cTn>
-              <p:nextCondLst>
-                <p:cond evt="onClick" delay="0">
-                  <p:tgtEl>
-                    <p:spTgt spid="2"/>
-                  </p:tgtEl>
-                </p:cond>
-              </p:nextCondLst>
-            </p:seq>
-          </p:childTnLst>
-        </p:cTn>
-      </p:par>
-    </p:tnLst>
-  </p:timing>
-</p:sld>
-</file>
-
-<file path=ppt/slides/slide21.xml><?xml version="1.0" encoding="utf-8"?>
-<p:sld xmlns:a="http://schemas.openxmlformats.org/drawingml/2006/main" xmlns:r="http://schemas.openxmlformats.org/officeDocument/2006/relationships" xmlns:p="http://schemas.openxmlformats.org/presentationml/2006/main">
-  <p:cSld>
-    <p:spTree>
-      <p:nvGrpSpPr>
-        <p:cNvPr id="1" name=""/>
-        <p:cNvGrpSpPr/>
-        <p:nvPr/>
-      </p:nvGrpSpPr>
-      <p:grpSpPr>
-        <a:xfrm>
-          <a:off x="0" y="0"/>
-          <a:ext cx="0" cy="0"/>
-          <a:chOff x="0" y="0"/>
-          <a:chExt cx="0" cy="0"/>
-        </a:xfrm>
-      </p:grpSpPr>
-      <p:sp>
-        <p:nvSpPr>
-          <p:cNvPr id="2" name="Title 1">
-            <a:extLst>
-              <a:ext uri="{FF2B5EF4-FFF2-40B4-BE49-F238E27FC236}">
-                <a16:creationId xmlns:a16="http://schemas.microsoft.com/office/drawing/2014/main" id="{7252ABD3-B2D6-9E62-D6CC-4DE930CA41C6}"/>
-              </a:ext>
-            </a:extLst>
-          </p:cNvPr>
-          <p:cNvSpPr>
-            <a:spLocks noGrp="1"/>
-          </p:cNvSpPr>
-          <p:nvPr>
-            <p:ph type="title"/>
-          </p:nvPr>
-        </p:nvSpPr>
-        <p:spPr/>
-        <p:txBody>
-          <a:bodyPr/>
-          <a:lstStyle/>
-          <a:p>
-            <a:r>
-              <a:rPr lang="en-US" dirty="0"/>
-              <a:t>SMTP first response “service ready”</a:t>
-            </a:r>
-          </a:p>
-        </p:txBody>
-      </p:sp>
-      <p:pic>
-        <p:nvPicPr>
-          <p:cNvPr id="4" name="Picture 3">
-            <a:extLst>
-              <a:ext uri="{FF2B5EF4-FFF2-40B4-BE49-F238E27FC236}">
-                <a16:creationId xmlns:a16="http://schemas.microsoft.com/office/drawing/2014/main" id="{DF6E7C0C-2C0F-077F-FA2E-E2F69E839A4E}"/>
-              </a:ext>
-            </a:extLst>
-          </p:cNvPr>
-          <p:cNvPicPr>
-            <a:picLocks noChangeAspect="1"/>
-          </p:cNvPicPr>
-          <p:nvPr/>
-        </p:nvPicPr>
-        <p:blipFill>
-          <a:blip r:embed="rId2"/>
-          <a:stretch>
-            <a:fillRect/>
-          </a:stretch>
-        </p:blipFill>
-        <p:spPr>
-          <a:xfrm>
-            <a:off x="1001588" y="1592421"/>
-            <a:ext cx="10188823" cy="3673158"/>
-          </a:xfrm>
-          <a:prstGeom prst="rect">
-            <a:avLst/>
-          </a:prstGeom>
-        </p:spPr>
-      </p:pic>
-      <p:sp>
-        <p:nvSpPr>
-          <p:cNvPr id="6" name="TextBox 5">
-            <a:extLst>
-              <a:ext uri="{FF2B5EF4-FFF2-40B4-BE49-F238E27FC236}">
-                <a16:creationId xmlns:a16="http://schemas.microsoft.com/office/drawing/2014/main" id="{51AD135B-63B1-4DD4-5C71-AA45D1209204}"/>
-              </a:ext>
-            </a:extLst>
-          </p:cNvPr>
-          <p:cNvSpPr txBox="1"/>
-          <p:nvPr/>
-        </p:nvSpPr>
-        <p:spPr>
-          <a:xfrm>
-            <a:off x="1001588" y="5388292"/>
-            <a:ext cx="9532425" cy="1200329"/>
-          </a:xfrm>
-          <a:prstGeom prst="rect">
-            <a:avLst/>
-          </a:prstGeom>
-          <a:solidFill>
-            <a:schemeClr val="accent4">
-              <a:lumMod val="20000"/>
-              <a:lumOff val="80000"/>
-            </a:schemeClr>
-          </a:solidFill>
-        </p:spPr>
-        <p:txBody>
-          <a:bodyPr wrap="square">
-            <a:spAutoFit/>
-          </a:bodyPr>
-          <a:lstStyle/>
-          <a:p>
-            <a:r>
-              <a:rPr lang="en-GB" dirty="0"/>
-              <a:t>indicates that </a:t>
-            </a:r>
-          </a:p>
-          <a:p>
-            <a:pPr marL="285750" indent="-285750">
-              <a:buFont typeface="Arial" panose="020B0604020202020204" pitchFamily="34" charset="0"/>
-              <a:buChar char="•"/>
-            </a:pPr>
-            <a:r>
-              <a:rPr lang="en-GB" dirty="0"/>
-              <a:t>the device is running an SMTP server and is ready to receive email messages. </a:t>
-            </a:r>
-          </a:p>
-          <a:p>
-            <a:pPr marL="285750" indent="-285750">
-              <a:buFont typeface="Arial" panose="020B0604020202020204" pitchFamily="34" charset="0"/>
-              <a:buChar char="•"/>
-            </a:pPr>
-            <a:r>
-              <a:rPr lang="en-GB" dirty="0"/>
-              <a:t>additional information about the server and a warning that the server does not authorize the use of its system to send unsolicited or bulk emails.</a:t>
-            </a:r>
-            <a:endParaRPr lang="en-US" dirty="0"/>
-          </a:p>
-        </p:txBody>
-      </p:sp>
-    </p:spTree>
-    <p:extLst>
-      <p:ext uri="{BB962C8B-B14F-4D97-AF65-F5344CB8AC3E}">
-        <p14:creationId xmlns:p14="http://schemas.microsoft.com/office/powerpoint/2010/main" val="910633618"/>
-      </p:ext>
-    </p:extLst>
-  </p:cSld>
-  <p:clrMapOvr>
-    <a:masterClrMapping/>
-  </p:clrMapOvr>
-</p:sld>
-</file>
-
-<file path=ppt/slides/slide22.xml><?xml version="1.0" encoding="utf-8"?>
-<p:sld xmlns:a="http://schemas.openxmlformats.org/drawingml/2006/main" xmlns:r="http://schemas.openxmlformats.org/officeDocument/2006/relationships" xmlns:p="http://schemas.openxmlformats.org/presentationml/2006/main">
-  <p:cSld>
-    <p:spTree>
-      <p:nvGrpSpPr>
-        <p:cNvPr id="1" name=""/>
-        <p:cNvGrpSpPr/>
-        <p:nvPr/>
-      </p:nvGrpSpPr>
-      <p:grpSpPr>
-        <a:xfrm>
-          <a:off x="0" y="0"/>
-          <a:ext cx="0" cy="0"/>
-          <a:chOff x="0" y="0"/>
-          <a:chExt cx="0" cy="0"/>
-        </a:xfrm>
-      </p:grpSpPr>
-      <p:pic>
-        <p:nvPicPr>
-          <p:cNvPr id="3" name="Picture 2">
-            <a:extLst>
-              <a:ext uri="{FF2B5EF4-FFF2-40B4-BE49-F238E27FC236}">
-                <a16:creationId xmlns:a16="http://schemas.microsoft.com/office/drawing/2014/main" id="{538690C4-6F5D-A80A-3AC0-F58A47CD91DD}"/>
-              </a:ext>
-            </a:extLst>
-          </p:cNvPr>
-          <p:cNvPicPr>
-            <a:picLocks noChangeAspect="1"/>
-          </p:cNvPicPr>
-          <p:nvPr/>
-        </p:nvPicPr>
-        <p:blipFill>
-          <a:blip r:embed="rId2"/>
-          <a:stretch>
-            <a:fillRect/>
-          </a:stretch>
-        </p:blipFill>
-        <p:spPr>
-          <a:xfrm>
-            <a:off x="0" y="726121"/>
-            <a:ext cx="12192000" cy="5405758"/>
-          </a:xfrm>
-          <a:prstGeom prst="rect">
-            <a:avLst/>
-          </a:prstGeom>
-          <a:solidFill>
-            <a:schemeClr val="accent4">
-              <a:lumMod val="20000"/>
-              <a:lumOff val="80000"/>
-            </a:schemeClr>
-          </a:solidFill>
-        </p:spPr>
-      </p:pic>
-      <p:sp>
-        <p:nvSpPr>
-          <p:cNvPr id="2" name="TextBox 1">
-            <a:extLst>
-              <a:ext uri="{FF2B5EF4-FFF2-40B4-BE49-F238E27FC236}">
-                <a16:creationId xmlns:a16="http://schemas.microsoft.com/office/drawing/2014/main" id="{9EFA508E-A946-7CFA-E9CE-7A8853CB68A0}"/>
-              </a:ext>
-            </a:extLst>
-          </p:cNvPr>
-          <p:cNvSpPr txBox="1"/>
-          <p:nvPr/>
-        </p:nvSpPr>
-        <p:spPr>
-          <a:xfrm>
-            <a:off x="8161020" y="2438400"/>
-            <a:ext cx="2836291" cy="647700"/>
-          </a:xfrm>
-          <a:prstGeom prst="rect">
-            <a:avLst/>
-          </a:prstGeom>
-          <a:solidFill>
-            <a:schemeClr val="accent4">
-              <a:lumMod val="20000"/>
-              <a:lumOff val="80000"/>
-            </a:schemeClr>
-          </a:solidFill>
-        </p:spPr>
-        <p:txBody>
-          <a:bodyPr wrap="square" rtlCol="0">
-            <a:spAutoFit/>
-          </a:bodyPr>
-          <a:lstStyle/>
-          <a:p>
-            <a:r>
-              <a:rPr lang="en-US" dirty="0"/>
-              <a:t>Username and password are base64 encoded</a:t>
-            </a:r>
-          </a:p>
-        </p:txBody>
-      </p:sp>
-      <p:cxnSp>
-        <p:nvCxnSpPr>
-          <p:cNvPr id="5" name="Straight Arrow Connector 4">
-            <a:extLst>
-              <a:ext uri="{FF2B5EF4-FFF2-40B4-BE49-F238E27FC236}">
-                <a16:creationId xmlns:a16="http://schemas.microsoft.com/office/drawing/2014/main" id="{4FD96519-FE38-CF06-BCC6-5AEB896393F3}"/>
-              </a:ext>
-            </a:extLst>
-          </p:cNvPr>
-          <p:cNvCxnSpPr/>
-          <p:nvPr/>
-        </p:nvCxnSpPr>
-        <p:spPr>
-          <a:xfrm flipH="1" flipV="1">
-            <a:off x="7315200" y="2590800"/>
-            <a:ext cx="762000" cy="171450"/>
-          </a:xfrm>
-          <a:prstGeom prst="straightConnector1">
-            <a:avLst/>
-          </a:prstGeom>
-          <a:ln>
-            <a:tailEnd type="triangle"/>
-          </a:ln>
-        </p:spPr>
-        <p:style>
-          <a:lnRef idx="1">
-            <a:schemeClr val="accent1"/>
-          </a:lnRef>
-          <a:fillRef idx="0">
-            <a:schemeClr val="accent1"/>
-          </a:fillRef>
-          <a:effectRef idx="0">
-            <a:schemeClr val="accent1"/>
-          </a:effectRef>
-          <a:fontRef idx="minor">
-            <a:schemeClr val="tx1"/>
-          </a:fontRef>
-        </p:style>
-      </p:cxnSp>
-    </p:spTree>
-    <p:extLst>
-      <p:ext uri="{BB962C8B-B14F-4D97-AF65-F5344CB8AC3E}">
-        <p14:creationId xmlns:p14="http://schemas.microsoft.com/office/powerpoint/2010/main" val="2473937357"/>
-      </p:ext>
-    </p:extLst>
-  </p:cSld>
-  <p:clrMapOvr>
-    <a:masterClrMapping/>
-  </p:clrMapOvr>
-</p:sld>
-</file>
-
-<file path=ppt/slides/slide23.xml><?xml version="1.0" encoding="utf-8"?>
-<p:sld xmlns:a="http://schemas.openxmlformats.org/drawingml/2006/main" xmlns:r="http://schemas.openxmlformats.org/officeDocument/2006/relationships" xmlns:p="http://schemas.openxmlformats.org/presentationml/2006/main">
-  <p:cSld>
-    <p:spTree>
-      <p:nvGrpSpPr>
-        <p:cNvPr id="1" name=""/>
-        <p:cNvGrpSpPr/>
-        <p:nvPr/>
-      </p:nvGrpSpPr>
-      <p:grpSpPr>
-        <a:xfrm>
-          <a:off x="0" y="0"/>
-          <a:ext cx="0" cy="0"/>
-          <a:chOff x="0" y="0"/>
-          <a:chExt cx="0" cy="0"/>
-        </a:xfrm>
-      </p:grpSpPr>
-      <p:sp>
-        <p:nvSpPr>
-          <p:cNvPr id="2" name="Title 1">
-            <a:extLst>
-              <a:ext uri="{FF2B5EF4-FFF2-40B4-BE49-F238E27FC236}">
-                <a16:creationId xmlns:a16="http://schemas.microsoft.com/office/drawing/2014/main" id="{372B3F69-121F-6E9D-B96F-EC14CFEBF996}"/>
-              </a:ext>
-            </a:extLst>
-          </p:cNvPr>
-          <p:cNvSpPr>
-            <a:spLocks noGrp="1"/>
-          </p:cNvSpPr>
-          <p:nvPr>
-            <p:ph type="title"/>
-          </p:nvPr>
-        </p:nvSpPr>
-        <p:spPr/>
-        <p:txBody>
-          <a:bodyPr/>
-          <a:lstStyle/>
-          <a:p>
-            <a:r>
-              <a:rPr lang="en-US" dirty="0"/>
-              <a:t>What is Base64 encoding </a:t>
-            </a:r>
-          </a:p>
-        </p:txBody>
-      </p:sp>
-      <p:sp>
-        <p:nvSpPr>
-          <p:cNvPr id="3" name="Content Placeholder 2">
-            <a:extLst>
-              <a:ext uri="{FF2B5EF4-FFF2-40B4-BE49-F238E27FC236}">
-                <a16:creationId xmlns:a16="http://schemas.microsoft.com/office/drawing/2014/main" id="{AB4760B8-D377-01C9-D125-44BB05598D9B}"/>
-              </a:ext>
-            </a:extLst>
-          </p:cNvPr>
-          <p:cNvSpPr>
-            <a:spLocks noGrp="1"/>
-          </p:cNvSpPr>
-          <p:nvPr>
-            <p:ph idx="1"/>
-          </p:nvPr>
-        </p:nvSpPr>
-        <p:spPr>
-          <a:xfrm>
-            <a:off x="838200" y="1825625"/>
-            <a:ext cx="4959285" cy="4351338"/>
-          </a:xfrm>
-        </p:spPr>
-        <p:txBody>
-          <a:bodyPr/>
-          <a:lstStyle/>
-          <a:p>
-            <a:r>
-              <a:rPr lang="en-GB" dirty="0"/>
-              <a:t>Base64 encoding is a way to represent binary data in a text format. </a:t>
-            </a:r>
-          </a:p>
-          <a:p>
-            <a:r>
-              <a:rPr lang="en-GB" dirty="0"/>
-              <a:t>It is often used in email messages, HTML pages, and other types of text-based communication to transfer binary data such as images, audio files, or other types of non-text data.</a:t>
-            </a:r>
-            <a:endParaRPr lang="en-US" dirty="0"/>
-          </a:p>
-        </p:txBody>
-      </p:sp>
-      <p:pic>
-        <p:nvPicPr>
-          <p:cNvPr id="1026" name="Picture 2">
-            <a:extLst>
-              <a:ext uri="{FF2B5EF4-FFF2-40B4-BE49-F238E27FC236}">
-                <a16:creationId xmlns:a16="http://schemas.microsoft.com/office/drawing/2014/main" id="{E29C44FC-588D-BDC8-1465-C5601FDD0AA1}"/>
-              </a:ext>
-            </a:extLst>
-          </p:cNvPr>
-          <p:cNvPicPr>
-            <a:picLocks noChangeAspect="1" noChangeArrowheads="1"/>
-          </p:cNvPicPr>
-          <p:nvPr/>
-        </p:nvPicPr>
-        <p:blipFill>
-          <a:blip r:embed="rId2">
-            <a:extLst>
-              <a:ext uri="{28A0092B-C50C-407E-A947-70E740481C1C}">
-                <a14:useLocalDpi xmlns:a14="http://schemas.microsoft.com/office/drawing/2010/main" val="0"/>
-              </a:ext>
-            </a:extLst>
-          </a:blip>
-          <a:srcRect/>
-          <a:stretch>
-            <a:fillRect/>
-          </a:stretch>
-        </p:blipFill>
-        <p:spPr bwMode="auto">
-          <a:xfrm>
-            <a:off x="5972175" y="1624013"/>
-            <a:ext cx="6219825" cy="4552950"/>
-          </a:xfrm>
-          <a:prstGeom prst="rect">
-            <a:avLst/>
-          </a:prstGeom>
-          <a:noFill/>
-          <a:extLst>
-            <a:ext uri="{909E8E84-426E-40DD-AFC4-6F175D3DCCD1}">
-              <a14:hiddenFill xmlns:a14="http://schemas.microsoft.com/office/drawing/2010/main">
-                <a:solidFill>
-                  <a:srgbClr val="FFFFFF"/>
-                </a:solidFill>
-              </a14:hiddenFill>
-            </a:ext>
-          </a:extLst>
-        </p:spPr>
-      </p:pic>
-    </p:spTree>
-    <p:extLst>
-      <p:ext uri="{BB962C8B-B14F-4D97-AF65-F5344CB8AC3E}">
-        <p14:creationId xmlns:p14="http://schemas.microsoft.com/office/powerpoint/2010/main" val="2826839527"/>
-      </p:ext>
-    </p:extLst>
-  </p:cSld>
-  <p:clrMapOvr>
-    <a:masterClrMapping/>
-  </p:clrMapOvr>
-</p:sld>
-</file>
-
-<file path=ppt/slides/slide24.xml><?xml version="1.0" encoding="utf-8"?>
-<p:sld xmlns:a="http://schemas.openxmlformats.org/drawingml/2006/main" xmlns:r="http://schemas.openxmlformats.org/officeDocument/2006/relationships" xmlns:p="http://schemas.openxmlformats.org/presentationml/2006/main">
-  <p:cSld>
-    <p:spTree>
-      <p:nvGrpSpPr>
-        <p:cNvPr id="1" name=""/>
-        <p:cNvGrpSpPr/>
-        <p:nvPr/>
-      </p:nvGrpSpPr>
-      <p:grpSpPr>
-        <a:xfrm>
-          <a:off x="0" y="0"/>
-          <a:ext cx="0" cy="0"/>
-          <a:chOff x="0" y="0"/>
-          <a:chExt cx="0" cy="0"/>
-        </a:xfrm>
-      </p:grpSpPr>
-      <p:sp>
-        <p:nvSpPr>
-          <p:cNvPr id="4" name="Title 3">
-            <a:extLst>
-              <a:ext uri="{FF2B5EF4-FFF2-40B4-BE49-F238E27FC236}">
-                <a16:creationId xmlns:a16="http://schemas.microsoft.com/office/drawing/2014/main" id="{46635CA0-D3AB-4F68-4F76-6EBE6CA30485}"/>
-              </a:ext>
-            </a:extLst>
-          </p:cNvPr>
-          <p:cNvSpPr>
-            <a:spLocks noGrp="1"/>
-          </p:cNvSpPr>
-          <p:nvPr>
-            <p:ph type="title"/>
-          </p:nvPr>
-        </p:nvSpPr>
-        <p:spPr/>
-        <p:txBody>
-          <a:bodyPr/>
-          <a:lstStyle/>
-          <a:p>
-            <a:r>
-              <a:rPr lang="en-US" dirty="0"/>
-              <a:t>Conversion </a:t>
-            </a:r>
-          </a:p>
-        </p:txBody>
-      </p:sp>
-      <p:pic>
-        <p:nvPicPr>
-          <p:cNvPr id="17" name="Picture 16">
-            <a:extLst>
-              <a:ext uri="{FF2B5EF4-FFF2-40B4-BE49-F238E27FC236}">
-                <a16:creationId xmlns:a16="http://schemas.microsoft.com/office/drawing/2014/main" id="{540C7910-B72C-1432-9CE9-0D740185306C}"/>
-              </a:ext>
-            </a:extLst>
-          </p:cNvPr>
-          <p:cNvPicPr>
-            <a:picLocks noChangeAspect="1"/>
-          </p:cNvPicPr>
-          <p:nvPr/>
-        </p:nvPicPr>
-        <p:blipFill>
-          <a:blip r:embed="rId2"/>
-          <a:stretch>
-            <a:fillRect/>
-          </a:stretch>
-        </p:blipFill>
-        <p:spPr>
-          <a:xfrm>
-            <a:off x="940037" y="1615782"/>
-            <a:ext cx="8493588" cy="2349290"/>
-          </a:xfrm>
-          <a:prstGeom prst="rect">
-            <a:avLst/>
-          </a:prstGeom>
-        </p:spPr>
-      </p:pic>
-      <p:pic>
-        <p:nvPicPr>
-          <p:cNvPr id="19" name="Picture 18">
-            <a:extLst>
-              <a:ext uri="{FF2B5EF4-FFF2-40B4-BE49-F238E27FC236}">
-                <a16:creationId xmlns:a16="http://schemas.microsoft.com/office/drawing/2014/main" id="{33802E3C-8CD5-E5D1-4912-465E1E4EF13C}"/>
-              </a:ext>
-            </a:extLst>
-          </p:cNvPr>
-          <p:cNvPicPr>
-            <a:picLocks noChangeAspect="1"/>
-          </p:cNvPicPr>
-          <p:nvPr/>
-        </p:nvPicPr>
-        <p:blipFill>
-          <a:blip r:embed="rId3"/>
-          <a:stretch>
-            <a:fillRect/>
-          </a:stretch>
-        </p:blipFill>
-        <p:spPr>
-          <a:xfrm>
-            <a:off x="940037" y="4277753"/>
-            <a:ext cx="8493588" cy="2371698"/>
-          </a:xfrm>
-          <a:prstGeom prst="rect">
-            <a:avLst/>
-          </a:prstGeom>
-        </p:spPr>
-      </p:pic>
-    </p:spTree>
-    <p:extLst>
-      <p:ext uri="{BB962C8B-B14F-4D97-AF65-F5344CB8AC3E}">
-        <p14:creationId xmlns:p14="http://schemas.microsoft.com/office/powerpoint/2010/main" val="4128795651"/>
-      </p:ext>
-    </p:extLst>
-  </p:cSld>
-  <p:clrMapOvr>
-    <a:masterClrMapping/>
-  </p:clrMapOvr>
-</p:sld>
-</file>
-
-<file path=ppt/slides/slide25.xml><?xml version="1.0" encoding="utf-8"?>
-<p:sld xmlns:a="http://schemas.openxmlformats.org/drawingml/2006/main" xmlns:r="http://schemas.openxmlformats.org/officeDocument/2006/relationships" xmlns:p="http://schemas.openxmlformats.org/presentationml/2006/main">
-  <p:cSld>
-    <p:spTree>
-      <p:nvGrpSpPr>
-        <p:cNvPr id="1" name=""/>
-        <p:cNvGrpSpPr/>
-        <p:nvPr/>
-      </p:nvGrpSpPr>
-      <p:grpSpPr>
-        <a:xfrm>
-          <a:off x="0" y="0"/>
-          <a:ext cx="0" cy="0"/>
-          <a:chOff x="0" y="0"/>
-          <a:chExt cx="0" cy="0"/>
-        </a:xfrm>
-      </p:grpSpPr>
-      <p:pic>
-        <p:nvPicPr>
-          <p:cNvPr id="4" name="Picture 3">
-            <a:extLst>
-              <a:ext uri="{FF2B5EF4-FFF2-40B4-BE49-F238E27FC236}">
-                <a16:creationId xmlns:a16="http://schemas.microsoft.com/office/drawing/2014/main" id="{B4590494-5760-2B07-E76D-BC881FD625FC}"/>
-              </a:ext>
-            </a:extLst>
-          </p:cNvPr>
-          <p:cNvPicPr>
-            <a:picLocks noChangeAspect="1"/>
-          </p:cNvPicPr>
-          <p:nvPr/>
-        </p:nvPicPr>
-        <p:blipFill>
-          <a:blip r:embed="rId2"/>
-          <a:stretch>
-            <a:fillRect/>
-          </a:stretch>
-        </p:blipFill>
-        <p:spPr>
-          <a:xfrm>
-            <a:off x="1614758" y="2211475"/>
-            <a:ext cx="8387480" cy="2322817"/>
-          </a:xfrm>
-          <a:prstGeom prst="rect">
-            <a:avLst/>
-          </a:prstGeom>
-        </p:spPr>
-      </p:pic>
-    </p:spTree>
-    <p:extLst>
-      <p:ext uri="{BB962C8B-B14F-4D97-AF65-F5344CB8AC3E}">
-        <p14:creationId xmlns:p14="http://schemas.microsoft.com/office/powerpoint/2010/main" val="894335474"/>
-      </p:ext>
-    </p:extLst>
-  </p:cSld>
-  <p:clrMapOvr>
-    <a:masterClrMapping/>
-  </p:clrMapOvr>
-</p:sld>
-</file>
-
-<file path=ppt/slides/slide26.xml><?xml version="1.0" encoding="utf-8"?>
-<p:sld xmlns:a="http://schemas.openxmlformats.org/drawingml/2006/main" xmlns:r="http://schemas.openxmlformats.org/officeDocument/2006/relationships" xmlns:p="http://schemas.openxmlformats.org/presentationml/2006/main">
-  <p:cSld>
-    <p:spTree>
-      <p:nvGrpSpPr>
-        <p:cNvPr id="1" name=""/>
-        <p:cNvGrpSpPr/>
-        <p:nvPr/>
-      </p:nvGrpSpPr>
-      <p:grpSpPr>
-        <a:xfrm>
-          <a:off x="0" y="0"/>
-          <a:ext cx="0" cy="0"/>
-          <a:chOff x="0" y="0"/>
-          <a:chExt cx="0" cy="0"/>
-        </a:xfrm>
-      </p:grpSpPr>
-      <p:pic>
-        <p:nvPicPr>
-          <p:cNvPr id="3" name="Picture 2">
-            <a:extLst>
-              <a:ext uri="{FF2B5EF4-FFF2-40B4-BE49-F238E27FC236}">
-                <a16:creationId xmlns:a16="http://schemas.microsoft.com/office/drawing/2014/main" id="{20DAAFE9-D3A3-01AD-7972-A1F3FCB2FFC9}"/>
-              </a:ext>
-            </a:extLst>
-          </p:cNvPr>
-          <p:cNvPicPr>
-            <a:picLocks noChangeAspect="1"/>
-          </p:cNvPicPr>
-          <p:nvPr/>
-        </p:nvPicPr>
-        <p:blipFill>
-          <a:blip r:embed="rId2"/>
-          <a:stretch>
-            <a:fillRect/>
-          </a:stretch>
-        </p:blipFill>
-        <p:spPr>
-          <a:xfrm>
-            <a:off x="965820" y="1813727"/>
-            <a:ext cx="9163079" cy="4304662"/>
-          </a:xfrm>
-          <a:prstGeom prst="rect">
-            <a:avLst/>
-          </a:prstGeom>
-        </p:spPr>
-      </p:pic>
-      <p:sp>
-        <p:nvSpPr>
-          <p:cNvPr id="4" name="Title 3">
-            <a:extLst>
-              <a:ext uri="{FF2B5EF4-FFF2-40B4-BE49-F238E27FC236}">
-                <a16:creationId xmlns:a16="http://schemas.microsoft.com/office/drawing/2014/main" id="{926339D0-FFE2-90DE-BFA7-C309BAA8F68B}"/>
-              </a:ext>
-            </a:extLst>
-          </p:cNvPr>
-          <p:cNvSpPr>
-            <a:spLocks noGrp="1"/>
-          </p:cNvSpPr>
-          <p:nvPr>
-            <p:ph type="title"/>
-          </p:nvPr>
-        </p:nvSpPr>
-        <p:spPr/>
-        <p:txBody>
-          <a:bodyPr/>
-          <a:lstStyle/>
-          <a:p>
-            <a:r>
-              <a:rPr lang="en-US" dirty="0"/>
-              <a:t>Decoding Based64 to text</a:t>
-            </a:r>
-          </a:p>
-        </p:txBody>
-      </p:sp>
-    </p:spTree>
-    <p:extLst>
-      <p:ext uri="{BB962C8B-B14F-4D97-AF65-F5344CB8AC3E}">
-        <p14:creationId xmlns:p14="http://schemas.microsoft.com/office/powerpoint/2010/main" val="2384207028"/>
-      </p:ext>
-    </p:extLst>
-  </p:cSld>
-  <p:clrMapOvr>
-    <a:masterClrMapping/>
-  </p:clrMapOvr>
-</p:sld>
-</file>
-
-<file path=ppt/slides/slide27.xml><?xml version="1.0" encoding="utf-8"?>
-<p:sld xmlns:a="http://schemas.openxmlformats.org/drawingml/2006/main" xmlns:r="http://schemas.openxmlformats.org/officeDocument/2006/relationships" xmlns:p="http://schemas.openxmlformats.org/presentationml/2006/main">
-  <p:cSld>
-    <p:spTree>
-      <p:nvGrpSpPr>
-        <p:cNvPr id="1" name=""/>
-        <p:cNvGrpSpPr/>
-        <p:nvPr/>
-      </p:nvGrpSpPr>
-      <p:grpSpPr>
-        <a:xfrm>
-          <a:off x="0" y="0"/>
-          <a:ext cx="0" cy="0"/>
-          <a:chOff x="0" y="0"/>
-          <a:chExt cx="0" cy="0"/>
-        </a:xfrm>
-      </p:grpSpPr>
-      <p:pic>
-        <p:nvPicPr>
-          <p:cNvPr id="4" name="Picture 3">
-            <a:extLst>
-              <a:ext uri="{FF2B5EF4-FFF2-40B4-BE49-F238E27FC236}">
-                <a16:creationId xmlns:a16="http://schemas.microsoft.com/office/drawing/2014/main" id="{787BE18C-6D3A-9702-B13C-8CA581D8139F}"/>
-              </a:ext>
-            </a:extLst>
-          </p:cNvPr>
-          <p:cNvPicPr>
-            <a:picLocks noChangeAspect="1"/>
-          </p:cNvPicPr>
-          <p:nvPr/>
-        </p:nvPicPr>
-        <p:blipFill>
-          <a:blip r:embed="rId3"/>
-          <a:stretch>
-            <a:fillRect/>
-          </a:stretch>
-        </p:blipFill>
-        <p:spPr>
-          <a:xfrm>
-            <a:off x="970869" y="1690688"/>
-            <a:ext cx="8350672" cy="4351893"/>
-          </a:xfrm>
-          <a:prstGeom prst="rect">
-            <a:avLst/>
-          </a:prstGeom>
-        </p:spPr>
-      </p:pic>
-      <p:sp>
-        <p:nvSpPr>
-          <p:cNvPr id="5" name="Title 4">
-            <a:extLst>
-              <a:ext uri="{FF2B5EF4-FFF2-40B4-BE49-F238E27FC236}">
-                <a16:creationId xmlns:a16="http://schemas.microsoft.com/office/drawing/2014/main" id="{9BEE9FDD-E840-0101-8993-B9FD83740F0D}"/>
-              </a:ext>
-            </a:extLst>
-          </p:cNvPr>
-          <p:cNvSpPr>
-            <a:spLocks noGrp="1"/>
-          </p:cNvSpPr>
-          <p:nvPr>
-            <p:ph type="title"/>
-          </p:nvPr>
-        </p:nvSpPr>
-        <p:spPr/>
-        <p:txBody>
-          <a:bodyPr/>
-          <a:lstStyle/>
-          <a:p>
-            <a:r>
-              <a:rPr lang="en-US" dirty="0"/>
-              <a:t>Decoding username</a:t>
-            </a:r>
-          </a:p>
-        </p:txBody>
-      </p:sp>
-    </p:spTree>
-    <p:extLst>
-      <p:ext uri="{BB962C8B-B14F-4D97-AF65-F5344CB8AC3E}">
-        <p14:creationId xmlns:p14="http://schemas.microsoft.com/office/powerpoint/2010/main" val="3244820070"/>
-      </p:ext>
-    </p:extLst>
-  </p:cSld>
-  <p:clrMapOvr>
-    <a:masterClrMapping/>
-  </p:clrMapOvr>
-</p:sld>
-</file>
-
-<file path=ppt/slides/slide28.xml><?xml version="1.0" encoding="utf-8"?>
-<p:sld xmlns:a="http://schemas.openxmlformats.org/drawingml/2006/main" xmlns:r="http://schemas.openxmlformats.org/officeDocument/2006/relationships" xmlns:p="http://schemas.openxmlformats.org/presentationml/2006/main">
-  <p:cSld>
-    <p:spTree>
-      <p:nvGrpSpPr>
-        <p:cNvPr id="1" name=""/>
-        <p:cNvGrpSpPr/>
-        <p:nvPr/>
-      </p:nvGrpSpPr>
-      <p:grpSpPr>
-        <a:xfrm>
-          <a:off x="0" y="0"/>
-          <a:ext cx="0" cy="0"/>
-          <a:chOff x="0" y="0"/>
-          <a:chExt cx="0" cy="0"/>
-        </a:xfrm>
-      </p:grpSpPr>
-      <p:pic>
-        <p:nvPicPr>
-          <p:cNvPr id="3" name="Picture 2">
-            <a:extLst>
-              <a:ext uri="{FF2B5EF4-FFF2-40B4-BE49-F238E27FC236}">
-                <a16:creationId xmlns:a16="http://schemas.microsoft.com/office/drawing/2014/main" id="{F74E5E69-13D0-FBD7-D6AA-6CBFDB8E4BBA}"/>
-              </a:ext>
-            </a:extLst>
-          </p:cNvPr>
-          <p:cNvPicPr>
-            <a:picLocks noChangeAspect="1"/>
-          </p:cNvPicPr>
-          <p:nvPr/>
-        </p:nvPicPr>
-        <p:blipFill>
-          <a:blip r:embed="rId2"/>
-          <a:stretch>
-            <a:fillRect/>
-          </a:stretch>
-        </p:blipFill>
-        <p:spPr>
-          <a:xfrm>
-            <a:off x="1653155" y="948475"/>
-            <a:ext cx="8885690" cy="4961050"/>
-          </a:xfrm>
-          <a:prstGeom prst="rect">
-            <a:avLst/>
-          </a:prstGeom>
-        </p:spPr>
-      </p:pic>
-    </p:spTree>
-    <p:extLst>
-      <p:ext uri="{BB962C8B-B14F-4D97-AF65-F5344CB8AC3E}">
-        <p14:creationId xmlns:p14="http://schemas.microsoft.com/office/powerpoint/2010/main" val="3372257670"/>
-      </p:ext>
-    </p:extLst>
-  </p:cSld>
-  <p:clrMapOvr>
-    <a:masterClrMapping/>
-  </p:clrMapOvr>
-</p:sld>
-</file>
-
-<file path=ppt/slides/slide29.xml><?xml version="1.0" encoding="utf-8"?>
-<p:sld xmlns:a="http://schemas.openxmlformats.org/drawingml/2006/main" xmlns:r="http://schemas.openxmlformats.org/officeDocument/2006/relationships" xmlns:p="http://schemas.openxmlformats.org/presentationml/2006/main">
-  <p:cSld>
-    <p:spTree>
-      <p:nvGrpSpPr>
-        <p:cNvPr id="1" name=""/>
-        <p:cNvGrpSpPr/>
-        <p:nvPr/>
-      </p:nvGrpSpPr>
-      <p:grpSpPr>
-        <a:xfrm>
-          <a:off x="0" y="0"/>
-          <a:ext cx="0" cy="0"/>
-          <a:chOff x="0" y="0"/>
-          <a:chExt cx="0" cy="0"/>
-        </a:xfrm>
-      </p:grpSpPr>
-      <p:pic>
-        <p:nvPicPr>
-          <p:cNvPr id="3" name="Picture 2">
-            <a:extLst>
-              <a:ext uri="{FF2B5EF4-FFF2-40B4-BE49-F238E27FC236}">
-                <a16:creationId xmlns:a16="http://schemas.microsoft.com/office/drawing/2014/main" id="{038B00D8-1628-68A7-ABAC-2194BA8E8E4A}"/>
-              </a:ext>
-            </a:extLst>
-          </p:cNvPr>
-          <p:cNvPicPr>
-            <a:picLocks noChangeAspect="1"/>
-          </p:cNvPicPr>
-          <p:nvPr/>
-        </p:nvPicPr>
-        <p:blipFill>
-          <a:blip r:embed="rId2"/>
-          <a:stretch>
-            <a:fillRect/>
-          </a:stretch>
-        </p:blipFill>
-        <p:spPr>
-          <a:xfrm>
-            <a:off x="2190411" y="1542886"/>
-            <a:ext cx="7811177" cy="3772227"/>
-          </a:xfrm>
-          <a:prstGeom prst="rect">
-            <a:avLst/>
-          </a:prstGeom>
-        </p:spPr>
-      </p:pic>
-    </p:spTree>
-    <p:extLst>
-      <p:ext uri="{BB962C8B-B14F-4D97-AF65-F5344CB8AC3E}">
-        <p14:creationId xmlns:p14="http://schemas.microsoft.com/office/powerpoint/2010/main" val="556616837"/>
-      </p:ext>
-    </p:extLst>
-  </p:cSld>
-  <p:clrMapOvr>
-    <a:masterClrMapping/>
-  </p:clrMapOvr>
-</p:sld>
-</file>
-
-<file path=ppt/slides/slide3.xml><?xml version="1.0" encoding="utf-8"?>
-<p:sld xmlns:a="http://schemas.openxmlformats.org/drawingml/2006/main" xmlns:r="http://schemas.openxmlformats.org/officeDocument/2006/relationships" xmlns:p="http://schemas.openxmlformats.org/presentationml/2006/main">
-  <p:cSld>
-    <p:spTree>
-      <p:nvGrpSpPr>
-        <p:cNvPr id="1" name=""/>
-        <p:cNvGrpSpPr/>
-        <p:nvPr/>
-      </p:nvGrpSpPr>
-      <p:grpSpPr>
-        <a:xfrm>
-          <a:off x="0" y="0"/>
-          <a:ext cx="0" cy="0"/>
-          <a:chOff x="0" y="0"/>
-          <a:chExt cx="0" cy="0"/>
-        </a:xfrm>
-      </p:grpSpPr>
-      <p:sp>
-        <p:nvSpPr>
-          <p:cNvPr id="4" name="Title 3">
-            <a:extLst>
-              <a:ext uri="{FF2B5EF4-FFF2-40B4-BE49-F238E27FC236}">
-                <a16:creationId xmlns:a16="http://schemas.microsoft.com/office/drawing/2014/main" id="{AB60164F-B2D8-EDC1-5910-000ADE6B46F6}"/>
-              </a:ext>
-            </a:extLst>
-          </p:cNvPr>
-          <p:cNvSpPr>
-            <a:spLocks noGrp="1"/>
-          </p:cNvSpPr>
-          <p:nvPr>
-            <p:ph type="title"/>
-          </p:nvPr>
-        </p:nvSpPr>
-        <p:spPr/>
-        <p:txBody>
-          <a:bodyPr/>
-          <a:lstStyle/>
-          <a:p>
-            <a:r>
-              <a:rPr lang="en-US" dirty="0"/>
-              <a:t>Domain Name System</a:t>
-            </a:r>
-          </a:p>
-        </p:txBody>
-      </p:sp>
-      <p:sp>
-        <p:nvSpPr>
-          <p:cNvPr id="5" name="Text Placeholder 4">
-            <a:extLst>
-              <a:ext uri="{FF2B5EF4-FFF2-40B4-BE49-F238E27FC236}">
-                <a16:creationId xmlns:a16="http://schemas.microsoft.com/office/drawing/2014/main" id="{D85A40C4-2565-8ECD-1C9B-078A13F49B28}"/>
-              </a:ext>
-            </a:extLst>
-          </p:cNvPr>
-          <p:cNvSpPr>
-            <a:spLocks noGrp="1"/>
-          </p:cNvSpPr>
-          <p:nvPr>
-            <p:ph type="body" idx="1"/>
-          </p:nvPr>
-        </p:nvSpPr>
-        <p:spPr/>
-        <p:txBody>
-          <a:bodyPr/>
-          <a:lstStyle/>
-          <a:p>
-            <a:r>
-              <a:rPr lang="en-US" dirty="0"/>
-              <a:t>find the email server IP address</a:t>
-            </a:r>
-          </a:p>
-        </p:txBody>
-      </p:sp>
-    </p:spTree>
-    <p:extLst>
-      <p:ext uri="{BB962C8B-B14F-4D97-AF65-F5344CB8AC3E}">
-        <p14:creationId xmlns:p14="http://schemas.microsoft.com/office/powerpoint/2010/main" val="2742041552"/>
-      </p:ext>
-    </p:extLst>
-  </p:cSld>
-  <p:clrMapOvr>
-    <a:masterClrMapping/>
-  </p:clrMapOvr>
-</p:sld>
-</file>
-
-<file path=ppt/slides/slide30.xml><?xml version="1.0" encoding="utf-8"?>
-<p:sld xmlns:a="http://schemas.openxmlformats.org/drawingml/2006/main" xmlns:r="http://schemas.openxmlformats.org/officeDocument/2006/relationships" xmlns:p="http://schemas.openxmlformats.org/presentationml/2006/main">
-  <p:cSld>
-    <p:spTree>
-      <p:nvGrpSpPr>
-        <p:cNvPr id="1" name=""/>
-        <p:cNvGrpSpPr/>
-        <p:nvPr/>
-      </p:nvGrpSpPr>
-      <p:grpSpPr>
-        <a:xfrm>
-          <a:off x="0" y="0"/>
-          <a:ext cx="0" cy="0"/>
-          <a:chOff x="0" y="0"/>
-          <a:chExt cx="0" cy="0"/>
-        </a:xfrm>
-      </p:grpSpPr>
-      <p:pic>
-        <p:nvPicPr>
-          <p:cNvPr id="3" name="Picture 2">
-            <a:extLst>
-              <a:ext uri="{FF2B5EF4-FFF2-40B4-BE49-F238E27FC236}">
-                <a16:creationId xmlns:a16="http://schemas.microsoft.com/office/drawing/2014/main" id="{15BCCCD9-F311-09A2-CD9B-0564007A5058}"/>
-              </a:ext>
-            </a:extLst>
-          </p:cNvPr>
-          <p:cNvPicPr>
-            <a:picLocks noChangeAspect="1"/>
-          </p:cNvPicPr>
-          <p:nvPr/>
-        </p:nvPicPr>
-        <p:blipFill>
-          <a:blip r:embed="rId2"/>
-          <a:stretch>
-            <a:fillRect/>
-          </a:stretch>
-        </p:blipFill>
-        <p:spPr>
-          <a:xfrm>
-            <a:off x="2624789" y="1546697"/>
-            <a:ext cx="6942422" cy="3764606"/>
-          </a:xfrm>
-          <a:prstGeom prst="rect">
-            <a:avLst/>
-          </a:prstGeom>
-        </p:spPr>
-      </p:pic>
-    </p:spTree>
-    <p:extLst>
-      <p:ext uri="{BB962C8B-B14F-4D97-AF65-F5344CB8AC3E}">
-        <p14:creationId xmlns:p14="http://schemas.microsoft.com/office/powerpoint/2010/main" val="3030731829"/>
-      </p:ext>
-    </p:extLst>
-  </p:cSld>
-  <p:clrMapOvr>
-    <a:masterClrMapping/>
-  </p:clrMapOvr>
-</p:sld>
-</file>
-
-<file path=ppt/slides/slide31.xml><?xml version="1.0" encoding="utf-8"?>
-<p:sld xmlns:a="http://schemas.openxmlformats.org/drawingml/2006/main" xmlns:r="http://schemas.openxmlformats.org/officeDocument/2006/relationships" xmlns:p="http://schemas.openxmlformats.org/presentationml/2006/main">
-  <p:cSld>
-    <p:spTree>
-      <p:nvGrpSpPr>
-        <p:cNvPr id="1" name=""/>
-        <p:cNvGrpSpPr/>
-        <p:nvPr/>
-      </p:nvGrpSpPr>
-      <p:grpSpPr>
-        <a:xfrm>
-          <a:off x="0" y="0"/>
-          <a:ext cx="0" cy="0"/>
-          <a:chOff x="0" y="0"/>
-          <a:chExt cx="0" cy="0"/>
-        </a:xfrm>
-      </p:grpSpPr>
-      <p:pic>
-        <p:nvPicPr>
-          <p:cNvPr id="3" name="Picture 2">
-            <a:extLst>
-              <a:ext uri="{FF2B5EF4-FFF2-40B4-BE49-F238E27FC236}">
-                <a16:creationId xmlns:a16="http://schemas.microsoft.com/office/drawing/2014/main" id="{70E3ADCC-0137-7B13-34AE-A7A657504967}"/>
-              </a:ext>
-            </a:extLst>
-          </p:cNvPr>
-          <p:cNvPicPr>
-            <a:picLocks noChangeAspect="1"/>
-          </p:cNvPicPr>
-          <p:nvPr/>
-        </p:nvPicPr>
-        <p:blipFill>
-          <a:blip r:embed="rId2"/>
-          <a:stretch>
-            <a:fillRect/>
-          </a:stretch>
-        </p:blipFill>
-        <p:spPr>
-          <a:xfrm>
-            <a:off x="2224704" y="1695300"/>
-            <a:ext cx="7742591" cy="3467400"/>
-          </a:xfrm>
-          <a:prstGeom prst="rect">
-            <a:avLst/>
-          </a:prstGeom>
-        </p:spPr>
-      </p:pic>
-    </p:spTree>
-    <p:extLst>
-      <p:ext uri="{BB962C8B-B14F-4D97-AF65-F5344CB8AC3E}">
-        <p14:creationId xmlns:p14="http://schemas.microsoft.com/office/powerpoint/2010/main" val="1059830216"/>
-      </p:ext>
-    </p:extLst>
-  </p:cSld>
-  <p:clrMapOvr>
-    <a:masterClrMapping/>
-  </p:clrMapOvr>
-</p:sld>
-</file>
-
-<file path=ppt/slides/slide32.xml><?xml version="1.0" encoding="utf-8"?>
-<p:sld xmlns:a="http://schemas.openxmlformats.org/drawingml/2006/main" xmlns:r="http://schemas.openxmlformats.org/officeDocument/2006/relationships" xmlns:p="http://schemas.openxmlformats.org/presentationml/2006/main">
-  <p:cSld>
-    <p:spTree>
-      <p:nvGrpSpPr>
-        <p:cNvPr id="1" name=""/>
-        <p:cNvGrpSpPr/>
-        <p:nvPr/>
-      </p:nvGrpSpPr>
-      <p:grpSpPr>
-        <a:xfrm>
-          <a:off x="0" y="0"/>
-          <a:ext cx="0" cy="0"/>
-          <a:chOff x="0" y="0"/>
-          <a:chExt cx="0" cy="0"/>
-        </a:xfrm>
-      </p:grpSpPr>
-      <p:pic>
-        <p:nvPicPr>
-          <p:cNvPr id="3" name="Picture 2">
-            <a:extLst>
-              <a:ext uri="{FF2B5EF4-FFF2-40B4-BE49-F238E27FC236}">
-                <a16:creationId xmlns:a16="http://schemas.microsoft.com/office/drawing/2014/main" id="{78E86480-CB24-4F77-AF42-1F5150E9B975}"/>
-              </a:ext>
-            </a:extLst>
-          </p:cNvPr>
-          <p:cNvPicPr>
-            <a:picLocks noChangeAspect="1"/>
-          </p:cNvPicPr>
-          <p:nvPr/>
-        </p:nvPicPr>
-        <p:blipFill>
-          <a:blip r:embed="rId2"/>
-          <a:stretch>
-            <a:fillRect/>
-          </a:stretch>
-        </p:blipFill>
-        <p:spPr>
-          <a:xfrm>
-            <a:off x="1344518" y="1116129"/>
-            <a:ext cx="9502964" cy="4625741"/>
-          </a:xfrm>
-          <a:prstGeom prst="rect">
-            <a:avLst/>
-          </a:prstGeom>
-        </p:spPr>
-      </p:pic>
-      <p:sp>
-        <p:nvSpPr>
-          <p:cNvPr id="4" name="Right Brace 3">
-            <a:extLst>
-              <a:ext uri="{FF2B5EF4-FFF2-40B4-BE49-F238E27FC236}">
-                <a16:creationId xmlns:a16="http://schemas.microsoft.com/office/drawing/2014/main" id="{71446B98-1B14-45CC-334C-EA0BABB995EC}"/>
-              </a:ext>
-            </a:extLst>
-          </p:cNvPr>
-          <p:cNvSpPr/>
-          <p:nvPr/>
-        </p:nvSpPr>
-        <p:spPr>
-          <a:xfrm>
-            <a:off x="10911840" y="4038600"/>
-            <a:ext cx="121920" cy="792480"/>
-          </a:xfrm>
-          <a:prstGeom prst="rightBrace">
-            <a:avLst/>
-          </a:prstGeom>
-        </p:spPr>
-        <p:style>
-          <a:lnRef idx="1">
-            <a:schemeClr val="accent1"/>
-          </a:lnRef>
-          <a:fillRef idx="0">
-            <a:schemeClr val="accent1"/>
-          </a:fillRef>
-          <a:effectRef idx="0">
-            <a:schemeClr val="accent1"/>
-          </a:effectRef>
-          <a:fontRef idx="minor">
-            <a:schemeClr val="tx1"/>
-          </a:fontRef>
-        </p:style>
-        <p:txBody>
-          <a:bodyPr rtlCol="0" anchor="ctr"/>
-          <a:lstStyle/>
-          <a:p>
-            <a:pPr algn="ctr"/>
-            <a:endParaRPr lang="en-US"/>
-          </a:p>
-        </p:txBody>
-      </p:sp>
-      <p:sp>
-        <p:nvSpPr>
-          <p:cNvPr id="5" name="TextBox 4">
-            <a:extLst>
-              <a:ext uri="{FF2B5EF4-FFF2-40B4-BE49-F238E27FC236}">
-                <a16:creationId xmlns:a16="http://schemas.microsoft.com/office/drawing/2014/main" id="{70E30088-01CF-31AF-386A-0BF8CE3DF0E3}"/>
-              </a:ext>
-            </a:extLst>
-          </p:cNvPr>
-          <p:cNvSpPr txBox="1"/>
-          <p:nvPr/>
-        </p:nvSpPr>
-        <p:spPr>
-          <a:xfrm>
-            <a:off x="10431836" y="4250174"/>
-            <a:ext cx="1334211" cy="369332"/>
-          </a:xfrm>
-          <a:prstGeom prst="rect">
-            <a:avLst/>
-          </a:prstGeom>
-          <a:solidFill>
-            <a:schemeClr val="accent4">
-              <a:lumMod val="20000"/>
-              <a:lumOff val="80000"/>
-            </a:schemeClr>
-          </a:solidFill>
-        </p:spPr>
-        <p:txBody>
-          <a:bodyPr wrap="none" rtlCol="0">
-            <a:spAutoFit/>
-          </a:bodyPr>
-          <a:lstStyle/>
-          <a:p>
-            <a:r>
-              <a:rPr lang="en-US" dirty="0"/>
-              <a:t>ignore them</a:t>
-            </a:r>
-          </a:p>
-        </p:txBody>
-      </p:sp>
-    </p:spTree>
-    <p:extLst>
-      <p:ext uri="{BB962C8B-B14F-4D97-AF65-F5344CB8AC3E}">
-        <p14:creationId xmlns:p14="http://schemas.microsoft.com/office/powerpoint/2010/main" val="2451654839"/>
-      </p:ext>
-    </p:extLst>
-  </p:cSld>
-  <p:clrMapOvr>
-    <a:masterClrMapping/>
-  </p:clrMapOvr>
-</p:sld>
-</file>
-
-<file path=ppt/slides/slide33.xml><?xml version="1.0" encoding="utf-8"?>
-<p:sld xmlns:a="http://schemas.openxmlformats.org/drawingml/2006/main" xmlns:r="http://schemas.openxmlformats.org/officeDocument/2006/relationships" xmlns:p="http://schemas.openxmlformats.org/presentationml/2006/main">
-  <p:cSld>
-    <p:spTree>
-      <p:nvGrpSpPr>
-        <p:cNvPr id="1" name=""/>
-        <p:cNvGrpSpPr/>
-        <p:nvPr/>
-      </p:nvGrpSpPr>
-      <p:grpSpPr>
-        <a:xfrm>
-          <a:off x="0" y="0"/>
-          <a:ext cx="0" cy="0"/>
-          <a:chOff x="0" y="0"/>
-          <a:chExt cx="0" cy="0"/>
-        </a:xfrm>
-      </p:grpSpPr>
-      <p:pic>
-        <p:nvPicPr>
-          <p:cNvPr id="4" name="Picture 3">
-            <a:extLst>
-              <a:ext uri="{FF2B5EF4-FFF2-40B4-BE49-F238E27FC236}">
-                <a16:creationId xmlns:a16="http://schemas.microsoft.com/office/drawing/2014/main" id="{CA5E27A7-ABEE-2539-DECB-53C7BC552932}"/>
-              </a:ext>
-            </a:extLst>
-          </p:cNvPr>
-          <p:cNvPicPr>
-            <a:picLocks noChangeAspect="1"/>
-          </p:cNvPicPr>
-          <p:nvPr/>
-        </p:nvPicPr>
-        <p:blipFill>
-          <a:blip r:embed="rId2"/>
-          <a:stretch>
-            <a:fillRect/>
-          </a:stretch>
-        </p:blipFill>
-        <p:spPr>
-          <a:xfrm>
-            <a:off x="0" y="737681"/>
-            <a:ext cx="12192000" cy="5382638"/>
-          </a:xfrm>
-          <a:prstGeom prst="rect">
-            <a:avLst/>
-          </a:prstGeom>
-        </p:spPr>
-      </p:pic>
-      <p:sp>
-        <p:nvSpPr>
-          <p:cNvPr id="5" name="TextBox 4">
-            <a:extLst>
-              <a:ext uri="{FF2B5EF4-FFF2-40B4-BE49-F238E27FC236}">
-                <a16:creationId xmlns:a16="http://schemas.microsoft.com/office/drawing/2014/main" id="{687E1E2B-A2C8-6C3A-BE71-FBD62A258B6D}"/>
-              </a:ext>
-            </a:extLst>
-          </p:cNvPr>
-          <p:cNvSpPr txBox="1"/>
-          <p:nvPr/>
-        </p:nvSpPr>
-        <p:spPr>
-          <a:xfrm>
-            <a:off x="160256" y="386499"/>
-            <a:ext cx="6746847" cy="369332"/>
-          </a:xfrm>
-          <a:prstGeom prst="rect">
-            <a:avLst/>
-          </a:prstGeom>
-          <a:solidFill>
-            <a:schemeClr val="accent4"/>
-          </a:solidFill>
-        </p:spPr>
-        <p:txBody>
-          <a:bodyPr wrap="none" rtlCol="0">
-            <a:spAutoFit/>
-          </a:bodyPr>
-          <a:lstStyle/>
-          <a:p>
-            <a:r>
-              <a:rPr lang="en-US" dirty="0"/>
-              <a:t>Show email content (14 fragments, Wireshark reassemble them at 45)</a:t>
-            </a:r>
-          </a:p>
-        </p:txBody>
-      </p:sp>
-      <p:sp>
-        <p:nvSpPr>
-          <p:cNvPr id="6" name="TextBox 5">
-            <a:extLst>
-              <a:ext uri="{FF2B5EF4-FFF2-40B4-BE49-F238E27FC236}">
-                <a16:creationId xmlns:a16="http://schemas.microsoft.com/office/drawing/2014/main" id="{B3E0A30F-9FF6-B343-FB22-F6955F16FF6D}"/>
-              </a:ext>
-            </a:extLst>
-          </p:cNvPr>
-          <p:cNvSpPr txBox="1"/>
-          <p:nvPr/>
-        </p:nvSpPr>
-        <p:spPr>
-          <a:xfrm>
-            <a:off x="6129863" y="5189220"/>
-            <a:ext cx="3147465" cy="369332"/>
-          </a:xfrm>
-          <a:prstGeom prst="rect">
-            <a:avLst/>
-          </a:prstGeom>
-          <a:solidFill>
-            <a:schemeClr val="accent4">
-              <a:lumMod val="20000"/>
-              <a:lumOff val="80000"/>
-            </a:schemeClr>
-          </a:solidFill>
-        </p:spPr>
-        <p:txBody>
-          <a:bodyPr wrap="none" rtlCol="0">
-            <a:spAutoFit/>
-          </a:bodyPr>
-          <a:lstStyle/>
-          <a:p>
-            <a:r>
-              <a:rPr lang="en-US" dirty="0"/>
-              <a:t>email client: office outlook 12.0</a:t>
-            </a:r>
-          </a:p>
-        </p:txBody>
-      </p:sp>
-      <p:cxnSp>
-        <p:nvCxnSpPr>
-          <p:cNvPr id="8" name="Straight Arrow Connector 7">
-            <a:extLst>
-              <a:ext uri="{FF2B5EF4-FFF2-40B4-BE49-F238E27FC236}">
-                <a16:creationId xmlns:a16="http://schemas.microsoft.com/office/drawing/2014/main" id="{9C077367-DA23-A7EB-1A0A-4D925382B1B4}"/>
-              </a:ext>
-            </a:extLst>
-          </p:cNvPr>
-          <p:cNvCxnSpPr/>
-          <p:nvPr/>
-        </p:nvCxnSpPr>
-        <p:spPr>
-          <a:xfrm flipH="1" flipV="1">
-            <a:off x="3147060" y="5288280"/>
-            <a:ext cx="2948940" cy="137160"/>
-          </a:xfrm>
-          <a:prstGeom prst="straightConnector1">
-            <a:avLst/>
-          </a:prstGeom>
-          <a:ln>
-            <a:tailEnd type="triangle"/>
-          </a:ln>
-        </p:spPr>
-        <p:style>
-          <a:lnRef idx="1">
-            <a:schemeClr val="accent4"/>
-          </a:lnRef>
-          <a:fillRef idx="0">
-            <a:schemeClr val="accent4"/>
-          </a:fillRef>
-          <a:effectRef idx="0">
-            <a:schemeClr val="accent4"/>
-          </a:effectRef>
-          <a:fontRef idx="minor">
-            <a:schemeClr val="tx1"/>
-          </a:fontRef>
-        </p:style>
-      </p:cxnSp>
-    </p:spTree>
-    <p:extLst>
-      <p:ext uri="{BB962C8B-B14F-4D97-AF65-F5344CB8AC3E}">
-        <p14:creationId xmlns:p14="http://schemas.microsoft.com/office/powerpoint/2010/main" val="3401865100"/>
-      </p:ext>
-    </p:extLst>
-  </p:cSld>
-  <p:clrMapOvr>
-    <a:masterClrMapping/>
-  </p:clrMapOvr>
-</p:sld>
-</file>
-
-<file path=ppt/slides/slide34.xml><?xml version="1.0" encoding="utf-8"?>
-<p:sld xmlns:a="http://schemas.openxmlformats.org/drawingml/2006/main" xmlns:r="http://schemas.openxmlformats.org/officeDocument/2006/relationships" xmlns:p="http://schemas.openxmlformats.org/presentationml/2006/main">
-  <p:cSld>
-    <p:spTree>
-      <p:nvGrpSpPr>
-        <p:cNvPr id="1" name=""/>
-        <p:cNvGrpSpPr/>
-        <p:nvPr/>
-      </p:nvGrpSpPr>
-      <p:grpSpPr>
-        <a:xfrm>
-          <a:off x="0" y="0"/>
-          <a:ext cx="0" cy="0"/>
-          <a:chOff x="0" y="0"/>
-          <a:chExt cx="0" cy="0"/>
-        </a:xfrm>
-      </p:grpSpPr>
-      <p:pic>
-        <p:nvPicPr>
-          <p:cNvPr id="3" name="Picture 2">
-            <a:extLst>
-              <a:ext uri="{FF2B5EF4-FFF2-40B4-BE49-F238E27FC236}">
-                <a16:creationId xmlns:a16="http://schemas.microsoft.com/office/drawing/2014/main" id="{158E84B4-C480-BE59-FB03-332CCB995EFF}"/>
-              </a:ext>
-            </a:extLst>
-          </p:cNvPr>
-          <p:cNvPicPr>
-            <a:picLocks noChangeAspect="1"/>
-          </p:cNvPicPr>
-          <p:nvPr/>
-        </p:nvPicPr>
-        <p:blipFill>
-          <a:blip r:embed="rId2"/>
-          <a:stretch>
-            <a:fillRect/>
-          </a:stretch>
-        </p:blipFill>
-        <p:spPr>
-          <a:xfrm>
-            <a:off x="1353351" y="1269382"/>
-            <a:ext cx="9617273" cy="4884843"/>
-          </a:xfrm>
-          <a:prstGeom prst="rect">
-            <a:avLst/>
-          </a:prstGeom>
-        </p:spPr>
-      </p:pic>
-      <p:sp>
-        <p:nvSpPr>
-          <p:cNvPr id="4" name="TextBox 3">
-            <a:extLst>
-              <a:ext uri="{FF2B5EF4-FFF2-40B4-BE49-F238E27FC236}">
-                <a16:creationId xmlns:a16="http://schemas.microsoft.com/office/drawing/2014/main" id="{62DC4821-71CE-03F3-851C-146F23FEA468}"/>
-              </a:ext>
-            </a:extLst>
-          </p:cNvPr>
-          <p:cNvSpPr txBox="1"/>
-          <p:nvPr/>
-        </p:nvSpPr>
-        <p:spPr>
-          <a:xfrm>
-            <a:off x="1353351" y="900050"/>
-            <a:ext cx="3378425" cy="369332"/>
-          </a:xfrm>
-          <a:prstGeom prst="rect">
-            <a:avLst/>
-          </a:prstGeom>
-          <a:solidFill>
-            <a:schemeClr val="accent4"/>
-          </a:solidFill>
-        </p:spPr>
-        <p:txBody>
-          <a:bodyPr wrap="none" rtlCol="0">
-            <a:spAutoFit/>
-          </a:bodyPr>
-          <a:lstStyle/>
-          <a:p>
-            <a:r>
-              <a:rPr lang="en-US" dirty="0"/>
-              <a:t>Show email content (text content)</a:t>
-            </a:r>
-          </a:p>
-        </p:txBody>
-      </p:sp>
-      <p:sp>
-        <p:nvSpPr>
-          <p:cNvPr id="5" name="TextBox 4">
-            <a:extLst>
-              <a:ext uri="{FF2B5EF4-FFF2-40B4-BE49-F238E27FC236}">
-                <a16:creationId xmlns:a16="http://schemas.microsoft.com/office/drawing/2014/main" id="{EBBCE509-8894-5831-3B3C-EFDEF17B19CD}"/>
-              </a:ext>
-            </a:extLst>
-          </p:cNvPr>
-          <p:cNvSpPr txBox="1"/>
-          <p:nvPr/>
-        </p:nvSpPr>
-        <p:spPr>
-          <a:xfrm>
-            <a:off x="169682" y="2733773"/>
-            <a:ext cx="990849" cy="369332"/>
-          </a:xfrm>
-          <a:prstGeom prst="rect">
-            <a:avLst/>
-          </a:prstGeom>
-          <a:noFill/>
-        </p:spPr>
-        <p:txBody>
-          <a:bodyPr wrap="none" rtlCol="0">
-            <a:spAutoFit/>
-          </a:bodyPr>
-          <a:lstStyle/>
-          <a:p>
-            <a:r>
-              <a:rPr lang="en-US" dirty="0">
-                <a:highlight>
-                  <a:srgbClr val="FFFF00"/>
-                </a:highlight>
-              </a:rPr>
-              <a:t>first part</a:t>
-            </a:r>
-          </a:p>
-        </p:txBody>
-      </p:sp>
-      <p:cxnSp>
-        <p:nvCxnSpPr>
-          <p:cNvPr id="7" name="Straight Arrow Connector 6">
-            <a:extLst>
-              <a:ext uri="{FF2B5EF4-FFF2-40B4-BE49-F238E27FC236}">
-                <a16:creationId xmlns:a16="http://schemas.microsoft.com/office/drawing/2014/main" id="{2F01075E-0C7A-5BA2-B61E-ECDE31676284}"/>
-              </a:ext>
-            </a:extLst>
-          </p:cNvPr>
-          <p:cNvCxnSpPr/>
-          <p:nvPr/>
-        </p:nvCxnSpPr>
-        <p:spPr>
-          <a:xfrm flipV="1">
-            <a:off x="1027522" y="2413262"/>
-            <a:ext cx="603315" cy="505177"/>
-          </a:xfrm>
-          <a:prstGeom prst="straightConnector1">
-            <a:avLst/>
-          </a:prstGeom>
-          <a:ln>
-            <a:tailEnd type="triangle"/>
-          </a:ln>
-        </p:spPr>
-        <p:style>
-          <a:lnRef idx="1">
-            <a:schemeClr val="accent1"/>
-          </a:lnRef>
-          <a:fillRef idx="0">
-            <a:schemeClr val="accent1"/>
-          </a:fillRef>
-          <a:effectRef idx="0">
-            <a:schemeClr val="accent1"/>
-          </a:effectRef>
-          <a:fontRef idx="minor">
-            <a:schemeClr val="tx1"/>
-          </a:fontRef>
-        </p:style>
-      </p:cxnSp>
-    </p:spTree>
-    <p:extLst>
-      <p:ext uri="{BB962C8B-B14F-4D97-AF65-F5344CB8AC3E}">
-        <p14:creationId xmlns:p14="http://schemas.microsoft.com/office/powerpoint/2010/main" val="2508706636"/>
-      </p:ext>
-    </p:extLst>
-  </p:cSld>
-  <p:clrMapOvr>
-    <a:masterClrMapping/>
-  </p:clrMapOvr>
-</p:sld>
-</file>
-
-<file path=ppt/slides/slide35.xml><?xml version="1.0" encoding="utf-8"?>
-<p:sld xmlns:a="http://schemas.openxmlformats.org/drawingml/2006/main" xmlns:r="http://schemas.openxmlformats.org/officeDocument/2006/relationships" xmlns:p="http://schemas.openxmlformats.org/presentationml/2006/main">
-  <p:cSld>
-    <p:spTree>
-      <p:nvGrpSpPr>
-        <p:cNvPr id="1" name=""/>
-        <p:cNvGrpSpPr/>
-        <p:nvPr/>
-      </p:nvGrpSpPr>
-      <p:grpSpPr>
-        <a:xfrm>
-          <a:off x="0" y="0"/>
-          <a:ext cx="0" cy="0"/>
-          <a:chOff x="0" y="0"/>
-          <a:chExt cx="0" cy="0"/>
-        </a:xfrm>
-      </p:grpSpPr>
-      <p:pic>
-        <p:nvPicPr>
-          <p:cNvPr id="3" name="Picture 2">
-            <a:extLst>
-              <a:ext uri="{FF2B5EF4-FFF2-40B4-BE49-F238E27FC236}">
-                <a16:creationId xmlns:a16="http://schemas.microsoft.com/office/drawing/2014/main" id="{4B1E9492-89BC-974F-661D-3C7711A53615}"/>
-              </a:ext>
-            </a:extLst>
-          </p:cNvPr>
-          <p:cNvPicPr>
-            <a:picLocks noChangeAspect="1"/>
-          </p:cNvPicPr>
-          <p:nvPr/>
-        </p:nvPicPr>
-        <p:blipFill>
-          <a:blip r:embed="rId2"/>
-          <a:stretch>
-            <a:fillRect/>
-          </a:stretch>
-        </p:blipFill>
-        <p:spPr>
-          <a:xfrm>
-            <a:off x="883468" y="1207577"/>
-            <a:ext cx="10425063" cy="4442845"/>
-          </a:xfrm>
-          <a:prstGeom prst="rect">
-            <a:avLst/>
-          </a:prstGeom>
-        </p:spPr>
-      </p:pic>
-    </p:spTree>
-    <p:extLst>
-      <p:ext uri="{BB962C8B-B14F-4D97-AF65-F5344CB8AC3E}">
-        <p14:creationId xmlns:p14="http://schemas.microsoft.com/office/powerpoint/2010/main" val="3200028724"/>
-      </p:ext>
-    </p:extLst>
-  </p:cSld>
-  <p:clrMapOvr>
-    <a:masterClrMapping/>
-  </p:clrMapOvr>
-</p:sld>
-</file>
-
-<file path=ppt/slides/slide36.xml><?xml version="1.0" encoding="utf-8"?>
-<p:sld xmlns:a="http://schemas.openxmlformats.org/drawingml/2006/main" xmlns:r="http://schemas.openxmlformats.org/officeDocument/2006/relationships" xmlns:p="http://schemas.openxmlformats.org/presentationml/2006/main">
-  <p:cSld>
-    <p:spTree>
-      <p:nvGrpSpPr>
-        <p:cNvPr id="1" name=""/>
-        <p:cNvGrpSpPr/>
-        <p:nvPr/>
-      </p:nvGrpSpPr>
-      <p:grpSpPr>
-        <a:xfrm>
-          <a:off x="0" y="0"/>
-          <a:ext cx="0" cy="0"/>
-          <a:chOff x="0" y="0"/>
-          <a:chExt cx="0" cy="0"/>
-        </a:xfrm>
-      </p:grpSpPr>
-      <p:pic>
-        <p:nvPicPr>
-          <p:cNvPr id="3" name="Picture 2">
-            <a:extLst>
-              <a:ext uri="{FF2B5EF4-FFF2-40B4-BE49-F238E27FC236}">
-                <a16:creationId xmlns:a16="http://schemas.microsoft.com/office/drawing/2014/main" id="{61A60D24-C33C-CD12-0FE0-004405A94CCB}"/>
-              </a:ext>
-            </a:extLst>
-          </p:cNvPr>
-          <p:cNvPicPr>
-            <a:picLocks noChangeAspect="1"/>
-          </p:cNvPicPr>
-          <p:nvPr/>
-        </p:nvPicPr>
-        <p:blipFill>
-          <a:blip r:embed="rId2"/>
-          <a:stretch>
-            <a:fillRect/>
-          </a:stretch>
-        </p:blipFill>
-        <p:spPr>
-          <a:xfrm>
-            <a:off x="0" y="555587"/>
-            <a:ext cx="12192000" cy="5746826"/>
-          </a:xfrm>
-          <a:prstGeom prst="rect">
-            <a:avLst/>
-          </a:prstGeom>
-        </p:spPr>
-      </p:pic>
-      <p:sp>
-        <p:nvSpPr>
-          <p:cNvPr id="2" name="TextBox 1">
-            <a:extLst>
-              <a:ext uri="{FF2B5EF4-FFF2-40B4-BE49-F238E27FC236}">
-                <a16:creationId xmlns:a16="http://schemas.microsoft.com/office/drawing/2014/main" id="{70B6FA1A-A629-2808-1B3A-44CB068F0DA6}"/>
-              </a:ext>
-            </a:extLst>
-          </p:cNvPr>
-          <p:cNvSpPr txBox="1"/>
-          <p:nvPr/>
-        </p:nvSpPr>
-        <p:spPr>
-          <a:xfrm>
-            <a:off x="0" y="186255"/>
-            <a:ext cx="5304465" cy="369332"/>
-          </a:xfrm>
-          <a:prstGeom prst="rect">
-            <a:avLst/>
-          </a:prstGeom>
-          <a:solidFill>
-            <a:schemeClr val="accent4"/>
-          </a:solidFill>
-        </p:spPr>
-        <p:txBody>
-          <a:bodyPr wrap="none" rtlCol="0">
-            <a:spAutoFit/>
-          </a:bodyPr>
-          <a:lstStyle/>
-          <a:p>
-            <a:r>
-              <a:rPr lang="en-US" dirty="0"/>
-              <a:t>Show email content (Alternative approach: follow TCP)</a:t>
-            </a:r>
-          </a:p>
-        </p:txBody>
-      </p:sp>
-    </p:spTree>
-    <p:extLst>
-      <p:ext uri="{BB962C8B-B14F-4D97-AF65-F5344CB8AC3E}">
-        <p14:creationId xmlns:p14="http://schemas.microsoft.com/office/powerpoint/2010/main" val="882466645"/>
-      </p:ext>
-    </p:extLst>
-  </p:cSld>
-  <p:clrMapOvr>
-    <a:masterClrMapping/>
-  </p:clrMapOvr>
-</p:sld>
-</file>
-
-<file path=ppt/slides/slide37.xml><?xml version="1.0" encoding="utf-8"?>
-<p:sld xmlns:a="http://schemas.openxmlformats.org/drawingml/2006/main" xmlns:r="http://schemas.openxmlformats.org/officeDocument/2006/relationships" xmlns:p="http://schemas.openxmlformats.org/presentationml/2006/main">
-  <p:cSld>
-    <p:spTree>
-      <p:nvGrpSpPr>
-        <p:cNvPr id="1" name=""/>
-        <p:cNvGrpSpPr/>
-        <p:nvPr/>
-      </p:nvGrpSpPr>
-      <p:grpSpPr>
-        <a:xfrm>
-          <a:off x="0" y="0"/>
-          <a:ext cx="0" cy="0"/>
-          <a:chOff x="0" y="0"/>
-          <a:chExt cx="0" cy="0"/>
-        </a:xfrm>
-      </p:grpSpPr>
-      <p:pic>
-        <p:nvPicPr>
-          <p:cNvPr id="3" name="Picture 2">
-            <a:extLst>
-              <a:ext uri="{FF2B5EF4-FFF2-40B4-BE49-F238E27FC236}">
-                <a16:creationId xmlns:a16="http://schemas.microsoft.com/office/drawing/2014/main" id="{E982100B-11E4-5112-3071-346771096389}"/>
-              </a:ext>
-            </a:extLst>
-          </p:cNvPr>
-          <p:cNvPicPr>
-            <a:picLocks noChangeAspect="1"/>
-          </p:cNvPicPr>
-          <p:nvPr/>
-        </p:nvPicPr>
-        <p:blipFill>
-          <a:blip r:embed="rId2"/>
-          <a:stretch>
-            <a:fillRect/>
-          </a:stretch>
-        </p:blipFill>
-        <p:spPr>
-          <a:xfrm>
-            <a:off x="2897596" y="0"/>
-            <a:ext cx="6396807" cy="6858000"/>
-          </a:xfrm>
-          <a:prstGeom prst="rect">
-            <a:avLst/>
-          </a:prstGeom>
-        </p:spPr>
-      </p:pic>
-    </p:spTree>
-    <p:extLst>
-      <p:ext uri="{BB962C8B-B14F-4D97-AF65-F5344CB8AC3E}">
-        <p14:creationId xmlns:p14="http://schemas.microsoft.com/office/powerpoint/2010/main" val="2208366269"/>
-      </p:ext>
-    </p:extLst>
-  </p:cSld>
-  <p:clrMapOvr>
-    <a:masterClrMapping/>
-  </p:clrMapOvr>
-</p:sld>
-</file>
-
-<file path=ppt/slides/slide38.xml><?xml version="1.0" encoding="utf-8"?>
-<p:sld xmlns:a="http://schemas.openxmlformats.org/drawingml/2006/main" xmlns:r="http://schemas.openxmlformats.org/officeDocument/2006/relationships" xmlns:p="http://schemas.openxmlformats.org/presentationml/2006/main">
-  <p:cSld>
-    <p:spTree>
-      <p:nvGrpSpPr>
-        <p:cNvPr id="1" name=""/>
-        <p:cNvGrpSpPr/>
-        <p:nvPr/>
-      </p:nvGrpSpPr>
-      <p:grpSpPr>
-        <a:xfrm>
-          <a:off x="0" y="0"/>
-          <a:ext cx="0" cy="0"/>
-          <a:chOff x="0" y="0"/>
-          <a:chExt cx="0" cy="0"/>
-        </a:xfrm>
-      </p:grpSpPr>
-      <p:sp>
-        <p:nvSpPr>
-          <p:cNvPr id="2" name="Title 1">
-            <a:extLst>
-              <a:ext uri="{FF2B5EF4-FFF2-40B4-BE49-F238E27FC236}">
-                <a16:creationId xmlns:a16="http://schemas.microsoft.com/office/drawing/2014/main" id="{B37C8057-B744-8972-AC99-BB68CFCC337F}"/>
-              </a:ext>
-            </a:extLst>
-          </p:cNvPr>
-          <p:cNvSpPr>
-            <a:spLocks noGrp="1"/>
-          </p:cNvSpPr>
-          <p:nvPr>
-            <p:ph type="title"/>
-          </p:nvPr>
-        </p:nvSpPr>
-        <p:spPr/>
-        <p:txBody>
-          <a:bodyPr/>
-          <a:lstStyle/>
-          <a:p>
-            <a:r>
-              <a:rPr lang="en-US" dirty="0"/>
-              <a:t>Questions you need to answer</a:t>
-            </a:r>
-          </a:p>
-        </p:txBody>
-      </p:sp>
-      <p:sp>
-        <p:nvSpPr>
-          <p:cNvPr id="3" name="Content Placeholder 2">
-            <a:extLst>
-              <a:ext uri="{FF2B5EF4-FFF2-40B4-BE49-F238E27FC236}">
-                <a16:creationId xmlns:a16="http://schemas.microsoft.com/office/drawing/2014/main" id="{8D0E36C0-7010-4578-28A9-4DFB9B3E343D}"/>
-              </a:ext>
-            </a:extLst>
-          </p:cNvPr>
-          <p:cNvSpPr>
-            <a:spLocks noGrp="1"/>
-          </p:cNvSpPr>
-          <p:nvPr>
-            <p:ph idx="1"/>
-          </p:nvPr>
-        </p:nvSpPr>
-        <p:spPr/>
-        <p:txBody>
-          <a:bodyPr>
-            <a:normAutofit lnSpcReduction="10000"/>
-          </a:bodyPr>
-          <a:lstStyle/>
-          <a:p>
-            <a:r>
-              <a:rPr lang="en-GB" dirty="0"/>
-              <a:t>When did it happen?</a:t>
-            </a:r>
-          </a:p>
-          <a:p>
-            <a:pPr lvl="1"/>
-            <a:r>
-              <a:rPr lang="en-GB" dirty="0"/>
-              <a:t>the timestamps email</a:t>
-            </a:r>
-          </a:p>
-          <a:p>
-            <a:r>
-              <a:rPr lang="en-GB"/>
-              <a:t>The email client</a:t>
-            </a:r>
-            <a:endParaRPr lang="en-GB" dirty="0"/>
-          </a:p>
-          <a:p>
-            <a:pPr lvl="1"/>
-            <a:r>
-              <a:rPr lang="en-GB" dirty="0"/>
-              <a:t>outlook</a:t>
-            </a:r>
-          </a:p>
-          <a:p>
-            <a:r>
-              <a:rPr lang="en-GB" dirty="0"/>
-              <a:t>The content of the email</a:t>
-            </a:r>
-          </a:p>
-          <a:p>
-            <a:pPr lvl="1"/>
-            <a:r>
-              <a:rPr lang="en-GB" dirty="0"/>
-              <a:t>multiple parts</a:t>
-            </a:r>
-          </a:p>
-          <a:p>
-            <a:r>
-              <a:rPr lang="en-GB" dirty="0"/>
-              <a:t>What was the approach?</a:t>
-            </a:r>
-          </a:p>
-          <a:p>
-            <a:pPr lvl="1"/>
-            <a:r>
-              <a:rPr lang="en-GB" dirty="0"/>
-              <a:t>ports (sender and receiver)</a:t>
-            </a:r>
-          </a:p>
-          <a:p>
-            <a:pPr lvl="1"/>
-            <a:r>
-              <a:rPr lang="en-GB" dirty="0"/>
-              <a:t>IP addresses (sender and receiver)</a:t>
-            </a:r>
-          </a:p>
-          <a:p>
-            <a:pPr lvl="1"/>
-            <a:r>
-              <a:rPr lang="en-GB" dirty="0"/>
-              <a:t>Mac addresses (sender and receiver)</a:t>
-            </a:r>
-          </a:p>
-        </p:txBody>
-      </p:sp>
-    </p:spTree>
-    <p:extLst>
-      <p:ext uri="{BB962C8B-B14F-4D97-AF65-F5344CB8AC3E}">
-        <p14:creationId xmlns:p14="http://schemas.microsoft.com/office/powerpoint/2010/main" val="4026948950"/>
-      </p:ext>
-    </p:extLst>
-  </p:cSld>
-  <p:clrMapOvr>
-    <a:masterClrMapping/>
-  </p:clrMapOvr>
-</p:sld>
-</file>
-
-<file path=ppt/slides/slide39.xml><?xml version="1.0" encoding="utf-8"?>
-<p:sld xmlns:a="http://schemas.openxmlformats.org/drawingml/2006/main" xmlns:r="http://schemas.openxmlformats.org/officeDocument/2006/relationships" xmlns:p="http://schemas.openxmlformats.org/presentationml/2006/main">
-  <p:cSld>
-    <p:spTree>
-      <p:nvGrpSpPr>
-        <p:cNvPr id="1" name=""/>
-        <p:cNvGrpSpPr/>
-        <p:nvPr/>
-      </p:nvGrpSpPr>
-      <p:grpSpPr>
-        <a:xfrm>
-          <a:off x="0" y="0"/>
-          <a:ext cx="0" cy="0"/>
-          <a:chOff x="0" y="0"/>
-          <a:chExt cx="0" cy="0"/>
-        </a:xfrm>
-      </p:grpSpPr>
-      <p:sp>
-        <p:nvSpPr>
-          <p:cNvPr id="2" name="Title 1">
-            <a:extLst>
-              <a:ext uri="{FF2B5EF4-FFF2-40B4-BE49-F238E27FC236}">
-                <a16:creationId xmlns:a16="http://schemas.microsoft.com/office/drawing/2014/main" id="{52F19672-C09E-CF84-67EA-1E64CAC21D47}"/>
-              </a:ext>
-            </a:extLst>
-          </p:cNvPr>
-          <p:cNvSpPr>
-            <a:spLocks noGrp="1"/>
-          </p:cNvSpPr>
-          <p:nvPr>
-            <p:ph type="title"/>
-          </p:nvPr>
-        </p:nvSpPr>
-        <p:spPr/>
-        <p:txBody>
-          <a:bodyPr/>
-          <a:lstStyle/>
-          <a:p>
-            <a:r>
-              <a:rPr lang="en-US" dirty="0"/>
-              <a:t>Extra credits</a:t>
-            </a:r>
-          </a:p>
-        </p:txBody>
-      </p:sp>
-      <p:sp>
-        <p:nvSpPr>
-          <p:cNvPr id="3" name="Content Placeholder 2">
-            <a:extLst>
-              <a:ext uri="{FF2B5EF4-FFF2-40B4-BE49-F238E27FC236}">
-                <a16:creationId xmlns:a16="http://schemas.microsoft.com/office/drawing/2014/main" id="{9B7528FA-D0DA-F2BA-BE7B-644B3D4C63EA}"/>
-              </a:ext>
-            </a:extLst>
-          </p:cNvPr>
-          <p:cNvSpPr>
-            <a:spLocks noGrp="1"/>
-          </p:cNvSpPr>
-          <p:nvPr>
-            <p:ph idx="1"/>
-          </p:nvPr>
-        </p:nvSpPr>
-        <p:spPr/>
-        <p:txBody>
-          <a:bodyPr/>
-          <a:lstStyle/>
-          <a:p>
-            <a:r>
-              <a:rPr lang="en-US" dirty="0"/>
-              <a:t>Sniff SMTP traffic</a:t>
-            </a:r>
-          </a:p>
-        </p:txBody>
-      </p:sp>
-    </p:spTree>
-    <p:extLst>
-      <p:ext uri="{BB962C8B-B14F-4D97-AF65-F5344CB8AC3E}">
-        <p14:creationId xmlns:p14="http://schemas.microsoft.com/office/powerpoint/2010/main" val="4081980283"/>
-      </p:ext>
-    </p:extLst>
-  </p:cSld>
-  <p:clrMapOvr>
-    <a:masterClrMapping/>
-  </p:clrMapOvr>
-</p:sld>
-</file>
-
-<file path=ppt/slides/slide4.xml><?xml version="1.0" encoding="utf-8"?>
-<p:sld xmlns:a="http://schemas.openxmlformats.org/drawingml/2006/main" xmlns:r="http://schemas.openxmlformats.org/officeDocument/2006/relationships" xmlns:p="http://schemas.openxmlformats.org/presentationml/2006/main">
-  <p:cSld>
-    <p:spTree>
-      <p:nvGrpSpPr>
-        <p:cNvPr id="1" name=""/>
-        <p:cNvGrpSpPr/>
-        <p:nvPr/>
-      </p:nvGrpSpPr>
-      <p:grpSpPr>
-        <a:xfrm>
-          <a:off x="0" y="0"/>
-          <a:ext cx="0" cy="0"/>
-          <a:chOff x="0" y="0"/>
-          <a:chExt cx="0" cy="0"/>
-        </a:xfrm>
-      </p:grpSpPr>
-      <p:sp>
-        <p:nvSpPr>
-          <p:cNvPr id="2" name="Title 1">
-            <a:extLst>
-              <a:ext uri="{FF2B5EF4-FFF2-40B4-BE49-F238E27FC236}">
-                <a16:creationId xmlns:a16="http://schemas.microsoft.com/office/drawing/2014/main" id="{2846978B-3A38-5DC1-C5F9-4DF7F3341FEA}"/>
-              </a:ext>
-            </a:extLst>
-          </p:cNvPr>
-          <p:cNvSpPr>
-            <a:spLocks noGrp="1"/>
-          </p:cNvSpPr>
-          <p:nvPr>
-            <p:ph type="title"/>
-          </p:nvPr>
-        </p:nvSpPr>
-        <p:spPr/>
-        <p:txBody>
-          <a:bodyPr/>
-          <a:lstStyle/>
-          <a:p>
-            <a:r>
-              <a:rPr lang="en-US" dirty="0"/>
-              <a:t>Domain Name System (DNS)</a:t>
-            </a:r>
-          </a:p>
-        </p:txBody>
-      </p:sp>
-      <p:sp>
-        <p:nvSpPr>
-          <p:cNvPr id="3" name="Content Placeholder 2">
-            <a:extLst>
-              <a:ext uri="{FF2B5EF4-FFF2-40B4-BE49-F238E27FC236}">
-                <a16:creationId xmlns:a16="http://schemas.microsoft.com/office/drawing/2014/main" id="{C48E09DE-FBFC-AA04-8BD0-84D1DCBEA870}"/>
-              </a:ext>
-            </a:extLst>
-          </p:cNvPr>
-          <p:cNvSpPr>
-            <a:spLocks noGrp="1"/>
-          </p:cNvSpPr>
-          <p:nvPr>
-            <p:ph idx="1"/>
-          </p:nvPr>
-        </p:nvSpPr>
-        <p:spPr/>
-        <p:txBody>
-          <a:bodyPr/>
-          <a:lstStyle/>
-          <a:p>
-            <a:r>
-              <a:rPr lang="en-GB" dirty="0"/>
-              <a:t>Motivation</a:t>
-            </a:r>
-          </a:p>
-          <a:p>
-            <a:pPr lvl="1"/>
-            <a:r>
-              <a:rPr lang="en-GB" dirty="0"/>
-              <a:t>IP numbers are difficult to remember</a:t>
-            </a:r>
-          </a:p>
-          <a:p>
-            <a:pPr lvl="1"/>
-            <a:r>
-              <a:rPr lang="en-GB" dirty="0"/>
-              <a:t>Need easy-to-remember domain names</a:t>
-            </a:r>
-          </a:p>
-          <a:p>
-            <a:r>
-              <a:rPr lang="en-GB" dirty="0"/>
-              <a:t>Solution: DNS</a:t>
-            </a:r>
-          </a:p>
-          <a:p>
-            <a:pPr lvl="1"/>
-            <a:r>
-              <a:rPr lang="en-GB" dirty="0"/>
-              <a:t>Translate human-readable domain names</a:t>
-            </a:r>
-          </a:p>
-          <a:p>
-            <a:pPr lvl="2"/>
-            <a:r>
-              <a:rPr lang="en-GB" dirty="0">
-                <a:hlinkClick r:id="rId2"/>
-              </a:rPr>
-              <a:t>www.example.com</a:t>
-            </a:r>
-            <a:r>
-              <a:rPr lang="en-GB" dirty="0"/>
-              <a:t> =&gt; 192.0.2.1</a:t>
-            </a:r>
-          </a:p>
-          <a:p>
-            <a:r>
-              <a:rPr lang="en-GB" dirty="0"/>
-              <a:t>Think about how your computer or tablet knows where to find your </a:t>
-            </a:r>
-            <a:r>
-              <a:rPr lang="en-GB" dirty="0" err="1"/>
-              <a:t>favorite</a:t>
-            </a:r>
-            <a:r>
-              <a:rPr lang="en-GB" dirty="0"/>
-              <a:t> websites like YouTube or Roblox? </a:t>
-            </a:r>
-          </a:p>
-          <a:p>
-            <a:pPr lvl="1"/>
-            <a:r>
-              <a:rPr lang="en-GB" dirty="0"/>
-              <a:t>That's where DNS comes in!</a:t>
-            </a:r>
-          </a:p>
-          <a:p>
-            <a:endParaRPr lang="en-GB" dirty="0"/>
-          </a:p>
-        </p:txBody>
-      </p:sp>
-    </p:spTree>
-    <p:extLst>
-      <p:ext uri="{BB962C8B-B14F-4D97-AF65-F5344CB8AC3E}">
-        <p14:creationId xmlns:p14="http://schemas.microsoft.com/office/powerpoint/2010/main" val="664956363"/>
-      </p:ext>
-    </p:extLst>
-  </p:cSld>
-  <p:clrMapOvr>
-    <a:masterClrMapping/>
-  </p:clrMapOvr>
-</p:sld>
-</file>
-
-<file path=ppt/slides/slide5.xml><?xml version="1.0" encoding="utf-8"?>
-<p:sld xmlns:a="http://schemas.openxmlformats.org/drawingml/2006/main" xmlns:r="http://schemas.openxmlformats.org/officeDocument/2006/relationships" xmlns:p="http://schemas.openxmlformats.org/presentationml/2006/main">
-  <p:cSld>
-    <p:spTree>
-      <p:nvGrpSpPr>
-        <p:cNvPr id="1" name=""/>
-        <p:cNvGrpSpPr/>
-        <p:nvPr/>
-      </p:nvGrpSpPr>
-      <p:grpSpPr>
-        <a:xfrm>
-          <a:off x="0" y="0"/>
-          <a:ext cx="0" cy="0"/>
-          <a:chOff x="0" y="0"/>
-          <a:chExt cx="0" cy="0"/>
-        </a:xfrm>
-      </p:grpSpPr>
-      <p:sp>
-        <p:nvSpPr>
-          <p:cNvPr id="2" name="Title 1">
-            <a:extLst>
-              <a:ext uri="{FF2B5EF4-FFF2-40B4-BE49-F238E27FC236}">
-                <a16:creationId xmlns:a16="http://schemas.microsoft.com/office/drawing/2014/main" id="{53F5265D-AF34-9F96-1F20-E058E5B9B05E}"/>
-              </a:ext>
-            </a:extLst>
-          </p:cNvPr>
-          <p:cNvSpPr>
-            <a:spLocks noGrp="1"/>
-          </p:cNvSpPr>
-          <p:nvPr>
-            <p:ph type="title"/>
-          </p:nvPr>
-        </p:nvSpPr>
-        <p:spPr/>
-        <p:txBody>
-          <a:bodyPr/>
-          <a:lstStyle/>
-          <a:p>
-            <a:r>
-              <a:rPr lang="en-GB" dirty="0"/>
-              <a:t>DNS like a phone book for the internet</a:t>
-            </a:r>
-            <a:endParaRPr lang="en-US" dirty="0"/>
-          </a:p>
-        </p:txBody>
-      </p:sp>
-      <p:sp>
-        <p:nvSpPr>
-          <p:cNvPr id="3" name="Content Placeholder 2">
-            <a:extLst>
-              <a:ext uri="{FF2B5EF4-FFF2-40B4-BE49-F238E27FC236}">
-                <a16:creationId xmlns:a16="http://schemas.microsoft.com/office/drawing/2014/main" id="{6A3F9492-DD44-720F-871D-D4583D5FD2CD}"/>
-              </a:ext>
-            </a:extLst>
-          </p:cNvPr>
-          <p:cNvSpPr>
-            <a:spLocks noGrp="1"/>
-          </p:cNvSpPr>
-          <p:nvPr>
-            <p:ph idx="1"/>
-          </p:nvPr>
-        </p:nvSpPr>
-        <p:spPr/>
-        <p:txBody>
-          <a:bodyPr>
-            <a:normAutofit fontScale="92500" lnSpcReduction="10000"/>
-          </a:bodyPr>
-          <a:lstStyle/>
-          <a:p>
-            <a:r>
-              <a:rPr lang="en-GB" dirty="0"/>
-              <a:t>Just like how you can look up your friend's phone number in a phone book to call them</a:t>
-            </a:r>
-          </a:p>
-          <a:p>
-            <a:pPr lvl="1"/>
-            <a:r>
-              <a:rPr lang="en-GB" dirty="0"/>
-              <a:t>your computer or tablet uses DNS to look up the address of a website you want to visit on the internet.</a:t>
-            </a:r>
-          </a:p>
-          <a:p>
-            <a:r>
-              <a:rPr lang="en-GB" dirty="0"/>
-              <a:t>When you type in the name of a website like YouTube</a:t>
-            </a:r>
-          </a:p>
-          <a:p>
-            <a:pPr lvl="1"/>
-            <a:r>
-              <a:rPr lang="en-GB" dirty="0"/>
-              <a:t>your computer or tablet sends a message to a special computer called a DNS server.</a:t>
-            </a:r>
-          </a:p>
-          <a:p>
-            <a:pPr lvl="1"/>
-            <a:r>
-              <a:rPr lang="en-GB" dirty="0"/>
-              <a:t>The DNS server looks up the address of YouTube and sends it back to your computer or tablet. </a:t>
-            </a:r>
-          </a:p>
-          <a:p>
-            <a:pPr lvl="1"/>
-            <a:r>
-              <a:rPr lang="en-GB" dirty="0"/>
-              <a:t>Then, your computer or tablet uses that address to find YouTube and show you all your </a:t>
-            </a:r>
-            <a:r>
-              <a:rPr lang="en-GB" dirty="0" err="1"/>
-              <a:t>favorite</a:t>
-            </a:r>
-            <a:r>
-              <a:rPr lang="en-GB" dirty="0"/>
-              <a:t> videos!</a:t>
-            </a:r>
-          </a:p>
-          <a:p>
-            <a:r>
-              <a:rPr lang="en-GB" dirty="0"/>
-              <a:t>So, the next time you use the internet, remember that DNS is working behind the scenes to make it all possible!</a:t>
-            </a:r>
-            <a:endParaRPr lang="en-US" dirty="0"/>
-          </a:p>
-        </p:txBody>
-      </p:sp>
-    </p:spTree>
-    <p:extLst>
-      <p:ext uri="{BB962C8B-B14F-4D97-AF65-F5344CB8AC3E}">
-        <p14:creationId xmlns:p14="http://schemas.microsoft.com/office/powerpoint/2010/main" val="2809048179"/>
-      </p:ext>
-    </p:extLst>
-  </p:cSld>
-  <p:clrMapOvr>
-    <a:masterClrMapping/>
-  </p:clrMapOvr>
-</p:sld>
-</file>
-
-<file path=ppt/slides/slide6.xml><?xml version="1.0" encoding="utf-8"?>
-<p:sld xmlns:a="http://schemas.openxmlformats.org/drawingml/2006/main" xmlns:r="http://schemas.openxmlformats.org/officeDocument/2006/relationships" xmlns:p="http://schemas.openxmlformats.org/presentationml/2006/main">
-  <p:cSld>
-    <p:spTree>
-      <p:nvGrpSpPr>
-        <p:cNvPr id="1" name=""/>
-        <p:cNvGrpSpPr/>
-        <p:nvPr/>
-      </p:nvGrpSpPr>
-      <p:grpSpPr>
-        <a:xfrm>
-          <a:off x="0" y="0"/>
-          <a:ext cx="0" cy="0"/>
-          <a:chOff x="0" y="0"/>
-          <a:chExt cx="0" cy="0"/>
-        </a:xfrm>
-      </p:grpSpPr>
-      <p:sp>
-        <p:nvSpPr>
-          <p:cNvPr id="4" name="Title 3">
-            <a:extLst>
-              <a:ext uri="{FF2B5EF4-FFF2-40B4-BE49-F238E27FC236}">
-                <a16:creationId xmlns:a16="http://schemas.microsoft.com/office/drawing/2014/main" id="{D3B12141-115D-3C6E-E215-9CEEF53E39B4}"/>
-              </a:ext>
-            </a:extLst>
-          </p:cNvPr>
-          <p:cNvSpPr>
-            <a:spLocks noGrp="1"/>
-          </p:cNvSpPr>
-          <p:nvPr>
-            <p:ph type="title"/>
-          </p:nvPr>
-        </p:nvSpPr>
-        <p:spPr>
-          <a:xfrm>
-            <a:off x="838200" y="365125"/>
-            <a:ext cx="4640580" cy="1325563"/>
-          </a:xfrm>
-        </p:spPr>
-        <p:txBody>
-          <a:bodyPr>
-            <a:normAutofit fontScale="90000"/>
-          </a:bodyPr>
-          <a:lstStyle/>
-          <a:p>
-            <a:r>
-              <a:rPr lang="en-GB" dirty="0"/>
-              <a:t>DNS is a hierarchical naming system</a:t>
-            </a:r>
-            <a:endParaRPr lang="en-US" dirty="0"/>
-          </a:p>
-        </p:txBody>
-      </p:sp>
-      <p:pic>
-        <p:nvPicPr>
-          <p:cNvPr id="1026" name="Picture 2" descr="A visual explanation of how DNS lookups work - Pingdom">
-            <a:extLst>
-              <a:ext uri="{FF2B5EF4-FFF2-40B4-BE49-F238E27FC236}">
-                <a16:creationId xmlns:a16="http://schemas.microsoft.com/office/drawing/2014/main" id="{102C611A-28EC-44F6-0C1E-8E87C7E6C95E}"/>
-              </a:ext>
-            </a:extLst>
-          </p:cNvPr>
-          <p:cNvPicPr>
-            <a:picLocks noChangeAspect="1" noChangeArrowheads="1"/>
-          </p:cNvPicPr>
-          <p:nvPr/>
-        </p:nvPicPr>
-        <p:blipFill>
-          <a:blip r:embed="rId2">
-            <a:extLst>
-              <a:ext uri="{28A0092B-C50C-407E-A947-70E740481C1C}">
-                <a14:useLocalDpi xmlns:a14="http://schemas.microsoft.com/office/drawing/2010/main" val="0"/>
-              </a:ext>
-            </a:extLst>
-          </a:blip>
-          <a:srcRect/>
-          <a:stretch>
-            <a:fillRect/>
-          </a:stretch>
-        </p:blipFill>
-        <p:spPr bwMode="auto">
-          <a:xfrm>
-            <a:off x="7099343" y="43064"/>
-            <a:ext cx="4978357" cy="5151914"/>
-          </a:xfrm>
-          <a:prstGeom prst="rect">
-            <a:avLst/>
-          </a:prstGeom>
-          <a:noFill/>
-          <a:extLst>
-            <a:ext uri="{909E8E84-426E-40DD-AFC4-6F175D3DCCD1}">
-              <a14:hiddenFill xmlns:a14="http://schemas.microsoft.com/office/drawing/2010/main">
-                <a:solidFill>
-                  <a:srgbClr val="FFFFFF"/>
-                </a:solidFill>
-              </a14:hiddenFill>
-            </a:ext>
-          </a:extLst>
-        </p:spPr>
-      </p:pic>
-      <p:sp>
-        <p:nvSpPr>
-          <p:cNvPr id="6" name="TextBox 5">
-            <a:extLst>
-              <a:ext uri="{FF2B5EF4-FFF2-40B4-BE49-F238E27FC236}">
-                <a16:creationId xmlns:a16="http://schemas.microsoft.com/office/drawing/2014/main" id="{AA3D6018-BF2A-A1B3-2528-2EF8415D736E}"/>
-              </a:ext>
-            </a:extLst>
-          </p:cNvPr>
-          <p:cNvSpPr txBox="1"/>
-          <p:nvPr/>
-        </p:nvSpPr>
-        <p:spPr>
-          <a:xfrm>
-            <a:off x="4427220" y="6285126"/>
-            <a:ext cx="4960620" cy="415498"/>
-          </a:xfrm>
-          <a:prstGeom prst="rect">
-            <a:avLst/>
-          </a:prstGeom>
-          <a:noFill/>
-        </p:spPr>
-        <p:txBody>
-          <a:bodyPr wrap="square">
-            <a:spAutoFit/>
-          </a:bodyPr>
-          <a:lstStyle/>
-          <a:p>
-            <a:r>
-              <a:rPr lang="en-US" sz="1050" dirty="0"/>
-              <a:t>https://www.inetdaemon.com/tutorials/internet/dns/operation/hierarchy.shtml</a:t>
-            </a:r>
-          </a:p>
-          <a:p>
-            <a:r>
-              <a:rPr lang="en-US" sz="1050" dirty="0"/>
-              <a:t>https://www.pingdom.com/blog/a-visual-explanation-of-how-dns-lookups-work/</a:t>
-            </a:r>
-          </a:p>
-        </p:txBody>
-      </p:sp>
-      <p:pic>
-        <p:nvPicPr>
-          <p:cNvPr id="1028" name="Picture 4">
-            <a:extLst>
-              <a:ext uri="{FF2B5EF4-FFF2-40B4-BE49-F238E27FC236}">
-                <a16:creationId xmlns:a16="http://schemas.microsoft.com/office/drawing/2014/main" id="{06391B3D-A222-9DDD-80C5-4FCB486C4166}"/>
-              </a:ext>
-            </a:extLst>
-          </p:cNvPr>
-          <p:cNvPicPr>
-            <a:picLocks noChangeAspect="1" noChangeArrowheads="1"/>
-          </p:cNvPicPr>
-          <p:nvPr/>
-        </p:nvPicPr>
-        <p:blipFill>
-          <a:blip r:embed="rId3">
-            <a:extLst>
-              <a:ext uri="{28A0092B-C50C-407E-A947-70E740481C1C}">
-                <a14:useLocalDpi xmlns:a14="http://schemas.microsoft.com/office/drawing/2010/main" val="0"/>
-              </a:ext>
-            </a:extLst>
-          </a:blip>
-          <a:srcRect/>
-          <a:stretch>
-            <a:fillRect/>
-          </a:stretch>
-        </p:blipFill>
-        <p:spPr bwMode="auto">
-          <a:xfrm>
-            <a:off x="373379" y="1820228"/>
-            <a:ext cx="6730856" cy="3374750"/>
-          </a:xfrm>
-          <a:prstGeom prst="rect">
-            <a:avLst/>
-          </a:prstGeom>
-          <a:noFill/>
-          <a:extLst>
-            <a:ext uri="{909E8E84-426E-40DD-AFC4-6F175D3DCCD1}">
-              <a14:hiddenFill xmlns:a14="http://schemas.microsoft.com/office/drawing/2010/main">
-                <a:solidFill>
-                  <a:srgbClr val="FFFFFF"/>
-                </a:solidFill>
-              </a14:hiddenFill>
-            </a:ext>
-          </a:extLst>
-        </p:spPr>
-      </p:pic>
-    </p:spTree>
-    <p:extLst>
-      <p:ext uri="{BB962C8B-B14F-4D97-AF65-F5344CB8AC3E}">
-        <p14:creationId xmlns:p14="http://schemas.microsoft.com/office/powerpoint/2010/main" val="2939029914"/>
-      </p:ext>
-    </p:extLst>
-  </p:cSld>
-  <p:clrMapOvr>
-    <a:masterClrMapping/>
-  </p:clrMapOvr>
-</p:sld>
-</file>
-
-<file path=ppt/slides/slide7.xml><?xml version="1.0" encoding="utf-8"?>
-<p:sld xmlns:a="http://schemas.openxmlformats.org/drawingml/2006/main" xmlns:r="http://schemas.openxmlformats.org/officeDocument/2006/relationships" xmlns:p="http://schemas.openxmlformats.org/presentationml/2006/main">
-  <p:cSld>
-    <p:spTree>
-      <p:nvGrpSpPr>
-        <p:cNvPr id="1" name=""/>
-        <p:cNvGrpSpPr/>
-        <p:nvPr/>
-      </p:nvGrpSpPr>
-      <p:grpSpPr>
-        <a:xfrm>
-          <a:off x="0" y="0"/>
-          <a:ext cx="0" cy="0"/>
-          <a:chOff x="0" y="0"/>
-          <a:chExt cx="0" cy="0"/>
-        </a:xfrm>
-      </p:grpSpPr>
-      <p:pic>
-        <p:nvPicPr>
-          <p:cNvPr id="3" name="Picture 2">
-            <a:extLst>
-              <a:ext uri="{FF2B5EF4-FFF2-40B4-BE49-F238E27FC236}">
-                <a16:creationId xmlns:a16="http://schemas.microsoft.com/office/drawing/2014/main" id="{F84635EA-2C05-1FD9-5EEB-58F830798AFA}"/>
-              </a:ext>
-            </a:extLst>
-          </p:cNvPr>
-          <p:cNvPicPr>
-            <a:picLocks noChangeAspect="1"/>
-          </p:cNvPicPr>
-          <p:nvPr/>
-        </p:nvPicPr>
-        <p:blipFill>
-          <a:blip r:embed="rId2"/>
-          <a:stretch>
-            <a:fillRect/>
-          </a:stretch>
-        </p:blipFill>
-        <p:spPr>
-          <a:xfrm>
-            <a:off x="814427" y="1994344"/>
-            <a:ext cx="10539373" cy="3558848"/>
-          </a:xfrm>
-          <a:prstGeom prst="rect">
-            <a:avLst/>
-          </a:prstGeom>
-        </p:spPr>
-      </p:pic>
-      <p:sp>
-        <p:nvSpPr>
-          <p:cNvPr id="5" name="TextBox 4">
-            <a:extLst>
-              <a:ext uri="{FF2B5EF4-FFF2-40B4-BE49-F238E27FC236}">
-                <a16:creationId xmlns:a16="http://schemas.microsoft.com/office/drawing/2014/main" id="{F0287B71-15A2-812D-AC6B-180CBAD823A8}"/>
-              </a:ext>
-            </a:extLst>
-          </p:cNvPr>
-          <p:cNvSpPr txBox="1"/>
-          <p:nvPr/>
-        </p:nvSpPr>
-        <p:spPr>
-          <a:xfrm>
-            <a:off x="1678337" y="5748440"/>
-            <a:ext cx="6172200" cy="369332"/>
-          </a:xfrm>
-          <a:prstGeom prst="rect">
-            <a:avLst/>
-          </a:prstGeom>
-          <a:noFill/>
-        </p:spPr>
-        <p:txBody>
-          <a:bodyPr wrap="square">
-            <a:spAutoFit/>
-          </a:bodyPr>
-          <a:lstStyle/>
-          <a:p>
-            <a:r>
-              <a:rPr lang="en-US" dirty="0"/>
-              <a:t>https://wiki.wireshark.org/SampleCaptures</a:t>
-            </a:r>
-          </a:p>
-        </p:txBody>
-      </p:sp>
-      <p:sp>
-        <p:nvSpPr>
-          <p:cNvPr id="2" name="Title 1">
-            <a:extLst>
-              <a:ext uri="{FF2B5EF4-FFF2-40B4-BE49-F238E27FC236}">
-                <a16:creationId xmlns:a16="http://schemas.microsoft.com/office/drawing/2014/main" id="{5796C859-06D8-653E-C425-A6578D689C62}"/>
-              </a:ext>
-            </a:extLst>
-          </p:cNvPr>
-          <p:cNvSpPr>
-            <a:spLocks noGrp="1"/>
-          </p:cNvSpPr>
-          <p:nvPr>
-            <p:ph type="title"/>
-          </p:nvPr>
-        </p:nvSpPr>
-        <p:spPr/>
-        <p:txBody>
-          <a:bodyPr/>
-          <a:lstStyle/>
-          <a:p>
-            <a:r>
-              <a:rPr lang="en-US" dirty="0"/>
-              <a:t>Lab Files</a:t>
-            </a:r>
-          </a:p>
-        </p:txBody>
-      </p:sp>
-    </p:spTree>
-    <p:extLst>
-      <p:ext uri="{BB962C8B-B14F-4D97-AF65-F5344CB8AC3E}">
-        <p14:creationId xmlns:p14="http://schemas.microsoft.com/office/powerpoint/2010/main" val="1753387112"/>
-      </p:ext>
-    </p:extLst>
-  </p:cSld>
-  <p:clrMapOvr>
-    <a:masterClrMapping/>
-  </p:clrMapOvr>
-</p:sld>
-</file>
-
-<file path=ppt/slides/slide8.xml><?xml version="1.0" encoding="utf-8"?>
-<p:sld xmlns:a="http://schemas.openxmlformats.org/drawingml/2006/main" xmlns:r="http://schemas.openxmlformats.org/officeDocument/2006/relationships" xmlns:p="http://schemas.openxmlformats.org/presentationml/2006/main">
-  <p:cSld>
-    <p:spTree>
-      <p:nvGrpSpPr>
-        <p:cNvPr id="1" name=""/>
-        <p:cNvGrpSpPr/>
-        <p:nvPr/>
-      </p:nvGrpSpPr>
-      <p:grpSpPr>
-        <a:xfrm>
-          <a:off x="0" y="0"/>
-          <a:ext cx="0" cy="0"/>
-          <a:chOff x="0" y="0"/>
-          <a:chExt cx="0" cy="0"/>
-        </a:xfrm>
-      </p:grpSpPr>
-      <p:pic>
-        <p:nvPicPr>
-          <p:cNvPr id="5" name="Picture 4">
-            <a:extLst>
-              <a:ext uri="{FF2B5EF4-FFF2-40B4-BE49-F238E27FC236}">
-                <a16:creationId xmlns:a16="http://schemas.microsoft.com/office/drawing/2014/main" id="{3798B89F-4640-CDB1-B3C3-CE1996C3EFC9}"/>
-              </a:ext>
-            </a:extLst>
-          </p:cNvPr>
-          <p:cNvPicPr>
-            <a:picLocks noChangeAspect="1"/>
-          </p:cNvPicPr>
-          <p:nvPr/>
-        </p:nvPicPr>
-        <p:blipFill>
-          <a:blip r:embed="rId3"/>
-          <a:stretch>
-            <a:fillRect/>
-          </a:stretch>
-        </p:blipFill>
-        <p:spPr>
-          <a:xfrm>
-            <a:off x="1279791" y="1981094"/>
-            <a:ext cx="8996233" cy="2568045"/>
-          </a:xfrm>
-          <a:prstGeom prst="rect">
-            <a:avLst/>
-          </a:prstGeom>
-        </p:spPr>
-      </p:pic>
-      <p:sp>
-        <p:nvSpPr>
-          <p:cNvPr id="6" name="TextBox 5">
-            <a:extLst>
-              <a:ext uri="{FF2B5EF4-FFF2-40B4-BE49-F238E27FC236}">
-                <a16:creationId xmlns:a16="http://schemas.microsoft.com/office/drawing/2014/main" id="{CC884873-F578-792C-2D39-4A1797EA7DC3}"/>
-              </a:ext>
-            </a:extLst>
-          </p:cNvPr>
-          <p:cNvSpPr txBox="1"/>
-          <p:nvPr/>
-        </p:nvSpPr>
-        <p:spPr>
-          <a:xfrm>
-            <a:off x="1279791" y="1611762"/>
-            <a:ext cx="2173865" cy="369332"/>
-          </a:xfrm>
-          <a:prstGeom prst="rect">
-            <a:avLst/>
-          </a:prstGeom>
-          <a:solidFill>
-            <a:schemeClr val="accent4"/>
-          </a:solidFill>
-        </p:spPr>
-        <p:txBody>
-          <a:bodyPr wrap="none" rtlCol="0">
-            <a:spAutoFit/>
-          </a:bodyPr>
-          <a:lstStyle/>
-          <a:p>
-            <a:r>
-              <a:rPr lang="en-US" dirty="0"/>
-              <a:t>Download </a:t>
-            </a:r>
-            <a:r>
-              <a:rPr lang="en-US" dirty="0" err="1"/>
-              <a:t>smtp.pcap</a:t>
-            </a:r>
-            <a:endParaRPr lang="en-US" dirty="0"/>
-          </a:p>
-        </p:txBody>
-      </p:sp>
-    </p:spTree>
-    <p:extLst>
-      <p:ext uri="{BB962C8B-B14F-4D97-AF65-F5344CB8AC3E}">
-        <p14:creationId xmlns:p14="http://schemas.microsoft.com/office/powerpoint/2010/main" val="2401898171"/>
-      </p:ext>
-    </p:extLst>
-  </p:cSld>
-  <p:clrMapOvr>
-    <a:masterClrMapping/>
-  </p:clrMapOvr>
-</p:sld>
-</file>
-
-<file path=ppt/slides/slide9.xml><?xml version="1.0" encoding="utf-8"?>
-<p:sld xmlns:a="http://schemas.openxmlformats.org/drawingml/2006/main" xmlns:r="http://schemas.openxmlformats.org/officeDocument/2006/relationships" xmlns:p="http://schemas.openxmlformats.org/presentationml/2006/main">
-  <p:cSld>
-    <p:spTree>
-      <p:nvGrpSpPr>
-        <p:cNvPr id="1" name=""/>
-        <p:cNvGrpSpPr/>
-        <p:nvPr/>
-      </p:nvGrpSpPr>
-      <p:grpSpPr>
-        <a:xfrm>
-          <a:off x="0" y="0"/>
-          <a:ext cx="0" cy="0"/>
-          <a:chOff x="0" y="0"/>
-          <a:chExt cx="0" cy="0"/>
-        </a:xfrm>
-      </p:grpSpPr>
-      <p:sp>
-        <p:nvSpPr>
-          <p:cNvPr id="2" name="Title 1">
-            <a:extLst>
-              <a:ext uri="{FF2B5EF4-FFF2-40B4-BE49-F238E27FC236}">
-                <a16:creationId xmlns:a16="http://schemas.microsoft.com/office/drawing/2014/main" id="{35CC16BB-9765-0422-F216-3FBB7652FCFE}"/>
-              </a:ext>
-            </a:extLst>
-          </p:cNvPr>
-          <p:cNvSpPr>
-            <a:spLocks noGrp="1"/>
-          </p:cNvSpPr>
-          <p:nvPr>
-            <p:ph type="title"/>
-          </p:nvPr>
-        </p:nvSpPr>
-        <p:spPr/>
-        <p:txBody>
-          <a:bodyPr/>
-          <a:lstStyle/>
-          <a:p>
-            <a:r>
-              <a:rPr lang="en-US" dirty="0"/>
-              <a:t>DNS query</a:t>
-            </a:r>
-          </a:p>
-        </p:txBody>
-      </p:sp>
-      <p:pic>
-        <p:nvPicPr>
-          <p:cNvPr id="4" name="Picture 3">
-            <a:extLst>
-              <a:ext uri="{FF2B5EF4-FFF2-40B4-BE49-F238E27FC236}">
-                <a16:creationId xmlns:a16="http://schemas.microsoft.com/office/drawing/2014/main" id="{1004AE38-3974-1668-FAD5-C110759780CB}"/>
-              </a:ext>
-            </a:extLst>
-          </p:cNvPr>
-          <p:cNvPicPr>
-            <a:picLocks noChangeAspect="1"/>
-          </p:cNvPicPr>
-          <p:nvPr/>
-        </p:nvPicPr>
-        <p:blipFill>
-          <a:blip r:embed="rId2"/>
-          <a:stretch>
-            <a:fillRect/>
-          </a:stretch>
-        </p:blipFill>
-        <p:spPr>
-          <a:xfrm>
-            <a:off x="936872" y="1690687"/>
-            <a:ext cx="9995669" cy="4417881"/>
-          </a:xfrm>
-          <a:prstGeom prst="rect">
-            <a:avLst/>
-          </a:prstGeom>
-        </p:spPr>
-      </p:pic>
-      <p:sp>
-        <p:nvSpPr>
-          <p:cNvPr id="5" name="TextBox 4">
-            <a:extLst>
-              <a:ext uri="{FF2B5EF4-FFF2-40B4-BE49-F238E27FC236}">
-                <a16:creationId xmlns:a16="http://schemas.microsoft.com/office/drawing/2014/main" id="{40691274-A02B-5E41-85FD-02F288A74E21}"/>
-              </a:ext>
-            </a:extLst>
-          </p:cNvPr>
-          <p:cNvSpPr txBox="1"/>
-          <p:nvPr/>
-        </p:nvSpPr>
-        <p:spPr>
-          <a:xfrm>
-            <a:off x="5660486" y="4520982"/>
-            <a:ext cx="2554664" cy="646331"/>
-          </a:xfrm>
-          <a:prstGeom prst="rect">
-            <a:avLst/>
-          </a:prstGeom>
-          <a:solidFill>
-            <a:schemeClr val="accent4">
-              <a:lumMod val="20000"/>
-              <a:lumOff val="80000"/>
-            </a:schemeClr>
-          </a:solidFill>
-        </p:spPr>
-        <p:txBody>
-          <a:bodyPr wrap="square" rtlCol="0">
-            <a:spAutoFit/>
-          </a:bodyPr>
-          <a:lstStyle/>
-          <a:p>
-            <a:pPr algn="ctr"/>
-            <a:r>
-              <a:rPr lang="en-US" dirty="0"/>
-              <a:t>Application layer protocol</a:t>
-            </a:r>
-          </a:p>
-        </p:txBody>
-      </p:sp>
-      <p:cxnSp>
-        <p:nvCxnSpPr>
-          <p:cNvPr id="7" name="Straight Arrow Connector 6">
-            <a:extLst>
-              <a:ext uri="{FF2B5EF4-FFF2-40B4-BE49-F238E27FC236}">
-                <a16:creationId xmlns:a16="http://schemas.microsoft.com/office/drawing/2014/main" id="{11F5E6DE-D4E8-D784-2B5E-7FF46A7F50F5}"/>
-              </a:ext>
-            </a:extLst>
-          </p:cNvPr>
-          <p:cNvCxnSpPr>
-            <a:cxnSpLocks/>
-          </p:cNvCxnSpPr>
-          <p:nvPr/>
-        </p:nvCxnSpPr>
-        <p:spPr>
-          <a:xfrm flipH="1">
-            <a:off x="4556760" y="4844147"/>
-            <a:ext cx="1001160" cy="169813"/>
-          </a:xfrm>
-          <a:prstGeom prst="straightConnector1">
-            <a:avLst/>
-          </a:prstGeom>
-          <a:ln>
-            <a:tailEnd type="triangle"/>
-          </a:ln>
-        </p:spPr>
-        <p:style>
-          <a:lnRef idx="1">
-            <a:schemeClr val="accent1"/>
-          </a:lnRef>
-          <a:fillRef idx="0">
-            <a:schemeClr val="accent1"/>
-          </a:fillRef>
-          <a:effectRef idx="0">
-            <a:schemeClr val="accent1"/>
-          </a:effectRef>
-          <a:fontRef idx="minor">
-            <a:schemeClr val="tx1"/>
-          </a:fontRef>
-        </p:style>
-      </p:cxnSp>
-      <p:sp>
-        <p:nvSpPr>
-          <p:cNvPr id="9" name="TextBox 8">
-            <a:extLst>
-              <a:ext uri="{FF2B5EF4-FFF2-40B4-BE49-F238E27FC236}">
-                <a16:creationId xmlns:a16="http://schemas.microsoft.com/office/drawing/2014/main" id="{FDFBFA24-A1A8-5375-F699-7A9058A2FD55}"/>
-              </a:ext>
-            </a:extLst>
-          </p:cNvPr>
-          <p:cNvSpPr txBox="1"/>
-          <p:nvPr/>
-        </p:nvSpPr>
-        <p:spPr>
-          <a:xfrm>
-            <a:off x="5196840" y="936295"/>
-            <a:ext cx="5061194" cy="369332"/>
-          </a:xfrm>
-          <a:prstGeom prst="rect">
-            <a:avLst/>
-          </a:prstGeom>
-          <a:noFill/>
-        </p:spPr>
-        <p:txBody>
-          <a:bodyPr wrap="none" rtlCol="0">
-            <a:spAutoFit/>
-          </a:bodyPr>
-          <a:lstStyle/>
-          <a:p>
-            <a:r>
-              <a:rPr lang="en-US" dirty="0"/>
-              <a:t>Router, please find the IP of </a:t>
-            </a:r>
-            <a:r>
-              <a:rPr lang="en-US" dirty="0">
-                <a:solidFill>
-                  <a:srgbClr val="FF0000"/>
-                </a:solidFill>
-                <a:latin typeface="OCRB" panose="020B0609020202020204" pitchFamily="49" charset="0"/>
-              </a:rPr>
-              <a:t>mail.patriots.in</a:t>
-            </a:r>
-          </a:p>
-        </p:txBody>
-      </p:sp>
-      <mc:AlternateContent xmlns:mc="http://schemas.openxmlformats.org/markup-compatibility/2006">
-        <mc:Choice xmlns:p14="http://schemas.microsoft.com/office/powerpoint/2010/main" Requires="p14">
-          <p:contentPart p14:bwMode="auto" r:id="rId3">
-            <p14:nvContentPartPr>
-              <p14:cNvPr id="10" name="Ink 9">
-                <a:extLst>
-                  <a:ext uri="{FF2B5EF4-FFF2-40B4-BE49-F238E27FC236}">
-                    <a16:creationId xmlns:a16="http://schemas.microsoft.com/office/drawing/2014/main" id="{D6C40712-CD4C-1326-A5DF-A296102D88FC}"/>
-                  </a:ext>
-                </a:extLst>
-              </p14:cNvPr>
-              <p14:cNvContentPartPr/>
-              <p14:nvPr/>
-            </p14:nvContentPartPr>
-            <p14:xfrm>
-              <a:off x="5194680" y="898440"/>
-              <a:ext cx="726480" cy="405720"/>
-            </p14:xfrm>
-          </p:contentPart>
-        </mc:Choice>
-        <mc:Fallback>
-          <p:pic>
-            <p:nvPicPr>
-              <p:cNvPr id="10" name="Ink 9">
-                <a:extLst>
-                  <a:ext uri="{FF2B5EF4-FFF2-40B4-BE49-F238E27FC236}">
-                    <a16:creationId xmlns:a16="http://schemas.microsoft.com/office/drawing/2014/main" id="{D6C40712-CD4C-1326-A5DF-A296102D88FC}"/>
-                  </a:ext>
-                </a:extLst>
-              </p:cNvPr>
-              <p:cNvPicPr/>
-              <p:nvPr/>
-            </p:nvPicPr>
-            <p:blipFill>
-              <a:blip r:embed="rId4"/>
-              <a:stretch>
-                <a:fillRect/>
-              </a:stretch>
-            </p:blipFill>
-            <p:spPr>
-              <a:xfrm>
-                <a:off x="5186040" y="889440"/>
-                <a:ext cx="744120" cy="423360"/>
-              </a:xfrm>
-              <a:prstGeom prst="rect">
-                <a:avLst/>
-              </a:prstGeom>
-            </p:spPr>
-          </p:pic>
-        </mc:Fallback>
-      </mc:AlternateContent>
-      <mc:AlternateContent xmlns:mc="http://schemas.openxmlformats.org/markup-compatibility/2006">
-        <mc:Choice xmlns:p14="http://schemas.microsoft.com/office/powerpoint/2010/main" Requires="p14">
-          <p:contentPart p14:bwMode="auto" r:id="rId5">
-            <p14:nvContentPartPr>
-              <p14:cNvPr id="12" name="Ink 11">
-                <a:extLst>
-                  <a:ext uri="{FF2B5EF4-FFF2-40B4-BE49-F238E27FC236}">
-                    <a16:creationId xmlns:a16="http://schemas.microsoft.com/office/drawing/2014/main" id="{0415D518-1F35-E2FB-4F4C-59A6DE7173E5}"/>
-                  </a:ext>
-                </a:extLst>
-              </p14:cNvPr>
-              <p14:cNvContentPartPr/>
-              <p14:nvPr/>
-            </p14:nvContentPartPr>
-            <p14:xfrm>
-              <a:off x="4137000" y="1561200"/>
-              <a:ext cx="1113840" cy="497160"/>
-            </p14:xfrm>
-          </p:contentPart>
-        </mc:Choice>
-        <mc:Fallback>
-          <p:pic>
-            <p:nvPicPr>
-              <p:cNvPr id="12" name="Ink 11">
-                <a:extLst>
-                  <a:ext uri="{FF2B5EF4-FFF2-40B4-BE49-F238E27FC236}">
-                    <a16:creationId xmlns:a16="http://schemas.microsoft.com/office/drawing/2014/main" id="{0415D518-1F35-E2FB-4F4C-59A6DE7173E5}"/>
-                  </a:ext>
-                </a:extLst>
-              </p:cNvPr>
-              <p:cNvPicPr/>
-              <p:nvPr/>
-            </p:nvPicPr>
-            <p:blipFill>
-              <a:blip r:embed="rId6"/>
-              <a:stretch>
-                <a:fillRect/>
-              </a:stretch>
-            </p:blipFill>
-            <p:spPr>
-              <a:xfrm>
-                <a:off x="4128360" y="1552200"/>
-                <a:ext cx="1131480" cy="514800"/>
-              </a:xfrm>
-              <a:prstGeom prst="rect">
-                <a:avLst/>
-              </a:prstGeom>
-            </p:spPr>
-          </p:pic>
-        </mc:Fallback>
-      </mc:AlternateContent>
-      <p:grpSp>
-        <p:nvGrpSpPr>
-          <p:cNvPr id="15" name="Group 14">
-            <a:extLst>
-              <a:ext uri="{FF2B5EF4-FFF2-40B4-BE49-F238E27FC236}">
-                <a16:creationId xmlns:a16="http://schemas.microsoft.com/office/drawing/2014/main" id="{B6A4EAA6-2F3B-27DF-ADBA-26797C923432}"/>
-              </a:ext>
-            </a:extLst>
-          </p:cNvPr>
-          <p:cNvGrpSpPr/>
-          <p:nvPr/>
-        </p:nvGrpSpPr>
-        <p:grpSpPr>
-          <a:xfrm>
-            <a:off x="5059320" y="1211280"/>
-            <a:ext cx="289800" cy="375840"/>
-            <a:chOff x="5059320" y="1211280"/>
-            <a:chExt cx="289800" cy="375840"/>
-          </a:xfrm>
-        </p:grpSpPr>
-        <mc:AlternateContent xmlns:mc="http://schemas.openxmlformats.org/markup-compatibility/2006">
-          <mc:Choice xmlns:p14="http://schemas.microsoft.com/office/powerpoint/2010/main" Requires="p14">
-            <p:contentPart p14:bwMode="auto" r:id="rId7">
-              <p14:nvContentPartPr>
-                <p14:cNvPr id="13" name="Ink 12">
-                  <a:extLst>
-                    <a:ext uri="{FF2B5EF4-FFF2-40B4-BE49-F238E27FC236}">
-                      <a16:creationId xmlns:a16="http://schemas.microsoft.com/office/drawing/2014/main" id="{9E09E665-23FE-895B-3D66-D6BDAB12C76A}"/>
-                    </a:ext>
-                  </a:extLst>
-                </p14:cNvPr>
-                <p14:cNvContentPartPr/>
-                <p14:nvPr/>
-              </p14:nvContentPartPr>
-              <p14:xfrm>
-                <a:off x="5110800" y="1211280"/>
-                <a:ext cx="238320" cy="363600"/>
-              </p14:xfrm>
-            </p:contentPart>
-          </mc:Choice>
-          <mc:Fallback>
-            <p:pic>
-              <p:nvPicPr>
-                <p:cNvPr id="13" name="Ink 12">
-                  <a:extLst>
-                    <a:ext uri="{FF2B5EF4-FFF2-40B4-BE49-F238E27FC236}">
-                      <a16:creationId xmlns:a16="http://schemas.microsoft.com/office/drawing/2014/main" id="{9E09E665-23FE-895B-3D66-D6BDAB12C76A}"/>
-                    </a:ext>
-                  </a:extLst>
-                </p:cNvPr>
-                <p:cNvPicPr/>
-                <p:nvPr/>
-              </p:nvPicPr>
-              <p:blipFill>
-                <a:blip r:embed="rId8"/>
-                <a:stretch>
-                  <a:fillRect/>
-                </a:stretch>
-              </p:blipFill>
-              <p:spPr>
-                <a:xfrm>
-                  <a:off x="5102160" y="1202640"/>
-                  <a:ext cx="255960" cy="381240"/>
-                </a:xfrm>
-                <a:prstGeom prst="rect">
-                  <a:avLst/>
-                </a:prstGeom>
-              </p:spPr>
-            </p:pic>
-          </mc:Fallback>
-        </mc:AlternateContent>
-        <mc:AlternateContent xmlns:mc="http://schemas.openxmlformats.org/markup-compatibility/2006">
-          <mc:Choice xmlns:p14="http://schemas.microsoft.com/office/powerpoint/2010/main" Requires="p14">
-            <p:contentPart p14:bwMode="auto" r:id="rId9">
-              <p14:nvContentPartPr>
-                <p14:cNvPr id="14" name="Ink 13">
-                  <a:extLst>
-                    <a:ext uri="{FF2B5EF4-FFF2-40B4-BE49-F238E27FC236}">
-                      <a16:creationId xmlns:a16="http://schemas.microsoft.com/office/drawing/2014/main" id="{33C20503-5E21-BF50-37DB-CB0FA10A6ABD}"/>
-                    </a:ext>
-                  </a:extLst>
-                </p14:cNvPr>
-                <p14:cNvContentPartPr/>
-                <p14:nvPr/>
-              </p14:nvContentPartPr>
-              <p14:xfrm>
-                <a:off x="5059320" y="1439880"/>
-                <a:ext cx="182520" cy="147240"/>
-              </p14:xfrm>
-            </p:contentPart>
-          </mc:Choice>
-          <mc:Fallback>
-            <p:pic>
-              <p:nvPicPr>
-                <p:cNvPr id="14" name="Ink 13">
-                  <a:extLst>
-                    <a:ext uri="{FF2B5EF4-FFF2-40B4-BE49-F238E27FC236}">
-                      <a16:creationId xmlns:a16="http://schemas.microsoft.com/office/drawing/2014/main" id="{33C20503-5E21-BF50-37DB-CB0FA10A6ABD}"/>
-                    </a:ext>
-                  </a:extLst>
-                </p:cNvPr>
-                <p:cNvPicPr/>
-                <p:nvPr/>
-              </p:nvPicPr>
-              <p:blipFill>
-                <a:blip r:embed="rId10"/>
-                <a:stretch>
-                  <a:fillRect/>
-                </a:stretch>
-              </p:blipFill>
-              <p:spPr>
-                <a:xfrm>
-                  <a:off x="5050680" y="1431240"/>
-                  <a:ext cx="200160" cy="164880"/>
-                </a:xfrm>
-                <a:prstGeom prst="rect">
-                  <a:avLst/>
-                </a:prstGeom>
-              </p:spPr>
-            </p:pic>
-          </mc:Fallback>
-        </mc:AlternateContent>
-      </p:grpSp>
-      <mc:AlternateContent xmlns:mc="http://schemas.openxmlformats.org/markup-compatibility/2006">
-        <mc:Choice xmlns:p14="http://schemas.microsoft.com/office/powerpoint/2010/main" Requires="p14">
-          <p:contentPart p14:bwMode="auto" r:id="rId11">
-            <p14:nvContentPartPr>
-              <p14:cNvPr id="16" name="Ink 15">
-                <a:extLst>
-                  <a:ext uri="{FF2B5EF4-FFF2-40B4-BE49-F238E27FC236}">
-                    <a16:creationId xmlns:a16="http://schemas.microsoft.com/office/drawing/2014/main" id="{2A596C41-EBB9-1645-2115-00A8D8AE18AA}"/>
-                  </a:ext>
-                </a:extLst>
-              </p14:cNvPr>
-              <p14:cNvContentPartPr/>
-              <p14:nvPr/>
-            </p14:nvContentPartPr>
-            <p14:xfrm>
-              <a:off x="1377600" y="5592120"/>
-              <a:ext cx="1489320" cy="338400"/>
-            </p14:xfrm>
-          </p:contentPart>
-        </mc:Choice>
-        <mc:Fallback>
-          <p:pic>
-            <p:nvPicPr>
-              <p:cNvPr id="16" name="Ink 15">
-                <a:extLst>
-                  <a:ext uri="{FF2B5EF4-FFF2-40B4-BE49-F238E27FC236}">
-                    <a16:creationId xmlns:a16="http://schemas.microsoft.com/office/drawing/2014/main" id="{2A596C41-EBB9-1645-2115-00A8D8AE18AA}"/>
-                  </a:ext>
-                </a:extLst>
-              </p:cNvPr>
-              <p:cNvPicPr/>
-              <p:nvPr/>
-            </p:nvPicPr>
-            <p:blipFill>
-              <a:blip r:embed="rId12"/>
-              <a:stretch>
-                <a:fillRect/>
-              </a:stretch>
-            </p:blipFill>
-            <p:spPr>
-              <a:xfrm>
-                <a:off x="1368600" y="5583120"/>
-                <a:ext cx="1506960" cy="356040"/>
-              </a:xfrm>
-              <a:prstGeom prst="rect">
-                <a:avLst/>
-              </a:prstGeom>
-            </p:spPr>
-          </p:pic>
-        </mc:Fallback>
-      </mc:AlternateContent>
-      <p:sp>
-        <p:nvSpPr>
-          <p:cNvPr id="18" name="TextBox 17">
-            <a:extLst>
-              <a:ext uri="{FF2B5EF4-FFF2-40B4-BE49-F238E27FC236}">
-                <a16:creationId xmlns:a16="http://schemas.microsoft.com/office/drawing/2014/main" id="{002C302E-2532-B5B0-DD97-F1071CB99747}"/>
-              </a:ext>
-            </a:extLst>
-          </p:cNvPr>
-          <p:cNvSpPr txBox="1"/>
-          <p:nvPr/>
-        </p:nvSpPr>
-        <p:spPr>
-          <a:xfrm>
-            <a:off x="5660486" y="5569545"/>
-            <a:ext cx="4283614" cy="923330"/>
-          </a:xfrm>
-          <a:prstGeom prst="rect">
-            <a:avLst/>
-          </a:prstGeom>
-          <a:solidFill>
-            <a:schemeClr val="accent4">
-              <a:lumMod val="20000"/>
-              <a:lumOff val="80000"/>
-            </a:schemeClr>
-          </a:solidFill>
-        </p:spPr>
-        <p:txBody>
-          <a:bodyPr wrap="square">
-            <a:spAutoFit/>
-          </a:bodyPr>
-          <a:lstStyle/>
-          <a:p>
-            <a:r>
-              <a:rPr lang="en-GB" dirty="0"/>
-              <a:t>asking it to return the IPv4 (</a:t>
-            </a:r>
-            <a:r>
-              <a:rPr lang="en-GB" dirty="0">
-                <a:solidFill>
-                  <a:srgbClr val="FF0000"/>
-                </a:solidFill>
-              </a:rPr>
-              <a:t>Type A</a:t>
-            </a:r>
-            <a:r>
-              <a:rPr lang="en-GB" dirty="0"/>
-              <a:t>) address associated with a given domain name, using the Internet namespace (</a:t>
-            </a:r>
-            <a:r>
-              <a:rPr lang="en-GB" dirty="0">
-                <a:solidFill>
-                  <a:srgbClr val="FF0000"/>
-                </a:solidFill>
-              </a:rPr>
-              <a:t>Class IN</a:t>
-            </a:r>
-            <a:r>
-              <a:rPr lang="en-GB" dirty="0"/>
-              <a:t>).</a:t>
-            </a:r>
-            <a:endParaRPr lang="en-US" dirty="0"/>
-          </a:p>
-        </p:txBody>
-      </p:sp>
-      <p:cxnSp>
-        <p:nvCxnSpPr>
-          <p:cNvPr id="21" name="Straight Arrow Connector 20">
-            <a:extLst>
-              <a:ext uri="{FF2B5EF4-FFF2-40B4-BE49-F238E27FC236}">
-                <a16:creationId xmlns:a16="http://schemas.microsoft.com/office/drawing/2014/main" id="{F018414E-277D-B3AF-9EE9-47FC4D78D477}"/>
-              </a:ext>
-            </a:extLst>
-          </p:cNvPr>
-          <p:cNvCxnSpPr>
-            <a:cxnSpLocks/>
-            <a:stCxn id="18" idx="1"/>
-          </p:cNvCxnSpPr>
-          <p:nvPr/>
-        </p:nvCxnSpPr>
-        <p:spPr>
-          <a:xfrm flipH="1" flipV="1">
-            <a:off x="4137000" y="5761320"/>
-            <a:ext cx="1523486" cy="269890"/>
-          </a:xfrm>
-          <a:prstGeom prst="straightConnector1">
-            <a:avLst/>
-          </a:prstGeom>
-          <a:ln>
-            <a:tailEnd type="triangle"/>
-          </a:ln>
-        </p:spPr>
-        <p:style>
-          <a:lnRef idx="1">
-            <a:schemeClr val="accent4"/>
-          </a:lnRef>
-          <a:fillRef idx="0">
-            <a:schemeClr val="accent4"/>
-          </a:fillRef>
-          <a:effectRef idx="0">
-            <a:schemeClr val="accent4"/>
-          </a:effectRef>
-          <a:fontRef idx="minor">
-            <a:schemeClr val="tx1"/>
-          </a:fontRef>
-        </p:style>
-      </p:cxnSp>
-      <p:grpSp>
-        <p:nvGrpSpPr>
-          <p:cNvPr id="32" name="Group 31">
-            <a:extLst>
-              <a:ext uri="{FF2B5EF4-FFF2-40B4-BE49-F238E27FC236}">
-                <a16:creationId xmlns:a16="http://schemas.microsoft.com/office/drawing/2014/main" id="{A359E180-3474-CF87-14DF-E1C3AE2DAB46}"/>
-              </a:ext>
-            </a:extLst>
-          </p:cNvPr>
-          <p:cNvGrpSpPr/>
-          <p:nvPr/>
-        </p:nvGrpSpPr>
-        <p:grpSpPr>
-          <a:xfrm>
-            <a:off x="2674680" y="807360"/>
-            <a:ext cx="2480040" cy="1189440"/>
-            <a:chOff x="2674680" y="807360"/>
-            <a:chExt cx="2480040" cy="1189440"/>
-          </a:xfrm>
-        </p:grpSpPr>
-        <mc:AlternateContent xmlns:mc="http://schemas.openxmlformats.org/markup-compatibility/2006">
-          <mc:Choice xmlns:p14="http://schemas.microsoft.com/office/powerpoint/2010/main" Requires="p14">
-            <p:contentPart p14:bwMode="auto" r:id="rId13">
-              <p14:nvContentPartPr>
-                <p14:cNvPr id="29" name="Ink 28">
-                  <a:extLst>
-                    <a:ext uri="{FF2B5EF4-FFF2-40B4-BE49-F238E27FC236}">
-                      <a16:creationId xmlns:a16="http://schemas.microsoft.com/office/drawing/2014/main" id="{AE207851-7DF6-61F0-8AEE-9FC1C3B9EC55}"/>
-                    </a:ext>
-                  </a:extLst>
-                </p14:cNvPr>
-                <p14:cNvContentPartPr/>
-                <p14:nvPr/>
-              </p14:nvContentPartPr>
-              <p14:xfrm>
-                <a:off x="2674680" y="1507920"/>
-                <a:ext cx="891720" cy="488880"/>
-              </p14:xfrm>
-            </p:contentPart>
-          </mc:Choice>
-          <mc:Fallback>
-            <p:pic>
-              <p:nvPicPr>
-                <p:cNvPr id="29" name="Ink 28">
-                  <a:extLst>
-                    <a:ext uri="{FF2B5EF4-FFF2-40B4-BE49-F238E27FC236}">
-                      <a16:creationId xmlns:a16="http://schemas.microsoft.com/office/drawing/2014/main" id="{AE207851-7DF6-61F0-8AEE-9FC1C3B9EC55}"/>
-                    </a:ext>
-                  </a:extLst>
-                </p:cNvPr>
-                <p:cNvPicPr/>
-                <p:nvPr/>
-              </p:nvPicPr>
-              <p:blipFill>
-                <a:blip r:embed="rId14"/>
-                <a:stretch>
-                  <a:fillRect/>
-                </a:stretch>
-              </p:blipFill>
-              <p:spPr>
-                <a:xfrm>
-                  <a:off x="2666040" y="1499280"/>
-                  <a:ext cx="909360" cy="506520"/>
-                </a:xfrm>
-                <a:prstGeom prst="rect">
-                  <a:avLst/>
-                </a:prstGeom>
-              </p:spPr>
-            </p:pic>
-          </mc:Fallback>
-        </mc:AlternateContent>
-        <mc:AlternateContent xmlns:mc="http://schemas.openxmlformats.org/markup-compatibility/2006">
-          <mc:Choice xmlns:p14="http://schemas.microsoft.com/office/powerpoint/2010/main" Requires="p14">
-            <p:contentPart p14:bwMode="auto" r:id="rId15">
-              <p14:nvContentPartPr>
-                <p14:cNvPr id="30" name="Ink 29">
-                  <a:extLst>
-                    <a:ext uri="{FF2B5EF4-FFF2-40B4-BE49-F238E27FC236}">
-                      <a16:creationId xmlns:a16="http://schemas.microsoft.com/office/drawing/2014/main" id="{CA3C95AD-391D-A532-E940-896DF8D3A9E0}"/>
-                    </a:ext>
-                  </a:extLst>
-                </p14:cNvPr>
-                <p14:cNvContentPartPr/>
-                <p14:nvPr/>
-              </p14:nvContentPartPr>
-              <p14:xfrm>
-                <a:off x="3535440" y="966840"/>
-                <a:ext cx="1619280" cy="603000"/>
-              </p14:xfrm>
-            </p:contentPart>
-          </mc:Choice>
-          <mc:Fallback>
-            <p:pic>
-              <p:nvPicPr>
-                <p:cNvPr id="30" name="Ink 29">
-                  <a:extLst>
-                    <a:ext uri="{FF2B5EF4-FFF2-40B4-BE49-F238E27FC236}">
-                      <a16:creationId xmlns:a16="http://schemas.microsoft.com/office/drawing/2014/main" id="{CA3C95AD-391D-A532-E940-896DF8D3A9E0}"/>
-                    </a:ext>
-                  </a:extLst>
-                </p:cNvPr>
-                <p:cNvPicPr/>
-                <p:nvPr/>
-              </p:nvPicPr>
-              <p:blipFill>
-                <a:blip r:embed="rId16"/>
-                <a:stretch>
-                  <a:fillRect/>
-                </a:stretch>
-              </p:blipFill>
-              <p:spPr>
-                <a:xfrm>
-                  <a:off x="3526800" y="958200"/>
-                  <a:ext cx="1636920" cy="620640"/>
-                </a:xfrm>
-                <a:prstGeom prst="rect">
-                  <a:avLst/>
-                </a:prstGeom>
-              </p:spPr>
-            </p:pic>
-          </mc:Fallback>
-        </mc:AlternateContent>
-        <mc:AlternateContent xmlns:mc="http://schemas.openxmlformats.org/markup-compatibility/2006">
-          <mc:Choice xmlns:p14="http://schemas.microsoft.com/office/powerpoint/2010/main" Requires="p14">
-            <p:contentPart p14:bwMode="auto" r:id="rId17">
-              <p14:nvContentPartPr>
-                <p14:cNvPr id="31" name="Ink 30">
-                  <a:extLst>
-                    <a:ext uri="{FF2B5EF4-FFF2-40B4-BE49-F238E27FC236}">
-                      <a16:creationId xmlns:a16="http://schemas.microsoft.com/office/drawing/2014/main" id="{31C498B8-D62E-7267-B3F3-9E8AD8A112F1}"/>
-                    </a:ext>
-                  </a:extLst>
-                </p14:cNvPr>
-                <p14:cNvContentPartPr/>
-                <p14:nvPr/>
-              </p14:nvContentPartPr>
-              <p14:xfrm>
-                <a:off x="4986960" y="807360"/>
-                <a:ext cx="132480" cy="323280"/>
-              </p14:xfrm>
-            </p:contentPart>
-          </mc:Choice>
-          <mc:Fallback>
-            <p:pic>
-              <p:nvPicPr>
-                <p:cNvPr id="31" name="Ink 30">
-                  <a:extLst>
-                    <a:ext uri="{FF2B5EF4-FFF2-40B4-BE49-F238E27FC236}">
-                      <a16:creationId xmlns:a16="http://schemas.microsoft.com/office/drawing/2014/main" id="{31C498B8-D62E-7267-B3F3-9E8AD8A112F1}"/>
-                    </a:ext>
-                  </a:extLst>
-                </p:cNvPr>
-                <p:cNvPicPr/>
-                <p:nvPr/>
-              </p:nvPicPr>
-              <p:blipFill>
-                <a:blip r:embed="rId18"/>
-                <a:stretch>
-                  <a:fillRect/>
-                </a:stretch>
-              </p:blipFill>
-              <p:spPr>
-                <a:xfrm>
-                  <a:off x="4977960" y="798720"/>
-                  <a:ext cx="150120" cy="340920"/>
-                </a:xfrm>
-                <a:prstGeom prst="rect">
-                  <a:avLst/>
-                </a:prstGeom>
-              </p:spPr>
-            </p:pic>
-          </mc:Fallback>
-        </mc:AlternateContent>
-      </p:grpSp>
-    </p:spTree>
-    <p:extLst>
-      <p:ext uri="{BB962C8B-B14F-4D97-AF65-F5344CB8AC3E}">
-        <p14:creationId xmlns:p14="http://schemas.microsoft.com/office/powerpoint/2010/main" val="819357341"/>
       </p:ext>
     </p:extLst>
   </p:cSld>
